--- a/Documentation/RC_CAR.pptx
+++ b/Documentation/RC_CAR.pptx
@@ -5,17 +5,18 @@
     <p:sldMasterId id="2147483648" r:id="rId1"/>
   </p:sldMasterIdLst>
   <p:notesMasterIdLst>
-    <p:notesMasterId r:id="rId10"/>
+    <p:notesMasterId r:id="rId11"/>
   </p:notesMasterIdLst>
   <p:sldIdLst>
     <p:sldId id="256" r:id="rId2"/>
     <p:sldId id="257" r:id="rId3"/>
     <p:sldId id="259" r:id="rId4"/>
-    <p:sldId id="260" r:id="rId5"/>
-    <p:sldId id="258" r:id="rId6"/>
-    <p:sldId id="261" r:id="rId7"/>
-    <p:sldId id="262" r:id="rId8"/>
-    <p:sldId id="263" r:id="rId9"/>
+    <p:sldId id="264" r:id="rId5"/>
+    <p:sldId id="260" r:id="rId6"/>
+    <p:sldId id="258" r:id="rId7"/>
+    <p:sldId id="261" r:id="rId8"/>
+    <p:sldId id="262" r:id="rId9"/>
+    <p:sldId id="263" r:id="rId10"/>
   </p:sldIdLst>
   <p:sldSz cx="12192000" cy="6858000"/>
   <p:notesSz cx="6858000" cy="9144000"/>
@@ -114,6 +115,11 @@
       </a:defRPr>
     </a:lvl9pPr>
   </p:defaultTextStyle>
+  <p:extLst>
+    <p:ext uri="{EFAFB233-063F-42B5-8137-9DF3F51BA10A}">
+      <p15:sldGuideLst xmlns:p15="http://schemas.microsoft.com/office/powerpoint/2012/main"/>
+    </p:ext>
+  </p:extLst>
 </p:presentation>
 </file>
 
@@ -636,7 +642,7 @@
           <a:p>
             <a:fld id="{E9EF8655-73E4-44B9-B8C0-E21199306151}" type="datetimeFigureOut">
               <a:rPr lang="nl-BE" smtClean="0"/>
-              <a:t>26/11/2024</a:t>
+              <a:t>2/12/2024</a:t>
             </a:fld>
             <a:endParaRPr lang="nl-BE"/>
           </a:p>
@@ -1137,7 +1143,7 @@
           <a:p>
             <a:fld id="{7923C555-3AB5-4532-9E20-23C21D0CB45B}" type="datetimeFigureOut">
               <a:rPr lang="nl-BE" smtClean="0"/>
-              <a:t>26/11/2024</a:t>
+              <a:t>2/12/2024</a:t>
             </a:fld>
             <a:endParaRPr lang="nl-BE"/>
           </a:p>
@@ -1337,7 +1343,7 @@
           <a:p>
             <a:fld id="{7923C555-3AB5-4532-9E20-23C21D0CB45B}" type="datetimeFigureOut">
               <a:rPr lang="nl-BE" smtClean="0"/>
-              <a:t>26/11/2024</a:t>
+              <a:t>2/12/2024</a:t>
             </a:fld>
             <a:endParaRPr lang="nl-BE"/>
           </a:p>
@@ -1547,7 +1553,7 @@
           <a:p>
             <a:fld id="{7923C555-3AB5-4532-9E20-23C21D0CB45B}" type="datetimeFigureOut">
               <a:rPr lang="nl-BE" smtClean="0"/>
-              <a:t>26/11/2024</a:t>
+              <a:t>2/12/2024</a:t>
             </a:fld>
             <a:endParaRPr lang="nl-BE"/>
           </a:p>
@@ -1747,7 +1753,7 @@
           <a:p>
             <a:fld id="{7923C555-3AB5-4532-9E20-23C21D0CB45B}" type="datetimeFigureOut">
               <a:rPr lang="nl-BE" smtClean="0"/>
-              <a:t>26/11/2024</a:t>
+              <a:t>2/12/2024</a:t>
             </a:fld>
             <a:endParaRPr lang="nl-BE"/>
           </a:p>
@@ -2023,7 +2029,7 @@
           <a:p>
             <a:fld id="{7923C555-3AB5-4532-9E20-23C21D0CB45B}" type="datetimeFigureOut">
               <a:rPr lang="nl-BE" smtClean="0"/>
-              <a:t>26/11/2024</a:t>
+              <a:t>2/12/2024</a:t>
             </a:fld>
             <a:endParaRPr lang="nl-BE"/>
           </a:p>
@@ -2291,7 +2297,7 @@
           <a:p>
             <a:fld id="{7923C555-3AB5-4532-9E20-23C21D0CB45B}" type="datetimeFigureOut">
               <a:rPr lang="nl-BE" smtClean="0"/>
-              <a:t>26/11/2024</a:t>
+              <a:t>2/12/2024</a:t>
             </a:fld>
             <a:endParaRPr lang="nl-BE"/>
           </a:p>
@@ -2706,7 +2712,7 @@
           <a:p>
             <a:fld id="{7923C555-3AB5-4532-9E20-23C21D0CB45B}" type="datetimeFigureOut">
               <a:rPr lang="nl-BE" smtClean="0"/>
-              <a:t>26/11/2024</a:t>
+              <a:t>2/12/2024</a:t>
             </a:fld>
             <a:endParaRPr lang="nl-BE"/>
           </a:p>
@@ -2848,7 +2854,7 @@
           <a:p>
             <a:fld id="{7923C555-3AB5-4532-9E20-23C21D0CB45B}" type="datetimeFigureOut">
               <a:rPr lang="nl-BE" smtClean="0"/>
-              <a:t>26/11/2024</a:t>
+              <a:t>2/12/2024</a:t>
             </a:fld>
             <a:endParaRPr lang="nl-BE"/>
           </a:p>
@@ -2961,7 +2967,7 @@
           <a:p>
             <a:fld id="{7923C555-3AB5-4532-9E20-23C21D0CB45B}" type="datetimeFigureOut">
               <a:rPr lang="nl-BE" smtClean="0"/>
-              <a:t>26/11/2024</a:t>
+              <a:t>2/12/2024</a:t>
             </a:fld>
             <a:endParaRPr lang="nl-BE"/>
           </a:p>
@@ -3274,7 +3280,7 @@
           <a:p>
             <a:fld id="{7923C555-3AB5-4532-9E20-23C21D0CB45B}" type="datetimeFigureOut">
               <a:rPr lang="nl-BE" smtClean="0"/>
-              <a:t>26/11/2024</a:t>
+              <a:t>2/12/2024</a:t>
             </a:fld>
             <a:endParaRPr lang="nl-BE"/>
           </a:p>
@@ -3563,7 +3569,7 @@
           <a:p>
             <a:fld id="{7923C555-3AB5-4532-9E20-23C21D0CB45B}" type="datetimeFigureOut">
               <a:rPr lang="nl-BE" smtClean="0"/>
-              <a:t>26/11/2024</a:t>
+              <a:t>2/12/2024</a:t>
             </a:fld>
             <a:endParaRPr lang="nl-BE"/>
           </a:p>
@@ -3806,7 +3812,7 @@
           <a:p>
             <a:fld id="{7923C555-3AB5-4532-9E20-23C21D0CB45B}" type="datetimeFigureOut">
               <a:rPr lang="nl-BE" smtClean="0"/>
-              <a:t>26/11/2024</a:t>
+              <a:t>2/12/2024</a:t>
             </a:fld>
             <a:endParaRPr lang="nl-BE"/>
           </a:p>
@@ -5512,7 +5518,7 @@
         </p:nvSpPr>
         <p:spPr>
           <a:xfrm>
-            <a:off x="838200" y="365125"/>
+            <a:off x="828040" y="365125"/>
             <a:ext cx="10515600" cy="1325563"/>
           </a:xfrm>
         </p:spPr>
@@ -6168,35 +6174,157 @@
           </a:p>
         </p:txBody>
       </p:sp>
+      <p:pic>
+        <p:nvPicPr>
+          <p:cNvPr id="4" name="Afbeelding 3" descr="Afbeelding met tekst, diagram, Plan, schermopname&#10;&#10;Automatisch gegenereerde beschrijving">
+            <a:extLst>
+              <a:ext uri="{FF2B5EF4-FFF2-40B4-BE49-F238E27FC236}">
+                <a16:creationId xmlns:a16="http://schemas.microsoft.com/office/drawing/2014/main" id="{01538E62-B75B-C5C4-15AE-227C6DA15D67}"/>
+              </a:ext>
+            </a:extLst>
+          </p:cNvPr>
+          <p:cNvPicPr>
+            <a:picLocks noChangeAspect="1"/>
+          </p:cNvPicPr>
+          <p:nvPr/>
+        </p:nvPicPr>
+        <p:blipFill>
+          <a:blip r:embed="rId2"/>
+          <a:stretch>
+            <a:fillRect/>
+          </a:stretch>
+        </p:blipFill>
+        <p:spPr>
+          <a:xfrm>
+            <a:off x="501445" y="2055813"/>
+            <a:ext cx="6188177" cy="4296880"/>
+          </a:xfrm>
+          <a:prstGeom prst="rect">
+            <a:avLst/>
+          </a:prstGeom>
+        </p:spPr>
+      </p:pic>
       <p:sp>
         <p:nvSpPr>
-          <p:cNvPr id="3" name="Tijdelijke aanduiding voor inhoud 2">
+          <p:cNvPr id="5" name="Tekstvak 4">
             <a:extLst>
               <a:ext uri="{FF2B5EF4-FFF2-40B4-BE49-F238E27FC236}">
-                <a16:creationId xmlns:a16="http://schemas.microsoft.com/office/drawing/2014/main" id="{8884CDBB-DDA0-D141-77F9-F40D0BD54C65}"/>
+                <a16:creationId xmlns:a16="http://schemas.microsoft.com/office/drawing/2014/main" id="{0510F6AE-AB2C-C311-FCA8-26078E12E316}"/>
               </a:ext>
             </a:extLst>
           </p:cNvPr>
-          <p:cNvSpPr>
-            <a:spLocks noGrp="1"/>
-          </p:cNvSpPr>
-          <p:nvPr>
-            <p:ph idx="1"/>
-          </p:nvPr>
+          <p:cNvSpPr txBox="1"/>
+          <p:nvPr/>
         </p:nvSpPr>
         <p:spPr>
           <a:xfrm>
-            <a:off x="838200" y="1929384"/>
-            <a:ext cx="10515600" cy="4251960"/>
+            <a:off x="7109355" y="2926080"/>
+            <a:ext cx="4930260" cy="2308324"/>
           </a:xfrm>
+          <a:prstGeom prst="rect">
+            <a:avLst/>
+          </a:prstGeom>
+          <a:noFill/>
         </p:spPr>
         <p:txBody>
-          <a:bodyPr>
-            <a:normAutofit/>
+          <a:bodyPr wrap="none" rtlCol="0">
+            <a:spAutoFit/>
           </a:bodyPr>
           <a:lstStyle/>
           <a:p>
-            <a:endParaRPr lang="nl-BE" sz="2200"/>
+            <a:pPr marL="285750" indent="-285750">
+              <a:buFont typeface="Arial" panose="020B0604020202020204" pitchFamily="34" charset="0"/>
+              <a:buChar char="•"/>
+            </a:pPr>
+            <a:r>
+              <a:rPr lang="en-GB" dirty="0"/>
+              <a:t>12V battery power source</a:t>
+            </a:r>
+          </a:p>
+          <a:p>
+            <a:pPr marL="285750" indent="-285750">
+              <a:buFont typeface="Arial" panose="020B0604020202020204" pitchFamily="34" charset="0"/>
+              <a:buChar char="•"/>
+            </a:pPr>
+            <a:r>
+              <a:rPr lang="en-GB" dirty="0"/>
+              <a:t>5V linear regulator for </a:t>
+            </a:r>
+            <a:r>
+              <a:rPr lang="en-GB" dirty="0" err="1"/>
+              <a:t>PSoC</a:t>
+            </a:r>
+            <a:r>
+              <a:rPr lang="en-GB" dirty="0"/>
+              <a:t> power source</a:t>
+            </a:r>
+          </a:p>
+          <a:p>
+            <a:pPr marL="285750" indent="-285750">
+              <a:buFont typeface="Arial" panose="020B0604020202020204" pitchFamily="34" charset="0"/>
+              <a:buChar char="•"/>
+            </a:pPr>
+            <a:r>
+              <a:rPr lang="en-GB" dirty="0"/>
+              <a:t>MPU6050 I²C interfaced temperature sensor/</a:t>
+            </a:r>
+          </a:p>
+          <a:p>
+            <a:r>
+              <a:rPr lang="en-GB" dirty="0"/>
+              <a:t>      accelerometer/gyroscope </a:t>
+            </a:r>
+          </a:p>
+          <a:p>
+            <a:pPr marL="285750" indent="-285750">
+              <a:buFont typeface="Arial" panose="020B0604020202020204" pitchFamily="34" charset="0"/>
+              <a:buChar char="•"/>
+            </a:pPr>
+            <a:r>
+              <a:rPr lang="en-GB" dirty="0"/>
+              <a:t>Logic level shifter using </a:t>
+            </a:r>
+            <a:r>
+              <a:rPr lang="en-GB" dirty="0" err="1"/>
+              <a:t>mosfets</a:t>
+            </a:r>
+            <a:endParaRPr lang="en-GB" dirty="0"/>
+          </a:p>
+          <a:p>
+            <a:pPr marL="285750" indent="-285750">
+              <a:buFont typeface="Arial" panose="020B0604020202020204" pitchFamily="34" charset="0"/>
+              <a:buChar char="•"/>
+            </a:pPr>
+            <a:r>
+              <a:rPr lang="en-GB" sz="1800" dirty="0">
+                <a:effectLst/>
+                <a:latin typeface="Aptos" panose="020B0004020202020204" pitchFamily="34" charset="0"/>
+                <a:ea typeface="Aptos" panose="020B0004020202020204" pitchFamily="34" charset="0"/>
+                <a:cs typeface="Arial" panose="020B0604020202020204" pitchFamily="34" charset="0"/>
+              </a:rPr>
+              <a:t>L293D H bridge I</a:t>
+            </a:r>
+            <a:r>
+              <a:rPr lang="en-GB" dirty="0">
+                <a:latin typeface="Aptos" panose="020B0004020202020204" pitchFamily="34" charset="0"/>
+                <a:ea typeface="Aptos" panose="020B0004020202020204" pitchFamily="34" charset="0"/>
+                <a:cs typeface="Arial" panose="020B0604020202020204" pitchFamily="34" charset="0"/>
+              </a:rPr>
+              <a:t>C</a:t>
+            </a:r>
+          </a:p>
+          <a:p>
+            <a:pPr marL="285750" indent="-285750">
+              <a:buFont typeface="Arial" panose="020B0604020202020204" pitchFamily="34" charset="0"/>
+              <a:buChar char="•"/>
+            </a:pPr>
+            <a:r>
+              <a:rPr lang="en-GB" dirty="0"/>
+              <a:t>Two DC motors </a:t>
+            </a:r>
+          </a:p>
+          <a:p>
+            <a:endParaRPr lang="nl-BE" dirty="0"/>
           </a:p>
         </p:txBody>
       </p:sp>
@@ -6214,6 +6342,191 @@
 </file>
 
 <file path=ppt/slides/slide4.xml><?xml version="1.0" encoding="utf-8"?>
+<p:sld xmlns:a="http://schemas.openxmlformats.org/drawingml/2006/main" xmlns:r="http://schemas.openxmlformats.org/officeDocument/2006/relationships" xmlns:p="http://schemas.openxmlformats.org/presentationml/2006/main">
+  <p:cSld>
+    <p:spTree>
+      <p:nvGrpSpPr>
+        <p:cNvPr id="1" name="">
+          <a:extLst>
+            <a:ext uri="{FF2B5EF4-FFF2-40B4-BE49-F238E27FC236}">
+              <a16:creationId xmlns:a16="http://schemas.microsoft.com/office/drawing/2014/main" id="{75814131-F8E7-63E3-E21C-1A18E2C7D305}"/>
+            </a:ext>
+          </a:extLst>
+        </p:cNvPr>
+        <p:cNvGrpSpPr/>
+        <p:nvPr/>
+      </p:nvGrpSpPr>
+      <p:grpSpPr>
+        <a:xfrm>
+          <a:off x="0" y="0"/>
+          <a:ext cx="0" cy="0"/>
+          <a:chOff x="0" y="0"/>
+          <a:chExt cx="0" cy="0"/>
+        </a:xfrm>
+      </p:grpSpPr>
+      <p:sp>
+        <p:nvSpPr>
+          <p:cNvPr id="2" name="Titel 1">
+            <a:extLst>
+              <a:ext uri="{FF2B5EF4-FFF2-40B4-BE49-F238E27FC236}">
+                <a16:creationId xmlns:a16="http://schemas.microsoft.com/office/drawing/2014/main" id="{1B24391A-8832-05C2-2C1E-8F011C17467C}"/>
+              </a:ext>
+            </a:extLst>
+          </p:cNvPr>
+          <p:cNvSpPr>
+            <a:spLocks noGrp="1"/>
+          </p:cNvSpPr>
+          <p:nvPr>
+            <p:ph type="title"/>
+          </p:nvPr>
+        </p:nvSpPr>
+        <p:spPr>
+          <a:xfrm>
+            <a:off x="838200" y="365125"/>
+            <a:ext cx="10515600" cy="1325563"/>
+          </a:xfrm>
+        </p:spPr>
+        <p:txBody>
+          <a:bodyPr>
+            <a:normAutofit/>
+          </a:bodyPr>
+          <a:lstStyle/>
+          <a:p>
+            <a:r>
+              <a:rPr lang="en-GB" sz="5400"/>
+              <a:t>Car System</a:t>
+            </a:r>
+            <a:endParaRPr lang="nl-BE" sz="5400"/>
+          </a:p>
+        </p:txBody>
+      </p:sp>
+      <p:pic>
+        <p:nvPicPr>
+          <p:cNvPr id="3" name="Afbeelding 2" descr="Foto openen">
+            <a:extLst>
+              <a:ext uri="{FF2B5EF4-FFF2-40B4-BE49-F238E27FC236}">
+                <a16:creationId xmlns:a16="http://schemas.microsoft.com/office/drawing/2014/main" id="{0A688D9C-C89D-E273-617D-24E219AC293A}"/>
+              </a:ext>
+            </a:extLst>
+          </p:cNvPr>
+          <p:cNvPicPr>
+            <a:picLocks noChangeAspect="1"/>
+          </p:cNvPicPr>
+          <p:nvPr/>
+        </p:nvPicPr>
+        <p:blipFill>
+          <a:blip r:embed="rId2" cstate="print">
+            <a:extLst>
+              <a:ext uri="{28A0092B-C50C-407E-A947-70E740481C1C}">
+                <a14:useLocalDpi xmlns:a14="http://schemas.microsoft.com/office/drawing/2010/main" val="0"/>
+              </a:ext>
+            </a:extLst>
+          </a:blip>
+          <a:srcRect/>
+          <a:stretch>
+            <a:fillRect/>
+          </a:stretch>
+        </p:blipFill>
+        <p:spPr bwMode="auto">
+          <a:xfrm>
+            <a:off x="1222952" y="1966195"/>
+            <a:ext cx="3547837" cy="3266205"/>
+          </a:xfrm>
+          <a:prstGeom prst="rect">
+            <a:avLst/>
+          </a:prstGeom>
+          <a:noFill/>
+          <a:ln>
+            <a:noFill/>
+          </a:ln>
+        </p:spPr>
+      </p:pic>
+      <p:sp>
+        <p:nvSpPr>
+          <p:cNvPr id="5" name="Tekstvak 4">
+            <a:extLst>
+              <a:ext uri="{FF2B5EF4-FFF2-40B4-BE49-F238E27FC236}">
+                <a16:creationId xmlns:a16="http://schemas.microsoft.com/office/drawing/2014/main" id="{69C6CB85-6BEC-BEDE-72B5-C59E8CFFC6D6}"/>
+              </a:ext>
+            </a:extLst>
+          </p:cNvPr>
+          <p:cNvSpPr txBox="1"/>
+          <p:nvPr/>
+        </p:nvSpPr>
+        <p:spPr>
+          <a:xfrm>
+            <a:off x="527508" y="5728601"/>
+            <a:ext cx="4938724" cy="369332"/>
+          </a:xfrm>
+          <a:prstGeom prst="rect">
+            <a:avLst/>
+          </a:prstGeom>
+          <a:noFill/>
+        </p:spPr>
+        <p:txBody>
+          <a:bodyPr wrap="none" rtlCol="0">
+            <a:spAutoFit/>
+          </a:bodyPr>
+          <a:lstStyle/>
+          <a:p>
+            <a:r>
+              <a:rPr lang="en-GB" dirty="0"/>
+              <a:t>Custom soldered circuit board for cleaner setup</a:t>
+            </a:r>
+            <a:endParaRPr lang="nl-BE" dirty="0"/>
+          </a:p>
+        </p:txBody>
+      </p:sp>
+      <p:sp>
+        <p:nvSpPr>
+          <p:cNvPr id="6" name="Tekstvak 5">
+            <a:extLst>
+              <a:ext uri="{FF2B5EF4-FFF2-40B4-BE49-F238E27FC236}">
+                <a16:creationId xmlns:a16="http://schemas.microsoft.com/office/drawing/2014/main" id="{E034852F-33AB-9403-4178-24E82A403C32}"/>
+              </a:ext>
+            </a:extLst>
+          </p:cNvPr>
+          <p:cNvSpPr txBox="1"/>
+          <p:nvPr/>
+        </p:nvSpPr>
+        <p:spPr>
+          <a:xfrm>
+            <a:off x="6624320" y="5728601"/>
+            <a:ext cx="4861331" cy="369332"/>
+          </a:xfrm>
+          <a:prstGeom prst="rect">
+            <a:avLst/>
+          </a:prstGeom>
+          <a:noFill/>
+        </p:spPr>
+        <p:txBody>
+          <a:bodyPr wrap="none" rtlCol="0">
+            <a:spAutoFit/>
+          </a:bodyPr>
+          <a:lstStyle/>
+          <a:p>
+            <a:r>
+              <a:rPr lang="en-GB" dirty="0"/>
+              <a:t>Full car setup along with black 3D printed frame</a:t>
+            </a:r>
+            <a:endParaRPr lang="nl-BE" dirty="0"/>
+          </a:p>
+        </p:txBody>
+      </p:sp>
+    </p:spTree>
+    <p:extLst>
+      <p:ext uri="{BB962C8B-B14F-4D97-AF65-F5344CB8AC3E}">
+        <p14:creationId xmlns:p14="http://schemas.microsoft.com/office/powerpoint/2010/main" val="1006793764"/>
+      </p:ext>
+    </p:extLst>
+  </p:cSld>
+  <p:clrMapOvr>
+    <a:masterClrMapping/>
+  </p:clrMapOvr>
+</p:sld>
+</file>
+
+<file path=ppt/slides/slide5.xml><?xml version="1.0" encoding="utf-8"?>
 <p:sld xmlns:a="http://schemas.openxmlformats.org/drawingml/2006/main" xmlns:r="http://schemas.openxmlformats.org/officeDocument/2006/relationships" xmlns:p="http://schemas.openxmlformats.org/presentationml/2006/main">
   <p:cSld>
     <p:bg>
@@ -7017,7 +7330,7 @@
 </p:sld>
 </file>
 
-<file path=ppt/slides/slide5.xml><?xml version="1.0" encoding="utf-8"?>
+<file path=ppt/slides/slide6.xml><?xml version="1.0" encoding="utf-8"?>
 <p:sld xmlns:a="http://schemas.openxmlformats.org/drawingml/2006/main" xmlns:r="http://schemas.openxmlformats.org/officeDocument/2006/relationships" xmlns:p="http://schemas.openxmlformats.org/presentationml/2006/main">
   <p:cSld>
     <p:bg>
@@ -7821,7 +8134,7 @@
 </p:sld>
 </file>
 
-<file path=ppt/slides/slide6.xml><?xml version="1.0" encoding="utf-8"?>
+<file path=ppt/slides/slide7.xml><?xml version="1.0" encoding="utf-8"?>
 <p:sld xmlns:a="http://schemas.openxmlformats.org/drawingml/2006/main" xmlns:r="http://schemas.openxmlformats.org/officeDocument/2006/relationships" xmlns:p="http://schemas.openxmlformats.org/presentationml/2006/main">
   <p:cSld>
     <p:bg>
@@ -8625,7 +8938,7 @@
 </p:sld>
 </file>
 
-<file path=ppt/slides/slide7.xml><?xml version="1.0" encoding="utf-8"?>
+<file path=ppt/slides/slide8.xml><?xml version="1.0" encoding="utf-8"?>
 <p:sld xmlns:a="http://schemas.openxmlformats.org/drawingml/2006/main" xmlns:r="http://schemas.openxmlformats.org/officeDocument/2006/relationships" xmlns:p="http://schemas.openxmlformats.org/presentationml/2006/main">
   <p:cSld>
     <p:bg>
@@ -9525,7 +9838,7 @@
 </p:sld>
 </file>
 
-<file path=ppt/slides/slide8.xml><?xml version="1.0" encoding="utf-8"?>
+<file path=ppt/slides/slide9.xml><?xml version="1.0" encoding="utf-8"?>
 <p:sld xmlns:a="http://schemas.openxmlformats.org/drawingml/2006/main" xmlns:r="http://schemas.openxmlformats.org/officeDocument/2006/relationships" xmlns:p="http://schemas.openxmlformats.org/presentationml/2006/main">
   <p:cSld>
     <p:bg>

--- a/Documentation/RC_CAR.pptx
+++ b/Documentation/RC_CAR.pptx
@@ -5,7 +5,7 @@
     <p:sldMasterId id="2147483648" r:id="rId1"/>
   </p:sldMasterIdLst>
   <p:notesMasterIdLst>
-    <p:notesMasterId r:id="rId11"/>
+    <p:notesMasterId r:id="rId12"/>
   </p:notesMasterIdLst>
   <p:sldIdLst>
     <p:sldId id="256" r:id="rId2"/>
@@ -13,10 +13,11 @@
     <p:sldId id="259" r:id="rId4"/>
     <p:sldId id="264" r:id="rId5"/>
     <p:sldId id="260" r:id="rId6"/>
-    <p:sldId id="258" r:id="rId7"/>
+    <p:sldId id="265" r:id="rId7"/>
     <p:sldId id="261" r:id="rId8"/>
     <p:sldId id="262" r:id="rId9"/>
-    <p:sldId id="263" r:id="rId10"/>
+    <p:sldId id="267" r:id="rId10"/>
+    <p:sldId id="266" r:id="rId11"/>
   </p:sldIdLst>
   <p:sldSz cx="12192000" cy="6858000"/>
   <p:notesSz cx="6858000" cy="9144000"/>
@@ -994,6 +995,306 @@
 </p:notes>
 </file>
 
+<file path=ppt/notesSlides/notesSlide2.xml><?xml version="1.0" encoding="utf-8"?>
+<p:notes xmlns:a="http://schemas.openxmlformats.org/drawingml/2006/main" xmlns:r="http://schemas.openxmlformats.org/officeDocument/2006/relationships" xmlns:p="http://schemas.openxmlformats.org/presentationml/2006/main">
+  <p:cSld>
+    <p:spTree>
+      <p:nvGrpSpPr>
+        <p:cNvPr id="1" name=""/>
+        <p:cNvGrpSpPr/>
+        <p:nvPr/>
+      </p:nvGrpSpPr>
+      <p:grpSpPr>
+        <a:xfrm>
+          <a:off x="0" y="0"/>
+          <a:ext cx="0" cy="0"/>
+          <a:chOff x="0" y="0"/>
+          <a:chExt cx="0" cy="0"/>
+        </a:xfrm>
+      </p:grpSpPr>
+      <p:sp>
+        <p:nvSpPr>
+          <p:cNvPr id="2" name="Tijdelijke aanduiding voor dia-afbeelding 1"/>
+          <p:cNvSpPr>
+            <a:spLocks noGrp="1" noRot="1" noChangeAspect="1"/>
+          </p:cNvSpPr>
+          <p:nvPr>
+            <p:ph type="sldImg"/>
+          </p:nvPr>
+        </p:nvSpPr>
+        <p:spPr/>
+      </p:sp>
+      <p:sp>
+        <p:nvSpPr>
+          <p:cNvPr id="3" name="Tijdelijke aanduiding voor notities 2"/>
+          <p:cNvSpPr>
+            <a:spLocks noGrp="1"/>
+          </p:cNvSpPr>
+          <p:nvPr>
+            <p:ph type="body" idx="1"/>
+          </p:nvPr>
+        </p:nvSpPr>
+        <p:spPr/>
+        <p:txBody>
+          <a:bodyPr/>
+          <a:lstStyle/>
+          <a:p>
+            <a:endParaRPr lang="nl-NL" dirty="0"/>
+          </a:p>
+        </p:txBody>
+      </p:sp>
+      <p:sp>
+        <p:nvSpPr>
+          <p:cNvPr id="4" name="Tijdelijke aanduiding voor dianummer 3"/>
+          <p:cNvSpPr>
+            <a:spLocks noGrp="1"/>
+          </p:cNvSpPr>
+          <p:nvPr>
+            <p:ph type="sldNum" sz="quarter" idx="5"/>
+          </p:nvPr>
+        </p:nvSpPr>
+        <p:spPr/>
+        <p:txBody>
+          <a:bodyPr/>
+          <a:lstStyle/>
+          <a:p>
+            <a:fld id="{2CDF1717-A383-40DD-AFFA-EE2C264D12EF}" type="slidenum">
+              <a:rPr lang="nl-BE" smtClean="0"/>
+              <a:t>6</a:t>
+            </a:fld>
+            <a:endParaRPr lang="nl-BE"/>
+          </a:p>
+        </p:txBody>
+      </p:sp>
+    </p:spTree>
+    <p:extLst>
+      <p:ext uri="{BB962C8B-B14F-4D97-AF65-F5344CB8AC3E}">
+        <p14:creationId xmlns:p14="http://schemas.microsoft.com/office/powerpoint/2010/main" val="2662319155"/>
+      </p:ext>
+    </p:extLst>
+  </p:cSld>
+  <p:clrMapOvr>
+    <a:masterClrMapping/>
+  </p:clrMapOvr>
+</p:notes>
+</file>
+
+<file path=ppt/notesSlides/notesSlide3.xml><?xml version="1.0" encoding="utf-8"?>
+<p:notes xmlns:a="http://schemas.openxmlformats.org/drawingml/2006/main" xmlns:r="http://schemas.openxmlformats.org/officeDocument/2006/relationships" xmlns:p="http://schemas.openxmlformats.org/presentationml/2006/main">
+  <p:cSld>
+    <p:spTree>
+      <p:nvGrpSpPr>
+        <p:cNvPr id="1" name="">
+          <a:extLst>
+            <a:ext uri="{FF2B5EF4-FFF2-40B4-BE49-F238E27FC236}">
+              <a16:creationId xmlns:a16="http://schemas.microsoft.com/office/drawing/2014/main" id="{E60DEEC3-AC75-9793-C356-B85AB7DA1349}"/>
+            </a:ext>
+          </a:extLst>
+        </p:cNvPr>
+        <p:cNvGrpSpPr/>
+        <p:nvPr/>
+      </p:nvGrpSpPr>
+      <p:grpSpPr>
+        <a:xfrm>
+          <a:off x="0" y="0"/>
+          <a:ext cx="0" cy="0"/>
+          <a:chOff x="0" y="0"/>
+          <a:chExt cx="0" cy="0"/>
+        </a:xfrm>
+      </p:grpSpPr>
+      <p:sp>
+        <p:nvSpPr>
+          <p:cNvPr id="2" name="Tijdelijke aanduiding voor dia-afbeelding 1">
+            <a:extLst>
+              <a:ext uri="{FF2B5EF4-FFF2-40B4-BE49-F238E27FC236}">
+                <a16:creationId xmlns:a16="http://schemas.microsoft.com/office/drawing/2014/main" id="{CFEF43E0-32C4-C532-CE65-3F9605CCA54A}"/>
+              </a:ext>
+            </a:extLst>
+          </p:cNvPr>
+          <p:cNvSpPr>
+            <a:spLocks noGrp="1" noRot="1" noChangeAspect="1"/>
+          </p:cNvSpPr>
+          <p:nvPr>
+            <p:ph type="sldImg"/>
+          </p:nvPr>
+        </p:nvSpPr>
+        <p:spPr/>
+      </p:sp>
+      <p:sp>
+        <p:nvSpPr>
+          <p:cNvPr id="3" name="Tijdelijke aanduiding voor notities 2">
+            <a:extLst>
+              <a:ext uri="{FF2B5EF4-FFF2-40B4-BE49-F238E27FC236}">
+                <a16:creationId xmlns:a16="http://schemas.microsoft.com/office/drawing/2014/main" id="{E8114355-A510-6E6F-C0B5-7B64A06B9CA3}"/>
+              </a:ext>
+            </a:extLst>
+          </p:cNvPr>
+          <p:cNvSpPr>
+            <a:spLocks noGrp="1"/>
+          </p:cNvSpPr>
+          <p:nvPr>
+            <p:ph type="body" idx="1"/>
+          </p:nvPr>
+        </p:nvSpPr>
+        <p:spPr/>
+        <p:txBody>
+          <a:bodyPr/>
+          <a:lstStyle/>
+          <a:p>
+            <a:endParaRPr lang="nl-NL" dirty="0"/>
+          </a:p>
+        </p:txBody>
+      </p:sp>
+      <p:sp>
+        <p:nvSpPr>
+          <p:cNvPr id="4" name="Tijdelijke aanduiding voor dianummer 3">
+            <a:extLst>
+              <a:ext uri="{FF2B5EF4-FFF2-40B4-BE49-F238E27FC236}">
+                <a16:creationId xmlns:a16="http://schemas.microsoft.com/office/drawing/2014/main" id="{9CA82C75-F97B-62F2-2D1E-9AB7911BA88C}"/>
+              </a:ext>
+            </a:extLst>
+          </p:cNvPr>
+          <p:cNvSpPr>
+            <a:spLocks noGrp="1"/>
+          </p:cNvSpPr>
+          <p:nvPr>
+            <p:ph type="sldNum" sz="quarter" idx="5"/>
+          </p:nvPr>
+        </p:nvSpPr>
+        <p:spPr/>
+        <p:txBody>
+          <a:bodyPr/>
+          <a:lstStyle/>
+          <a:p>
+            <a:fld id="{2CDF1717-A383-40DD-AFFA-EE2C264D12EF}" type="slidenum">
+              <a:rPr lang="nl-BE" smtClean="0"/>
+              <a:t>9</a:t>
+            </a:fld>
+            <a:endParaRPr lang="nl-BE"/>
+          </a:p>
+        </p:txBody>
+      </p:sp>
+    </p:spTree>
+    <p:extLst>
+      <p:ext uri="{BB962C8B-B14F-4D97-AF65-F5344CB8AC3E}">
+        <p14:creationId xmlns:p14="http://schemas.microsoft.com/office/powerpoint/2010/main" val="3290075161"/>
+      </p:ext>
+    </p:extLst>
+  </p:cSld>
+  <p:clrMapOvr>
+    <a:masterClrMapping/>
+  </p:clrMapOvr>
+</p:notes>
+</file>
+
+<file path=ppt/notesSlides/notesSlide4.xml><?xml version="1.0" encoding="utf-8"?>
+<p:notes xmlns:a="http://schemas.openxmlformats.org/drawingml/2006/main" xmlns:r="http://schemas.openxmlformats.org/officeDocument/2006/relationships" xmlns:p="http://schemas.openxmlformats.org/presentationml/2006/main">
+  <p:cSld>
+    <p:spTree>
+      <p:nvGrpSpPr>
+        <p:cNvPr id="1" name="">
+          <a:extLst>
+            <a:ext uri="{FF2B5EF4-FFF2-40B4-BE49-F238E27FC236}">
+              <a16:creationId xmlns:a16="http://schemas.microsoft.com/office/drawing/2014/main" id="{962E310D-8616-0CEF-3BFE-0BFEDE1D3146}"/>
+            </a:ext>
+          </a:extLst>
+        </p:cNvPr>
+        <p:cNvGrpSpPr/>
+        <p:nvPr/>
+      </p:nvGrpSpPr>
+      <p:grpSpPr>
+        <a:xfrm>
+          <a:off x="0" y="0"/>
+          <a:ext cx="0" cy="0"/>
+          <a:chOff x="0" y="0"/>
+          <a:chExt cx="0" cy="0"/>
+        </a:xfrm>
+      </p:grpSpPr>
+      <p:sp>
+        <p:nvSpPr>
+          <p:cNvPr id="2" name="Tijdelijke aanduiding voor dia-afbeelding 1">
+            <a:extLst>
+              <a:ext uri="{FF2B5EF4-FFF2-40B4-BE49-F238E27FC236}">
+                <a16:creationId xmlns:a16="http://schemas.microsoft.com/office/drawing/2014/main" id="{324663FB-1015-95E7-BA20-902611C048F8}"/>
+              </a:ext>
+            </a:extLst>
+          </p:cNvPr>
+          <p:cNvSpPr>
+            <a:spLocks noGrp="1" noRot="1" noChangeAspect="1"/>
+          </p:cNvSpPr>
+          <p:nvPr>
+            <p:ph type="sldImg"/>
+          </p:nvPr>
+        </p:nvSpPr>
+        <p:spPr/>
+      </p:sp>
+      <p:sp>
+        <p:nvSpPr>
+          <p:cNvPr id="3" name="Tijdelijke aanduiding voor notities 2">
+            <a:extLst>
+              <a:ext uri="{FF2B5EF4-FFF2-40B4-BE49-F238E27FC236}">
+                <a16:creationId xmlns:a16="http://schemas.microsoft.com/office/drawing/2014/main" id="{6C380202-C04B-4F8D-BD76-661DC93583B7}"/>
+              </a:ext>
+            </a:extLst>
+          </p:cNvPr>
+          <p:cNvSpPr>
+            <a:spLocks noGrp="1"/>
+          </p:cNvSpPr>
+          <p:nvPr>
+            <p:ph type="body" idx="1"/>
+          </p:nvPr>
+        </p:nvSpPr>
+        <p:spPr/>
+        <p:txBody>
+          <a:bodyPr/>
+          <a:lstStyle/>
+          <a:p>
+            <a:endParaRPr lang="nl-NL" dirty="0"/>
+          </a:p>
+        </p:txBody>
+      </p:sp>
+      <p:sp>
+        <p:nvSpPr>
+          <p:cNvPr id="4" name="Tijdelijke aanduiding voor dianummer 3">
+            <a:extLst>
+              <a:ext uri="{FF2B5EF4-FFF2-40B4-BE49-F238E27FC236}">
+                <a16:creationId xmlns:a16="http://schemas.microsoft.com/office/drawing/2014/main" id="{05F4AD96-1452-661E-FCF9-5183E5CCA101}"/>
+              </a:ext>
+            </a:extLst>
+          </p:cNvPr>
+          <p:cNvSpPr>
+            <a:spLocks noGrp="1"/>
+          </p:cNvSpPr>
+          <p:nvPr>
+            <p:ph type="sldNum" sz="quarter" idx="5"/>
+          </p:nvPr>
+        </p:nvSpPr>
+        <p:spPr/>
+        <p:txBody>
+          <a:bodyPr/>
+          <a:lstStyle/>
+          <a:p>
+            <a:fld id="{2CDF1717-A383-40DD-AFFA-EE2C264D12EF}" type="slidenum">
+              <a:rPr lang="nl-BE" smtClean="0"/>
+              <a:t>10</a:t>
+            </a:fld>
+            <a:endParaRPr lang="nl-BE"/>
+          </a:p>
+        </p:txBody>
+      </p:sp>
+    </p:spTree>
+    <p:extLst>
+      <p:ext uri="{BB962C8B-B14F-4D97-AF65-F5344CB8AC3E}">
+        <p14:creationId xmlns:p14="http://schemas.microsoft.com/office/powerpoint/2010/main" val="3389895657"/>
+      </p:ext>
+    </p:extLst>
+  </p:cSld>
+  <p:clrMapOvr>
+    <a:masterClrMapping/>
+  </p:clrMapOvr>
+</p:notes>
+</file>
+
 <file path=ppt/slideLayouts/slideLayout1.xml><?xml version="1.0" encoding="utf-8"?>
 <p:sldLayout xmlns:a="http://schemas.openxmlformats.org/drawingml/2006/main" xmlns:r="http://schemas.openxmlformats.org/officeDocument/2006/relationships" xmlns:p="http://schemas.openxmlformats.org/presentationml/2006/main" type="title" preserve="1">
   <p:cSld name="Titeldia">
@@ -4896,7 +5197,7 @@
 </p:sld>
 </file>
 
-<file path=ppt/slides/slide2.xml><?xml version="1.0" encoding="utf-8"?>
+<file path=ppt/slides/slide10.xml><?xml version="1.0" encoding="utf-8"?>
 <p:sld xmlns:a="http://schemas.openxmlformats.org/drawingml/2006/main" xmlns:r="http://schemas.openxmlformats.org/officeDocument/2006/relationships" xmlns:p="http://schemas.openxmlformats.org/presentationml/2006/main">
   <p:cSld>
     <p:bg>
@@ -4909,526 +5210,13 @@
     </p:bg>
     <p:spTree>
       <p:nvGrpSpPr>
-        <p:cNvPr id="1" name=""/>
-        <p:cNvGrpSpPr/>
-        <p:nvPr/>
-      </p:nvGrpSpPr>
-      <p:grpSpPr>
-        <a:xfrm>
-          <a:off x="0" y="0"/>
-          <a:ext cx="0" cy="0"/>
-          <a:chOff x="0" y="0"/>
-          <a:chExt cx="0" cy="0"/>
-        </a:xfrm>
-      </p:grpSpPr>
-      <p:sp useBgFill="1">
-        <p:nvSpPr>
-          <p:cNvPr id="18" name="Rectangle 10">
-            <a:extLst>
-              <a:ext uri="{FF2B5EF4-FFF2-40B4-BE49-F238E27FC236}">
-                <a16:creationId xmlns:a16="http://schemas.microsoft.com/office/drawing/2014/main" id="{2B97F24A-32CE-4C1C-A50D-3016B394DCFB}"/>
-              </a:ext>
-              <a:ext uri="{C183D7F6-B498-43B3-948B-1728B52AA6E4}">
-                <adec:decorative xmlns:adec="http://schemas.microsoft.com/office/drawing/2017/decorative" val="1"/>
-              </a:ext>
-            </a:extLst>
-          </p:cNvPr>
-          <p:cNvSpPr>
-            <a:spLocks noGrp="1" noRot="1" noChangeAspect="1" noMove="1" noResize="1" noEditPoints="1" noAdjustHandles="1" noChangeArrowheads="1" noChangeShapeType="1" noTextEdit="1"/>
-          </p:cNvSpPr>
-          <p:nvPr>
-            <p:extLst>
-              <p:ext uri="{386F3935-93C4-4BCD-93E2-E3B085C9AB24}">
-                <p16:designElem xmlns:p16="http://schemas.microsoft.com/office/powerpoint/2015/main" val="1"/>
-              </p:ext>
-            </p:extLst>
-          </p:nvPr>
-        </p:nvSpPr>
-        <p:spPr>
-          <a:xfrm>
-            <a:off x="0" y="0"/>
-            <a:ext cx="12192000" cy="6858000"/>
-          </a:xfrm>
-          <a:prstGeom prst="rect">
-            <a:avLst/>
-          </a:prstGeom>
-          <a:ln>
-            <a:noFill/>
-          </a:ln>
-        </p:spPr>
-        <p:style>
-          <a:lnRef idx="2">
-            <a:schemeClr val="accent1">
-              <a:shade val="50000"/>
-            </a:schemeClr>
-          </a:lnRef>
-          <a:fillRef idx="1">
-            <a:schemeClr val="accent1"/>
-          </a:fillRef>
-          <a:effectRef idx="0">
-            <a:schemeClr val="accent1"/>
-          </a:effectRef>
-          <a:fontRef idx="minor">
-            <a:schemeClr val="lt1"/>
-          </a:fontRef>
-        </p:style>
-        <p:txBody>
-          <a:bodyPr rtlCol="0" anchor="ctr"/>
-          <a:lstStyle/>
-          <a:p>
-            <a:pPr algn="ctr"/>
-            <a:endParaRPr lang="en-US"/>
-          </a:p>
-        </p:txBody>
-      </p:sp>
-      <p:sp>
-        <p:nvSpPr>
-          <p:cNvPr id="2" name="Titel 1">
-            <a:extLst>
-              <a:ext uri="{FF2B5EF4-FFF2-40B4-BE49-F238E27FC236}">
-                <a16:creationId xmlns:a16="http://schemas.microsoft.com/office/drawing/2014/main" id="{61CD53DD-3CB7-F65D-A9CD-8829AACF9B3C}"/>
-              </a:ext>
-            </a:extLst>
-          </p:cNvPr>
-          <p:cNvSpPr>
-            <a:spLocks noGrp="1"/>
-          </p:cNvSpPr>
-          <p:nvPr>
-            <p:ph type="title"/>
-          </p:nvPr>
-        </p:nvSpPr>
-        <p:spPr>
-          <a:xfrm>
-            <a:off x="630936" y="639520"/>
-            <a:ext cx="3429000" cy="1719072"/>
-          </a:xfrm>
-        </p:spPr>
-        <p:txBody>
-          <a:bodyPr vert="horz" lIns="91440" tIns="45720" rIns="91440" bIns="45720" rtlCol="0" anchor="b">
-            <a:normAutofit/>
-          </a:bodyPr>
-          <a:lstStyle/>
-          <a:p>
-            <a:r>
-              <a:rPr lang="en-US" sz="5400" kern="1200">
-                <a:solidFill>
-                  <a:schemeClr val="tx1"/>
-                </a:solidFill>
-                <a:latin typeface="+mj-lt"/>
-                <a:ea typeface="+mj-ea"/>
-                <a:cs typeface="+mj-cs"/>
-              </a:rPr>
-              <a:t>Block Diagram</a:t>
-            </a:r>
-          </a:p>
-        </p:txBody>
-      </p:sp>
-      <p:sp>
-        <p:nvSpPr>
-          <p:cNvPr id="19" name="sketch line">
-            <a:extLst>
-              <a:ext uri="{FF2B5EF4-FFF2-40B4-BE49-F238E27FC236}">
-                <a16:creationId xmlns:a16="http://schemas.microsoft.com/office/drawing/2014/main" id="{CD8B4F24-440B-49E9-B85D-733523DC064B}"/>
-              </a:ext>
-              <a:ext uri="{C183D7F6-B498-43B3-948B-1728B52AA6E4}">
-                <adec:decorative xmlns:adec="http://schemas.microsoft.com/office/drawing/2017/decorative" val="1"/>
-              </a:ext>
-            </a:extLst>
-          </p:cNvPr>
-          <p:cNvSpPr>
-            <a:spLocks noGrp="1" noRot="1" noChangeAspect="1" noMove="1" noResize="1" noEditPoints="1" noAdjustHandles="1" noChangeArrowheads="1" noChangeShapeType="1" noTextEdit="1"/>
-          </p:cNvSpPr>
-          <p:nvPr>
-            <p:extLst>
-              <p:ext uri="{386F3935-93C4-4BCD-93E2-E3B085C9AB24}">
-                <p16:designElem xmlns:p16="http://schemas.microsoft.com/office/powerpoint/2015/main" val="1"/>
-              </p:ext>
-            </p:extLst>
-          </p:nvPr>
-        </p:nvSpPr>
-        <p:spPr>
-          <a:xfrm>
-            <a:off x="643278" y="2573756"/>
-            <a:ext cx="3255095" cy="18288"/>
-          </a:xfrm>
-          <a:custGeom>
-            <a:avLst/>
-            <a:gdLst>
-              <a:gd name="connsiteX0" fmla="*/ 0 w 3255095"/>
-              <a:gd name="connsiteY0" fmla="*/ 0 h 18288"/>
-              <a:gd name="connsiteX1" fmla="*/ 618468 w 3255095"/>
-              <a:gd name="connsiteY1" fmla="*/ 0 h 18288"/>
-              <a:gd name="connsiteX2" fmla="*/ 1269487 w 3255095"/>
-              <a:gd name="connsiteY2" fmla="*/ 0 h 18288"/>
-              <a:gd name="connsiteX3" fmla="*/ 1953057 w 3255095"/>
-              <a:gd name="connsiteY3" fmla="*/ 0 h 18288"/>
-              <a:gd name="connsiteX4" fmla="*/ 2636627 w 3255095"/>
-              <a:gd name="connsiteY4" fmla="*/ 0 h 18288"/>
-              <a:gd name="connsiteX5" fmla="*/ 3255095 w 3255095"/>
-              <a:gd name="connsiteY5" fmla="*/ 0 h 18288"/>
-              <a:gd name="connsiteX6" fmla="*/ 3255095 w 3255095"/>
-              <a:gd name="connsiteY6" fmla="*/ 18288 h 18288"/>
-              <a:gd name="connsiteX7" fmla="*/ 2538974 w 3255095"/>
-              <a:gd name="connsiteY7" fmla="*/ 18288 h 18288"/>
-              <a:gd name="connsiteX8" fmla="*/ 1822853 w 3255095"/>
-              <a:gd name="connsiteY8" fmla="*/ 18288 h 18288"/>
-              <a:gd name="connsiteX9" fmla="*/ 1171834 w 3255095"/>
-              <a:gd name="connsiteY9" fmla="*/ 18288 h 18288"/>
-              <a:gd name="connsiteX10" fmla="*/ 0 w 3255095"/>
-              <a:gd name="connsiteY10" fmla="*/ 18288 h 18288"/>
-              <a:gd name="connsiteX11" fmla="*/ 0 w 3255095"/>
-              <a:gd name="connsiteY11" fmla="*/ 0 h 18288"/>
-            </a:gdLst>
-            <a:ahLst/>
-            <a:cxnLst>
-              <a:cxn ang="0">
-                <a:pos x="connsiteX0" y="connsiteY0"/>
-              </a:cxn>
-              <a:cxn ang="0">
-                <a:pos x="connsiteX1" y="connsiteY1"/>
-              </a:cxn>
-              <a:cxn ang="0">
-                <a:pos x="connsiteX2" y="connsiteY2"/>
-              </a:cxn>
-              <a:cxn ang="0">
-                <a:pos x="connsiteX3" y="connsiteY3"/>
-              </a:cxn>
-              <a:cxn ang="0">
-                <a:pos x="connsiteX4" y="connsiteY4"/>
-              </a:cxn>
-              <a:cxn ang="0">
-                <a:pos x="connsiteX5" y="connsiteY5"/>
-              </a:cxn>
-              <a:cxn ang="0">
-                <a:pos x="connsiteX6" y="connsiteY6"/>
-              </a:cxn>
-              <a:cxn ang="0">
-                <a:pos x="connsiteX7" y="connsiteY7"/>
-              </a:cxn>
-              <a:cxn ang="0">
-                <a:pos x="connsiteX8" y="connsiteY8"/>
-              </a:cxn>
-              <a:cxn ang="0">
-                <a:pos x="connsiteX9" y="connsiteY9"/>
-              </a:cxn>
-              <a:cxn ang="0">
-                <a:pos x="connsiteX10" y="connsiteY10"/>
-              </a:cxn>
-              <a:cxn ang="0">
-                <a:pos x="connsiteX11" y="connsiteY11"/>
-              </a:cxn>
-            </a:cxnLst>
-            <a:rect l="l" t="t" r="r" b="b"/>
-            <a:pathLst>
-              <a:path w="3255095" h="18288" fill="none" extrusionOk="0">
-                <a:moveTo>
-                  <a:pt x="0" y="0"/>
-                </a:moveTo>
-                <a:cubicBezTo>
-                  <a:pt x="240201" y="-22123"/>
-                  <a:pt x="462021" y="-19623"/>
-                  <a:pt x="618468" y="0"/>
-                </a:cubicBezTo>
-                <a:cubicBezTo>
-                  <a:pt x="774915" y="19623"/>
-                  <a:pt x="974734" y="2035"/>
-                  <a:pt x="1269487" y="0"/>
-                </a:cubicBezTo>
-                <a:cubicBezTo>
-                  <a:pt x="1564240" y="-2035"/>
-                  <a:pt x="1733579" y="10639"/>
-                  <a:pt x="1953057" y="0"/>
-                </a:cubicBezTo>
-                <a:cubicBezTo>
-                  <a:pt x="2172535" y="-10639"/>
-                  <a:pt x="2453962" y="14018"/>
-                  <a:pt x="2636627" y="0"/>
-                </a:cubicBezTo>
-                <a:cubicBezTo>
-                  <a:pt x="2819292" y="-14018"/>
-                  <a:pt x="3121375" y="5399"/>
-                  <a:pt x="3255095" y="0"/>
-                </a:cubicBezTo>
-                <a:cubicBezTo>
-                  <a:pt x="3254386" y="8157"/>
-                  <a:pt x="3254682" y="12125"/>
-                  <a:pt x="3255095" y="18288"/>
-                </a:cubicBezTo>
-                <a:cubicBezTo>
-                  <a:pt x="3088545" y="23203"/>
-                  <a:pt x="2687475" y="7419"/>
-                  <a:pt x="2538974" y="18288"/>
-                </a:cubicBezTo>
-                <a:cubicBezTo>
-                  <a:pt x="2390473" y="29157"/>
-                  <a:pt x="2137381" y="-8959"/>
-                  <a:pt x="1822853" y="18288"/>
-                </a:cubicBezTo>
-                <a:cubicBezTo>
-                  <a:pt x="1508325" y="45535"/>
-                  <a:pt x="1466437" y="20385"/>
-                  <a:pt x="1171834" y="18288"/>
-                </a:cubicBezTo>
-                <a:cubicBezTo>
-                  <a:pt x="877231" y="16191"/>
-                  <a:pt x="561097" y="37643"/>
-                  <a:pt x="0" y="18288"/>
-                </a:cubicBezTo>
-                <a:cubicBezTo>
-                  <a:pt x="-46" y="12483"/>
-                  <a:pt x="-203" y="6491"/>
-                  <a:pt x="0" y="0"/>
-                </a:cubicBezTo>
-                <a:close/>
-              </a:path>
-              <a:path w="3255095" h="18288" stroke="0" extrusionOk="0">
-                <a:moveTo>
-                  <a:pt x="0" y="0"/>
-                </a:moveTo>
-                <a:cubicBezTo>
-                  <a:pt x="291965" y="19429"/>
-                  <a:pt x="363155" y="8568"/>
-                  <a:pt x="618468" y="0"/>
-                </a:cubicBezTo>
-                <a:cubicBezTo>
-                  <a:pt x="873781" y="-8568"/>
-                  <a:pt x="904459" y="-19505"/>
-                  <a:pt x="1171834" y="0"/>
-                </a:cubicBezTo>
-                <a:cubicBezTo>
-                  <a:pt x="1439209" y="19505"/>
-                  <a:pt x="1744369" y="9790"/>
-                  <a:pt x="1887955" y="0"/>
-                </a:cubicBezTo>
-                <a:cubicBezTo>
-                  <a:pt x="2031541" y="-9790"/>
-                  <a:pt x="2346378" y="21240"/>
-                  <a:pt x="2506423" y="0"/>
-                </a:cubicBezTo>
-                <a:cubicBezTo>
-                  <a:pt x="2666468" y="-21240"/>
-                  <a:pt x="2990257" y="30414"/>
-                  <a:pt x="3255095" y="0"/>
-                </a:cubicBezTo>
-                <a:cubicBezTo>
-                  <a:pt x="3254831" y="4493"/>
-                  <a:pt x="3255479" y="9472"/>
-                  <a:pt x="3255095" y="18288"/>
-                </a:cubicBezTo>
-                <a:cubicBezTo>
-                  <a:pt x="3120743" y="16690"/>
-                  <a:pt x="2759628" y="42462"/>
-                  <a:pt x="2604076" y="18288"/>
-                </a:cubicBezTo>
-                <a:cubicBezTo>
-                  <a:pt x="2448524" y="-5886"/>
-                  <a:pt x="2184336" y="19599"/>
-                  <a:pt x="1887955" y="18288"/>
-                </a:cubicBezTo>
-                <a:cubicBezTo>
-                  <a:pt x="1591574" y="16977"/>
-                  <a:pt x="1548845" y="6870"/>
-                  <a:pt x="1334589" y="18288"/>
-                </a:cubicBezTo>
-                <a:cubicBezTo>
-                  <a:pt x="1120333" y="29706"/>
-                  <a:pt x="996014" y="9662"/>
-                  <a:pt x="683570" y="18288"/>
-                </a:cubicBezTo>
-                <a:cubicBezTo>
-                  <a:pt x="371126" y="26914"/>
-                  <a:pt x="198687" y="16167"/>
-                  <a:pt x="0" y="18288"/>
-                </a:cubicBezTo>
-                <a:cubicBezTo>
-                  <a:pt x="843" y="9577"/>
-                  <a:pt x="371" y="6900"/>
-                  <a:pt x="0" y="0"/>
-                </a:cubicBezTo>
-                <a:close/>
-              </a:path>
-            </a:pathLst>
-          </a:custGeom>
-          <a:solidFill>
-            <a:schemeClr val="accent2"/>
-          </a:solidFill>
-          <a:ln w="38100" cap="rnd">
-            <a:solidFill>
-              <a:schemeClr val="accent2"/>
-            </a:solidFill>
-            <a:round/>
-            <a:extLst>
-              <a:ext uri="{C807C97D-BFC1-408E-A445-0C87EB9F89A2}">
-                <ask:lineSketchStyleProps xmlns:ask="http://schemas.microsoft.com/office/drawing/2018/sketchyshapes" sd="1219033472">
-                  <a:prstGeom prst="rect">
-                    <a:avLst/>
-                  </a:prstGeom>
-                  <ask:type>
-                    <ask:lineSketchFreehand/>
-                  </ask:type>
-                </ask:lineSketchStyleProps>
-              </a:ext>
-            </a:extLst>
-          </a:ln>
-        </p:spPr>
-        <p:style>
-          <a:lnRef idx="2">
-            <a:schemeClr val="accent1">
-              <a:shade val="50000"/>
-            </a:schemeClr>
-          </a:lnRef>
-          <a:fillRef idx="1">
-            <a:schemeClr val="accent1"/>
-          </a:fillRef>
-          <a:effectRef idx="0">
-            <a:schemeClr val="accent1"/>
-          </a:effectRef>
-          <a:fontRef idx="minor">
-            <a:schemeClr val="lt1"/>
-          </a:fontRef>
-        </p:style>
-        <p:txBody>
-          <a:bodyPr rtlCol="0" anchor="ctr"/>
-          <a:lstStyle/>
-          <a:p>
-            <a:pPr algn="ctr"/>
-            <a:endParaRPr lang="en-US"/>
-          </a:p>
-        </p:txBody>
-      </p:sp>
-      <p:sp>
-        <p:nvSpPr>
-          <p:cNvPr id="6" name="Tekstvak 5">
-            <a:extLst>
-              <a:ext uri="{FF2B5EF4-FFF2-40B4-BE49-F238E27FC236}">
-                <a16:creationId xmlns:a16="http://schemas.microsoft.com/office/drawing/2014/main" id="{2A0226A2-E2D1-19FF-63D6-EA1C254647DD}"/>
-              </a:ext>
-            </a:extLst>
-          </p:cNvPr>
-          <p:cNvSpPr txBox="1"/>
-          <p:nvPr/>
-        </p:nvSpPr>
-        <p:spPr>
-          <a:xfrm>
-            <a:off x="630936" y="2807208"/>
-            <a:ext cx="3429000" cy="3410712"/>
-          </a:xfrm>
-          <a:prstGeom prst="rect">
-            <a:avLst/>
-          </a:prstGeom>
-        </p:spPr>
-        <p:txBody>
-          <a:bodyPr vert="horz" lIns="91440" tIns="45720" rIns="91440" bIns="45720" rtlCol="0" anchor="t">
-            <a:normAutofit/>
-          </a:bodyPr>
-          <a:lstStyle/>
-          <a:p>
-            <a:pPr marL="285750" indent="-228600">
-              <a:lnSpc>
-                <a:spcPct val="90000"/>
-              </a:lnSpc>
-              <a:spcAft>
-                <a:spcPts val="600"/>
-              </a:spcAft>
-              <a:buFont typeface="Arial" panose="020B0604020202020204" pitchFamily="34" charset="0"/>
-              <a:buChar char="•"/>
-            </a:pPr>
-            <a:r>
-              <a:rPr lang="en-US" sz="2200"/>
-              <a:t>Controller</a:t>
-            </a:r>
-          </a:p>
-          <a:p>
-            <a:pPr marL="285750" indent="-228600">
-              <a:lnSpc>
-                <a:spcPct val="90000"/>
-              </a:lnSpc>
-              <a:spcAft>
-                <a:spcPts val="600"/>
-              </a:spcAft>
-              <a:buFont typeface="Arial" panose="020B0604020202020204" pitchFamily="34" charset="0"/>
-              <a:buChar char="•"/>
-            </a:pPr>
-            <a:r>
-              <a:rPr lang="en-US" sz="2200"/>
-              <a:t>Car</a:t>
-            </a:r>
-          </a:p>
-          <a:p>
-            <a:pPr marL="285750" indent="-228600">
-              <a:lnSpc>
-                <a:spcPct val="90000"/>
-              </a:lnSpc>
-              <a:spcAft>
-                <a:spcPts val="600"/>
-              </a:spcAft>
-              <a:buFont typeface="Arial" panose="020B0604020202020204" pitchFamily="34" charset="0"/>
-              <a:buChar char="•"/>
-            </a:pPr>
-            <a:r>
-              <a:rPr lang="en-US" sz="2200"/>
-              <a:t>Server</a:t>
-            </a:r>
-          </a:p>
-        </p:txBody>
-      </p:sp>
-      <p:pic>
-        <p:nvPicPr>
-          <p:cNvPr id="5" name="Afbeelding 4">
-            <a:extLst>
-              <a:ext uri="{FF2B5EF4-FFF2-40B4-BE49-F238E27FC236}">
-                <a16:creationId xmlns:a16="http://schemas.microsoft.com/office/drawing/2014/main" id="{BBA4F7C3-A248-67D1-7F8C-2A35CF94AFEF}"/>
-              </a:ext>
-            </a:extLst>
-          </p:cNvPr>
-          <p:cNvPicPr>
-            <a:picLocks noChangeAspect="1"/>
-          </p:cNvPicPr>
-          <p:nvPr/>
-        </p:nvPicPr>
-        <p:blipFill>
-          <a:blip r:embed="rId3"/>
-          <a:stretch>
-            <a:fillRect/>
-          </a:stretch>
-        </p:blipFill>
-        <p:spPr>
-          <a:xfrm>
-            <a:off x="4654296" y="1047217"/>
-            <a:ext cx="6903720" cy="4763566"/>
-          </a:xfrm>
-          <a:prstGeom prst="rect">
-            <a:avLst/>
-          </a:prstGeom>
-        </p:spPr>
-      </p:pic>
-    </p:spTree>
-    <p:extLst>
-      <p:ext uri="{BB962C8B-B14F-4D97-AF65-F5344CB8AC3E}">
-        <p14:creationId xmlns:p14="http://schemas.microsoft.com/office/powerpoint/2010/main" val="151016810"/>
-      </p:ext>
-    </p:extLst>
-  </p:cSld>
-  <p:clrMapOvr>
-    <a:masterClrMapping/>
-  </p:clrMapOvr>
-</p:sld>
-</file>
-
-<file path=ppt/slides/slide3.xml><?xml version="1.0" encoding="utf-8"?>
-<p:sld xmlns:a="http://schemas.openxmlformats.org/drawingml/2006/main" xmlns:r="http://schemas.openxmlformats.org/officeDocument/2006/relationships" xmlns:p="http://schemas.openxmlformats.org/presentationml/2006/main">
-  <p:cSld>
-    <p:bg>
-      <p:bgPr>
-        <a:solidFill>
-          <a:schemeClr val="bg1"/>
-        </a:solidFill>
-        <a:effectLst/>
-      </p:bgPr>
-    </p:bg>
-    <p:spTree>
-      <p:nvGrpSpPr>
-        <p:cNvPr id="1" name=""/>
+        <p:cNvPr id="1" name="">
+          <a:extLst>
+            <a:ext uri="{FF2B5EF4-FFF2-40B4-BE49-F238E27FC236}">
+              <a16:creationId xmlns:a16="http://schemas.microsoft.com/office/drawing/2014/main" id="{90607009-0EA9-C5B1-1506-E21A32B441DE}"/>
+            </a:ext>
+          </a:extLst>
+        </p:cNvPr>
         <p:cNvGrpSpPr/>
         <p:nvPr/>
       </p:nvGrpSpPr>
@@ -5445,7 +5233,7 @@
           <p:cNvPr id="15" name="Rectangle 14">
             <a:extLst>
               <a:ext uri="{FF2B5EF4-FFF2-40B4-BE49-F238E27FC236}">
-                <a16:creationId xmlns:a16="http://schemas.microsoft.com/office/drawing/2014/main" id="{100EDD19-6802-4EC3-95CE-CFFAB042CFD6}"/>
+                <a16:creationId xmlns:a16="http://schemas.microsoft.com/office/drawing/2014/main" id="{C165F3E4-7D6D-F538-9525-40621FA92370}"/>
               </a:ext>
               <a:ext uri="{C183D7F6-B498-43B3-948B-1728B52AA6E4}">
                 <adec:decorative xmlns:adec="http://schemas.microsoft.com/office/drawing/2017/decorative" val="1"/>
@@ -5505,7 +5293,7 @@
           <p:cNvPr id="2" name="Titel 1">
             <a:extLst>
               <a:ext uri="{FF2B5EF4-FFF2-40B4-BE49-F238E27FC236}">
-                <a16:creationId xmlns:a16="http://schemas.microsoft.com/office/drawing/2014/main" id="{7BA8CC6D-19F4-3CDC-AFBA-06E903207752}"/>
+                <a16:creationId xmlns:a16="http://schemas.microsoft.com/office/drawing/2014/main" id="{E5A2EA87-452E-FBB7-C06C-3FEF27D5CC8D}"/>
               </a:ext>
             </a:extLst>
           </p:cNvPr>
@@ -5529,10 +5317,10 @@
           <a:lstStyle/>
           <a:p>
             <a:r>
-              <a:rPr lang="en-GB" sz="5400"/>
-              <a:t>Car System</a:t>
-            </a:r>
-            <a:endParaRPr lang="nl-BE" sz="5400"/>
+              <a:rPr lang="en-GB" sz="5400" dirty="0"/>
+              <a:t>Software Architecture RTOS</a:t>
+            </a:r>
+            <a:endParaRPr lang="nl-BE" sz="5400" dirty="0"/>
           </a:p>
         </p:txBody>
       </p:sp>
@@ -5541,7 +5329,7 @@
           <p:cNvPr id="17" name="sketch line">
             <a:extLst>
               <a:ext uri="{FF2B5EF4-FFF2-40B4-BE49-F238E27FC236}">
-                <a16:creationId xmlns:a16="http://schemas.microsoft.com/office/drawing/2014/main" id="{DB17E863-922E-4C26-BD64-E8FD41D28661}"/>
+                <a16:creationId xmlns:a16="http://schemas.microsoft.com/office/drawing/2014/main" id="{8839FC15-4322-14F6-BD56-2F929727C960}"/>
               </a:ext>
               <a:ext uri="{C183D7F6-B498-43B3-948B-1728B52AA6E4}">
                 <adec:decorative xmlns:adec="http://schemas.microsoft.com/office/drawing/2017/decorative" val="1"/>
@@ -6174,12 +5962,206 @@
           </a:p>
         </p:txBody>
       </p:sp>
+      <p:sp>
+        <p:nvSpPr>
+          <p:cNvPr id="5" name="Tekstvak 4">
+            <a:extLst>
+              <a:ext uri="{FF2B5EF4-FFF2-40B4-BE49-F238E27FC236}">
+                <a16:creationId xmlns:a16="http://schemas.microsoft.com/office/drawing/2014/main" id="{25B0F834-6ED4-35DB-DD0F-D026BBD580B0}"/>
+              </a:ext>
+            </a:extLst>
+          </p:cNvPr>
+          <p:cNvSpPr txBox="1"/>
+          <p:nvPr/>
+        </p:nvSpPr>
+        <p:spPr>
+          <a:xfrm>
+            <a:off x="7109355" y="2926080"/>
+            <a:ext cx="5224885" cy="2031325"/>
+          </a:xfrm>
+          <a:prstGeom prst="rect">
+            <a:avLst/>
+          </a:prstGeom>
+          <a:noFill/>
+        </p:spPr>
+        <p:txBody>
+          <a:bodyPr wrap="square" rtlCol="0">
+            <a:spAutoFit/>
+          </a:bodyPr>
+          <a:lstStyle/>
+          <a:p>
+            <a:pPr marL="285750" indent="-285750">
+              <a:buFont typeface="Arial" panose="020B0604020202020204" pitchFamily="34" charset="0"/>
+              <a:buChar char="•"/>
+            </a:pPr>
+            <a:r>
+              <a:rPr lang="nl-BE" dirty="0" err="1"/>
+              <a:t>Car</a:t>
+            </a:r>
+            <a:r>
+              <a:rPr lang="nl-BE" dirty="0"/>
+              <a:t> </a:t>
+            </a:r>
+            <a:r>
+              <a:rPr lang="nl-BE" dirty="0" err="1"/>
+              <a:t>subsystem</a:t>
+            </a:r>
+            <a:endParaRPr lang="nl-BE" dirty="0"/>
+          </a:p>
+          <a:p>
+            <a:pPr marL="285750" indent="-285750">
+              <a:buFont typeface="Arial" panose="020B0604020202020204" pitchFamily="34" charset="0"/>
+              <a:buChar char="•"/>
+            </a:pPr>
+            <a:r>
+              <a:rPr lang="nl-BE" dirty="0"/>
+              <a:t>MQTT Client setup </a:t>
+            </a:r>
+            <a:r>
+              <a:rPr lang="nl-BE" dirty="0" err="1"/>
+              <a:t>and</a:t>
+            </a:r>
+            <a:r>
+              <a:rPr lang="nl-BE" dirty="0"/>
+              <a:t> </a:t>
+            </a:r>
+            <a:r>
+              <a:rPr lang="nl-BE" dirty="0" err="1"/>
+              <a:t>regulation</a:t>
+            </a:r>
+            <a:r>
+              <a:rPr lang="nl-BE" dirty="0"/>
+              <a:t> of MQTT </a:t>
+            </a:r>
+            <a:r>
+              <a:rPr lang="nl-BE" dirty="0" err="1"/>
+              <a:t>connection</a:t>
+            </a:r>
+            <a:r>
+              <a:rPr lang="nl-BE" dirty="0"/>
+              <a:t> </a:t>
+            </a:r>
+          </a:p>
+          <a:p>
+            <a:pPr marL="285750" indent="-285750">
+              <a:buFont typeface="Arial" panose="020B0604020202020204" pitchFamily="34" charset="0"/>
+              <a:buChar char="•"/>
+            </a:pPr>
+            <a:r>
+              <a:rPr lang="nl-BE" dirty="0" err="1"/>
+              <a:t>Speedometer</a:t>
+            </a:r>
+            <a:r>
+              <a:rPr lang="nl-BE" dirty="0"/>
+              <a:t> </a:t>
+            </a:r>
+            <a:r>
+              <a:rPr lang="nl-BE" dirty="0" err="1"/>
+              <a:t>calculates</a:t>
+            </a:r>
+            <a:r>
+              <a:rPr lang="nl-BE" dirty="0"/>
+              <a:t> RPM </a:t>
+            </a:r>
+            <a:r>
+              <a:rPr lang="nl-BE" dirty="0" err="1"/>
+              <a:t>to</a:t>
+            </a:r>
+            <a:r>
+              <a:rPr lang="nl-BE" dirty="0"/>
+              <a:t> </a:t>
+            </a:r>
+            <a:r>
+              <a:rPr lang="nl-BE" dirty="0" err="1"/>
+              <a:t>send</a:t>
+            </a:r>
+            <a:r>
+              <a:rPr lang="nl-BE" dirty="0"/>
+              <a:t> via BLE </a:t>
+            </a:r>
+            <a:r>
+              <a:rPr lang="nl-BE" dirty="0" err="1"/>
+              <a:t>to</a:t>
+            </a:r>
+            <a:r>
+              <a:rPr lang="nl-BE" dirty="0"/>
+              <a:t> </a:t>
+            </a:r>
+            <a:r>
+              <a:rPr lang="nl-BE" dirty="0" err="1"/>
+              <a:t>the</a:t>
+            </a:r>
+            <a:r>
+              <a:rPr lang="nl-BE" dirty="0"/>
+              <a:t> controller </a:t>
+            </a:r>
+            <a:r>
+              <a:rPr lang="nl-BE" dirty="0" err="1"/>
+              <a:t>subsystem</a:t>
+            </a:r>
+            <a:endParaRPr lang="nl-BE" dirty="0"/>
+          </a:p>
+          <a:p>
+            <a:pPr marL="285750" indent="-285750">
+              <a:buFont typeface="Arial" panose="020B0604020202020204" pitchFamily="34" charset="0"/>
+              <a:buChar char="•"/>
+            </a:pPr>
+            <a:r>
+              <a:rPr lang="nl-BE" dirty="0"/>
+              <a:t>BLE </a:t>
+            </a:r>
+            <a:r>
+              <a:rPr lang="nl-BE" dirty="0" err="1"/>
+              <a:t>communication</a:t>
+            </a:r>
+            <a:r>
+              <a:rPr lang="nl-BE" dirty="0"/>
+              <a:t> </a:t>
+            </a:r>
+            <a:r>
+              <a:rPr lang="nl-BE" dirty="0" err="1"/>
+              <a:t>for</a:t>
+            </a:r>
+            <a:r>
+              <a:rPr lang="nl-BE" dirty="0"/>
+              <a:t> </a:t>
+            </a:r>
+            <a:r>
+              <a:rPr lang="nl-BE" dirty="0" err="1"/>
+              <a:t>the</a:t>
+            </a:r>
+            <a:r>
+              <a:rPr lang="nl-BE" dirty="0"/>
+              <a:t> controller </a:t>
+            </a:r>
+          </a:p>
+          <a:p>
+            <a:pPr marL="285750" indent="-285750">
+              <a:buFont typeface="Arial" panose="020B0604020202020204" pitchFamily="34" charset="0"/>
+              <a:buChar char="•"/>
+            </a:pPr>
+            <a:r>
+              <a:rPr lang="nl-BE" dirty="0"/>
+              <a:t>Motor driver PWM </a:t>
+            </a:r>
+            <a:r>
+              <a:rPr lang="nl-BE" dirty="0" err="1"/>
+              <a:t>with</a:t>
+            </a:r>
+            <a:r>
+              <a:rPr lang="nl-BE" dirty="0"/>
+              <a:t> joystick data</a:t>
+            </a:r>
+            <a:endParaRPr lang="nl-NL" dirty="0"/>
+          </a:p>
+        </p:txBody>
+      </p:sp>
       <p:pic>
         <p:nvPicPr>
-          <p:cNvPr id="4" name="Afbeelding 3" descr="Afbeelding met tekst, diagram, Plan, schermopname&#10;&#10;Automatisch gegenereerde beschrijving">
+          <p:cNvPr id="14" name="Afbeelding 13">
             <a:extLst>
               <a:ext uri="{FF2B5EF4-FFF2-40B4-BE49-F238E27FC236}">
-                <a16:creationId xmlns:a16="http://schemas.microsoft.com/office/drawing/2014/main" id="{01538E62-B75B-C5C4-15AE-227C6DA15D67}"/>
+                <a16:creationId xmlns:a16="http://schemas.microsoft.com/office/drawing/2014/main" id="{49DCB037-E154-2CA1-E2CB-FEA0298925FC}"/>
               </a:ext>
             </a:extLst>
           </p:cNvPr>
@@ -6189,149 +6171,25 @@
           <p:nvPr/>
         </p:nvPicPr>
         <p:blipFill>
-          <a:blip r:embed="rId2"/>
+          <a:blip r:embed="rId3"/>
           <a:stretch>
             <a:fillRect/>
           </a:stretch>
         </p:blipFill>
         <p:spPr>
           <a:xfrm>
-            <a:off x="501445" y="2055813"/>
-            <a:ext cx="6188177" cy="4296880"/>
+            <a:off x="672980" y="2185773"/>
+            <a:ext cx="6436375" cy="3511937"/>
           </a:xfrm>
           <a:prstGeom prst="rect">
             <a:avLst/>
           </a:prstGeom>
         </p:spPr>
       </p:pic>
-      <p:sp>
-        <p:nvSpPr>
-          <p:cNvPr id="5" name="Tekstvak 4">
-            <a:extLst>
-              <a:ext uri="{FF2B5EF4-FFF2-40B4-BE49-F238E27FC236}">
-                <a16:creationId xmlns:a16="http://schemas.microsoft.com/office/drawing/2014/main" id="{0510F6AE-AB2C-C311-FCA8-26078E12E316}"/>
-              </a:ext>
-            </a:extLst>
-          </p:cNvPr>
-          <p:cNvSpPr txBox="1"/>
-          <p:nvPr/>
-        </p:nvSpPr>
-        <p:spPr>
-          <a:xfrm>
-            <a:off x="7109355" y="2926080"/>
-            <a:ext cx="4930260" cy="2308324"/>
-          </a:xfrm>
-          <a:prstGeom prst="rect">
-            <a:avLst/>
-          </a:prstGeom>
-          <a:noFill/>
-        </p:spPr>
-        <p:txBody>
-          <a:bodyPr wrap="none" rtlCol="0">
-            <a:spAutoFit/>
-          </a:bodyPr>
-          <a:lstStyle/>
-          <a:p>
-            <a:pPr marL="285750" indent="-285750">
-              <a:buFont typeface="Arial" panose="020B0604020202020204" pitchFamily="34" charset="0"/>
-              <a:buChar char="•"/>
-            </a:pPr>
-            <a:r>
-              <a:rPr lang="en-GB" dirty="0"/>
-              <a:t>12V battery power source</a:t>
-            </a:r>
-          </a:p>
-          <a:p>
-            <a:pPr marL="285750" indent="-285750">
-              <a:buFont typeface="Arial" panose="020B0604020202020204" pitchFamily="34" charset="0"/>
-              <a:buChar char="•"/>
-            </a:pPr>
-            <a:r>
-              <a:rPr lang="en-GB" dirty="0"/>
-              <a:t>5V linear regulator for </a:t>
-            </a:r>
-            <a:r>
-              <a:rPr lang="en-GB" dirty="0" err="1"/>
-              <a:t>PSoC</a:t>
-            </a:r>
-            <a:r>
-              <a:rPr lang="en-GB" dirty="0"/>
-              <a:t> power source</a:t>
-            </a:r>
-          </a:p>
-          <a:p>
-            <a:pPr marL="285750" indent="-285750">
-              <a:buFont typeface="Arial" panose="020B0604020202020204" pitchFamily="34" charset="0"/>
-              <a:buChar char="•"/>
-            </a:pPr>
-            <a:r>
-              <a:rPr lang="en-GB" dirty="0"/>
-              <a:t>MPU6050 I²C interfaced temperature sensor/</a:t>
-            </a:r>
-          </a:p>
-          <a:p>
-            <a:r>
-              <a:rPr lang="en-GB" dirty="0"/>
-              <a:t>      accelerometer/gyroscope </a:t>
-            </a:r>
-          </a:p>
-          <a:p>
-            <a:pPr marL="285750" indent="-285750">
-              <a:buFont typeface="Arial" panose="020B0604020202020204" pitchFamily="34" charset="0"/>
-              <a:buChar char="•"/>
-            </a:pPr>
-            <a:r>
-              <a:rPr lang="en-GB" dirty="0"/>
-              <a:t>Logic level shifter using </a:t>
-            </a:r>
-            <a:r>
-              <a:rPr lang="en-GB" dirty="0" err="1"/>
-              <a:t>mosfets</a:t>
-            </a:r>
-            <a:endParaRPr lang="en-GB" dirty="0"/>
-          </a:p>
-          <a:p>
-            <a:pPr marL="285750" indent="-285750">
-              <a:buFont typeface="Arial" panose="020B0604020202020204" pitchFamily="34" charset="0"/>
-              <a:buChar char="•"/>
-            </a:pPr>
-            <a:r>
-              <a:rPr lang="en-GB" sz="1800" dirty="0">
-                <a:effectLst/>
-                <a:latin typeface="Aptos" panose="020B0004020202020204" pitchFamily="34" charset="0"/>
-                <a:ea typeface="Aptos" panose="020B0004020202020204" pitchFamily="34" charset="0"/>
-                <a:cs typeface="Arial" panose="020B0604020202020204" pitchFamily="34" charset="0"/>
-              </a:rPr>
-              <a:t>L293D H bridge I</a:t>
-            </a:r>
-            <a:r>
-              <a:rPr lang="en-GB" dirty="0">
-                <a:latin typeface="Aptos" panose="020B0004020202020204" pitchFamily="34" charset="0"/>
-                <a:ea typeface="Aptos" panose="020B0004020202020204" pitchFamily="34" charset="0"/>
-                <a:cs typeface="Arial" panose="020B0604020202020204" pitchFamily="34" charset="0"/>
-              </a:rPr>
-              <a:t>C</a:t>
-            </a:r>
-          </a:p>
-          <a:p>
-            <a:pPr marL="285750" indent="-285750">
-              <a:buFont typeface="Arial" panose="020B0604020202020204" pitchFamily="34" charset="0"/>
-              <a:buChar char="•"/>
-            </a:pPr>
-            <a:r>
-              <a:rPr lang="en-GB" dirty="0"/>
-              <a:t>Two DC motors </a:t>
-            </a:r>
-          </a:p>
-          <a:p>
-            <a:endParaRPr lang="nl-BE" dirty="0"/>
-          </a:p>
-        </p:txBody>
-      </p:sp>
     </p:spTree>
     <p:extLst>
       <p:ext uri="{BB962C8B-B14F-4D97-AF65-F5344CB8AC3E}">
-        <p14:creationId xmlns:p14="http://schemas.microsoft.com/office/powerpoint/2010/main" val="3921750601"/>
+        <p14:creationId xmlns:p14="http://schemas.microsoft.com/office/powerpoint/2010/main" val="3942645002"/>
       </p:ext>
     </p:extLst>
   </p:cSld>
@@ -6341,192 +6199,7 @@
 </p:sld>
 </file>
 
-<file path=ppt/slides/slide4.xml><?xml version="1.0" encoding="utf-8"?>
-<p:sld xmlns:a="http://schemas.openxmlformats.org/drawingml/2006/main" xmlns:r="http://schemas.openxmlformats.org/officeDocument/2006/relationships" xmlns:p="http://schemas.openxmlformats.org/presentationml/2006/main">
-  <p:cSld>
-    <p:spTree>
-      <p:nvGrpSpPr>
-        <p:cNvPr id="1" name="">
-          <a:extLst>
-            <a:ext uri="{FF2B5EF4-FFF2-40B4-BE49-F238E27FC236}">
-              <a16:creationId xmlns:a16="http://schemas.microsoft.com/office/drawing/2014/main" id="{75814131-F8E7-63E3-E21C-1A18E2C7D305}"/>
-            </a:ext>
-          </a:extLst>
-        </p:cNvPr>
-        <p:cNvGrpSpPr/>
-        <p:nvPr/>
-      </p:nvGrpSpPr>
-      <p:grpSpPr>
-        <a:xfrm>
-          <a:off x="0" y="0"/>
-          <a:ext cx="0" cy="0"/>
-          <a:chOff x="0" y="0"/>
-          <a:chExt cx="0" cy="0"/>
-        </a:xfrm>
-      </p:grpSpPr>
-      <p:sp>
-        <p:nvSpPr>
-          <p:cNvPr id="2" name="Titel 1">
-            <a:extLst>
-              <a:ext uri="{FF2B5EF4-FFF2-40B4-BE49-F238E27FC236}">
-                <a16:creationId xmlns:a16="http://schemas.microsoft.com/office/drawing/2014/main" id="{1B24391A-8832-05C2-2C1E-8F011C17467C}"/>
-              </a:ext>
-            </a:extLst>
-          </p:cNvPr>
-          <p:cNvSpPr>
-            <a:spLocks noGrp="1"/>
-          </p:cNvSpPr>
-          <p:nvPr>
-            <p:ph type="title"/>
-          </p:nvPr>
-        </p:nvSpPr>
-        <p:spPr>
-          <a:xfrm>
-            <a:off x="838200" y="365125"/>
-            <a:ext cx="10515600" cy="1325563"/>
-          </a:xfrm>
-        </p:spPr>
-        <p:txBody>
-          <a:bodyPr>
-            <a:normAutofit/>
-          </a:bodyPr>
-          <a:lstStyle/>
-          <a:p>
-            <a:r>
-              <a:rPr lang="en-GB" sz="5400"/>
-              <a:t>Car System</a:t>
-            </a:r>
-            <a:endParaRPr lang="nl-BE" sz="5400"/>
-          </a:p>
-        </p:txBody>
-      </p:sp>
-      <p:pic>
-        <p:nvPicPr>
-          <p:cNvPr id="3" name="Afbeelding 2" descr="Foto openen">
-            <a:extLst>
-              <a:ext uri="{FF2B5EF4-FFF2-40B4-BE49-F238E27FC236}">
-                <a16:creationId xmlns:a16="http://schemas.microsoft.com/office/drawing/2014/main" id="{0A688D9C-C89D-E273-617D-24E219AC293A}"/>
-              </a:ext>
-            </a:extLst>
-          </p:cNvPr>
-          <p:cNvPicPr>
-            <a:picLocks noChangeAspect="1"/>
-          </p:cNvPicPr>
-          <p:nvPr/>
-        </p:nvPicPr>
-        <p:blipFill>
-          <a:blip r:embed="rId2" cstate="print">
-            <a:extLst>
-              <a:ext uri="{28A0092B-C50C-407E-A947-70E740481C1C}">
-                <a14:useLocalDpi xmlns:a14="http://schemas.microsoft.com/office/drawing/2010/main" val="0"/>
-              </a:ext>
-            </a:extLst>
-          </a:blip>
-          <a:srcRect/>
-          <a:stretch>
-            <a:fillRect/>
-          </a:stretch>
-        </p:blipFill>
-        <p:spPr bwMode="auto">
-          <a:xfrm>
-            <a:off x="1222952" y="1966195"/>
-            <a:ext cx="3547837" cy="3266205"/>
-          </a:xfrm>
-          <a:prstGeom prst="rect">
-            <a:avLst/>
-          </a:prstGeom>
-          <a:noFill/>
-          <a:ln>
-            <a:noFill/>
-          </a:ln>
-        </p:spPr>
-      </p:pic>
-      <p:sp>
-        <p:nvSpPr>
-          <p:cNvPr id="5" name="Tekstvak 4">
-            <a:extLst>
-              <a:ext uri="{FF2B5EF4-FFF2-40B4-BE49-F238E27FC236}">
-                <a16:creationId xmlns:a16="http://schemas.microsoft.com/office/drawing/2014/main" id="{69C6CB85-6BEC-BEDE-72B5-C59E8CFFC6D6}"/>
-              </a:ext>
-            </a:extLst>
-          </p:cNvPr>
-          <p:cNvSpPr txBox="1"/>
-          <p:nvPr/>
-        </p:nvSpPr>
-        <p:spPr>
-          <a:xfrm>
-            <a:off x="527508" y="5728601"/>
-            <a:ext cx="4938724" cy="369332"/>
-          </a:xfrm>
-          <a:prstGeom prst="rect">
-            <a:avLst/>
-          </a:prstGeom>
-          <a:noFill/>
-        </p:spPr>
-        <p:txBody>
-          <a:bodyPr wrap="none" rtlCol="0">
-            <a:spAutoFit/>
-          </a:bodyPr>
-          <a:lstStyle/>
-          <a:p>
-            <a:r>
-              <a:rPr lang="en-GB" dirty="0"/>
-              <a:t>Custom soldered circuit board for cleaner setup</a:t>
-            </a:r>
-            <a:endParaRPr lang="nl-BE" dirty="0"/>
-          </a:p>
-        </p:txBody>
-      </p:sp>
-      <p:sp>
-        <p:nvSpPr>
-          <p:cNvPr id="6" name="Tekstvak 5">
-            <a:extLst>
-              <a:ext uri="{FF2B5EF4-FFF2-40B4-BE49-F238E27FC236}">
-                <a16:creationId xmlns:a16="http://schemas.microsoft.com/office/drawing/2014/main" id="{E034852F-33AB-9403-4178-24E82A403C32}"/>
-              </a:ext>
-            </a:extLst>
-          </p:cNvPr>
-          <p:cNvSpPr txBox="1"/>
-          <p:nvPr/>
-        </p:nvSpPr>
-        <p:spPr>
-          <a:xfrm>
-            <a:off x="6624320" y="5728601"/>
-            <a:ext cx="4861331" cy="369332"/>
-          </a:xfrm>
-          <a:prstGeom prst="rect">
-            <a:avLst/>
-          </a:prstGeom>
-          <a:noFill/>
-        </p:spPr>
-        <p:txBody>
-          <a:bodyPr wrap="none" rtlCol="0">
-            <a:spAutoFit/>
-          </a:bodyPr>
-          <a:lstStyle/>
-          <a:p>
-            <a:r>
-              <a:rPr lang="en-GB" dirty="0"/>
-              <a:t>Full car setup along with black 3D printed frame</a:t>
-            </a:r>
-            <a:endParaRPr lang="nl-BE" dirty="0"/>
-          </a:p>
-        </p:txBody>
-      </p:sp>
-    </p:spTree>
-    <p:extLst>
-      <p:ext uri="{BB962C8B-B14F-4D97-AF65-F5344CB8AC3E}">
-        <p14:creationId xmlns:p14="http://schemas.microsoft.com/office/powerpoint/2010/main" val="1006793764"/>
-      </p:ext>
-    </p:extLst>
-  </p:cSld>
-  <p:clrMapOvr>
-    <a:masterClrMapping/>
-  </p:clrMapOvr>
-</p:sld>
-</file>
-
-<file path=ppt/slides/slide5.xml><?xml version="1.0" encoding="utf-8"?>
+<file path=ppt/slides/slide2.xml><?xml version="1.0" encoding="utf-8"?>
 <p:sld xmlns:a="http://schemas.openxmlformats.org/drawingml/2006/main" xmlns:r="http://schemas.openxmlformats.org/officeDocument/2006/relationships" xmlns:p="http://schemas.openxmlformats.org/presentationml/2006/main">
   <p:cSld>
     <p:bg>
@@ -6553,7 +6226,526 @@
       </p:grpSpPr>
       <p:sp useBgFill="1">
         <p:nvSpPr>
-          <p:cNvPr id="8" name="Rectangle 7">
+          <p:cNvPr id="18" name="Rectangle 10">
+            <a:extLst>
+              <a:ext uri="{FF2B5EF4-FFF2-40B4-BE49-F238E27FC236}">
+                <a16:creationId xmlns:a16="http://schemas.microsoft.com/office/drawing/2014/main" id="{2B97F24A-32CE-4C1C-A50D-3016B394DCFB}"/>
+              </a:ext>
+              <a:ext uri="{C183D7F6-B498-43B3-948B-1728B52AA6E4}">
+                <adec:decorative xmlns:adec="http://schemas.microsoft.com/office/drawing/2017/decorative" val="1"/>
+              </a:ext>
+            </a:extLst>
+          </p:cNvPr>
+          <p:cNvSpPr>
+            <a:spLocks noGrp="1" noRot="1" noChangeAspect="1" noMove="1" noResize="1" noEditPoints="1" noAdjustHandles="1" noChangeArrowheads="1" noChangeShapeType="1" noTextEdit="1"/>
+          </p:cNvSpPr>
+          <p:nvPr>
+            <p:extLst>
+              <p:ext uri="{386F3935-93C4-4BCD-93E2-E3B085C9AB24}">
+                <p16:designElem xmlns:p16="http://schemas.microsoft.com/office/powerpoint/2015/main" val="1"/>
+              </p:ext>
+            </p:extLst>
+          </p:nvPr>
+        </p:nvSpPr>
+        <p:spPr>
+          <a:xfrm>
+            <a:off x="0" y="0"/>
+            <a:ext cx="12192000" cy="6858000"/>
+          </a:xfrm>
+          <a:prstGeom prst="rect">
+            <a:avLst/>
+          </a:prstGeom>
+          <a:ln>
+            <a:noFill/>
+          </a:ln>
+        </p:spPr>
+        <p:style>
+          <a:lnRef idx="2">
+            <a:schemeClr val="accent1">
+              <a:shade val="50000"/>
+            </a:schemeClr>
+          </a:lnRef>
+          <a:fillRef idx="1">
+            <a:schemeClr val="accent1"/>
+          </a:fillRef>
+          <a:effectRef idx="0">
+            <a:schemeClr val="accent1"/>
+          </a:effectRef>
+          <a:fontRef idx="minor">
+            <a:schemeClr val="lt1"/>
+          </a:fontRef>
+        </p:style>
+        <p:txBody>
+          <a:bodyPr rtlCol="0" anchor="ctr"/>
+          <a:lstStyle/>
+          <a:p>
+            <a:pPr algn="ctr"/>
+            <a:endParaRPr lang="en-US"/>
+          </a:p>
+        </p:txBody>
+      </p:sp>
+      <p:sp>
+        <p:nvSpPr>
+          <p:cNvPr id="2" name="Titel 1">
+            <a:extLst>
+              <a:ext uri="{FF2B5EF4-FFF2-40B4-BE49-F238E27FC236}">
+                <a16:creationId xmlns:a16="http://schemas.microsoft.com/office/drawing/2014/main" id="{61CD53DD-3CB7-F65D-A9CD-8829AACF9B3C}"/>
+              </a:ext>
+            </a:extLst>
+          </p:cNvPr>
+          <p:cNvSpPr>
+            <a:spLocks noGrp="1"/>
+          </p:cNvSpPr>
+          <p:nvPr>
+            <p:ph type="title"/>
+          </p:nvPr>
+        </p:nvSpPr>
+        <p:spPr>
+          <a:xfrm>
+            <a:off x="630936" y="639520"/>
+            <a:ext cx="3429000" cy="1719072"/>
+          </a:xfrm>
+        </p:spPr>
+        <p:txBody>
+          <a:bodyPr vert="horz" lIns="91440" tIns="45720" rIns="91440" bIns="45720" rtlCol="0" anchor="b">
+            <a:normAutofit/>
+          </a:bodyPr>
+          <a:lstStyle/>
+          <a:p>
+            <a:r>
+              <a:rPr lang="en-US" sz="5400" kern="1200">
+                <a:solidFill>
+                  <a:schemeClr val="tx1"/>
+                </a:solidFill>
+                <a:latin typeface="+mj-lt"/>
+                <a:ea typeface="+mj-ea"/>
+                <a:cs typeface="+mj-cs"/>
+              </a:rPr>
+              <a:t>Block Diagram</a:t>
+            </a:r>
+          </a:p>
+        </p:txBody>
+      </p:sp>
+      <p:sp>
+        <p:nvSpPr>
+          <p:cNvPr id="19" name="sketch line">
+            <a:extLst>
+              <a:ext uri="{FF2B5EF4-FFF2-40B4-BE49-F238E27FC236}">
+                <a16:creationId xmlns:a16="http://schemas.microsoft.com/office/drawing/2014/main" id="{CD8B4F24-440B-49E9-B85D-733523DC064B}"/>
+              </a:ext>
+              <a:ext uri="{C183D7F6-B498-43B3-948B-1728B52AA6E4}">
+                <adec:decorative xmlns:adec="http://schemas.microsoft.com/office/drawing/2017/decorative" val="1"/>
+              </a:ext>
+            </a:extLst>
+          </p:cNvPr>
+          <p:cNvSpPr>
+            <a:spLocks noGrp="1" noRot="1" noChangeAspect="1" noMove="1" noResize="1" noEditPoints="1" noAdjustHandles="1" noChangeArrowheads="1" noChangeShapeType="1" noTextEdit="1"/>
+          </p:cNvSpPr>
+          <p:nvPr>
+            <p:extLst>
+              <p:ext uri="{386F3935-93C4-4BCD-93E2-E3B085C9AB24}">
+                <p16:designElem xmlns:p16="http://schemas.microsoft.com/office/powerpoint/2015/main" val="1"/>
+              </p:ext>
+            </p:extLst>
+          </p:nvPr>
+        </p:nvSpPr>
+        <p:spPr>
+          <a:xfrm>
+            <a:off x="643278" y="2573756"/>
+            <a:ext cx="3255095" cy="18288"/>
+          </a:xfrm>
+          <a:custGeom>
+            <a:avLst/>
+            <a:gdLst>
+              <a:gd name="connsiteX0" fmla="*/ 0 w 3255095"/>
+              <a:gd name="connsiteY0" fmla="*/ 0 h 18288"/>
+              <a:gd name="connsiteX1" fmla="*/ 618468 w 3255095"/>
+              <a:gd name="connsiteY1" fmla="*/ 0 h 18288"/>
+              <a:gd name="connsiteX2" fmla="*/ 1269487 w 3255095"/>
+              <a:gd name="connsiteY2" fmla="*/ 0 h 18288"/>
+              <a:gd name="connsiteX3" fmla="*/ 1953057 w 3255095"/>
+              <a:gd name="connsiteY3" fmla="*/ 0 h 18288"/>
+              <a:gd name="connsiteX4" fmla="*/ 2636627 w 3255095"/>
+              <a:gd name="connsiteY4" fmla="*/ 0 h 18288"/>
+              <a:gd name="connsiteX5" fmla="*/ 3255095 w 3255095"/>
+              <a:gd name="connsiteY5" fmla="*/ 0 h 18288"/>
+              <a:gd name="connsiteX6" fmla="*/ 3255095 w 3255095"/>
+              <a:gd name="connsiteY6" fmla="*/ 18288 h 18288"/>
+              <a:gd name="connsiteX7" fmla="*/ 2538974 w 3255095"/>
+              <a:gd name="connsiteY7" fmla="*/ 18288 h 18288"/>
+              <a:gd name="connsiteX8" fmla="*/ 1822853 w 3255095"/>
+              <a:gd name="connsiteY8" fmla="*/ 18288 h 18288"/>
+              <a:gd name="connsiteX9" fmla="*/ 1171834 w 3255095"/>
+              <a:gd name="connsiteY9" fmla="*/ 18288 h 18288"/>
+              <a:gd name="connsiteX10" fmla="*/ 0 w 3255095"/>
+              <a:gd name="connsiteY10" fmla="*/ 18288 h 18288"/>
+              <a:gd name="connsiteX11" fmla="*/ 0 w 3255095"/>
+              <a:gd name="connsiteY11" fmla="*/ 0 h 18288"/>
+            </a:gdLst>
+            <a:ahLst/>
+            <a:cxnLst>
+              <a:cxn ang="0">
+                <a:pos x="connsiteX0" y="connsiteY0"/>
+              </a:cxn>
+              <a:cxn ang="0">
+                <a:pos x="connsiteX1" y="connsiteY1"/>
+              </a:cxn>
+              <a:cxn ang="0">
+                <a:pos x="connsiteX2" y="connsiteY2"/>
+              </a:cxn>
+              <a:cxn ang="0">
+                <a:pos x="connsiteX3" y="connsiteY3"/>
+              </a:cxn>
+              <a:cxn ang="0">
+                <a:pos x="connsiteX4" y="connsiteY4"/>
+              </a:cxn>
+              <a:cxn ang="0">
+                <a:pos x="connsiteX5" y="connsiteY5"/>
+              </a:cxn>
+              <a:cxn ang="0">
+                <a:pos x="connsiteX6" y="connsiteY6"/>
+              </a:cxn>
+              <a:cxn ang="0">
+                <a:pos x="connsiteX7" y="connsiteY7"/>
+              </a:cxn>
+              <a:cxn ang="0">
+                <a:pos x="connsiteX8" y="connsiteY8"/>
+              </a:cxn>
+              <a:cxn ang="0">
+                <a:pos x="connsiteX9" y="connsiteY9"/>
+              </a:cxn>
+              <a:cxn ang="0">
+                <a:pos x="connsiteX10" y="connsiteY10"/>
+              </a:cxn>
+              <a:cxn ang="0">
+                <a:pos x="connsiteX11" y="connsiteY11"/>
+              </a:cxn>
+            </a:cxnLst>
+            <a:rect l="l" t="t" r="r" b="b"/>
+            <a:pathLst>
+              <a:path w="3255095" h="18288" fill="none" extrusionOk="0">
+                <a:moveTo>
+                  <a:pt x="0" y="0"/>
+                </a:moveTo>
+                <a:cubicBezTo>
+                  <a:pt x="240201" y="-22123"/>
+                  <a:pt x="462021" y="-19623"/>
+                  <a:pt x="618468" y="0"/>
+                </a:cubicBezTo>
+                <a:cubicBezTo>
+                  <a:pt x="774915" y="19623"/>
+                  <a:pt x="974734" y="2035"/>
+                  <a:pt x="1269487" y="0"/>
+                </a:cubicBezTo>
+                <a:cubicBezTo>
+                  <a:pt x="1564240" y="-2035"/>
+                  <a:pt x="1733579" y="10639"/>
+                  <a:pt x="1953057" y="0"/>
+                </a:cubicBezTo>
+                <a:cubicBezTo>
+                  <a:pt x="2172535" y="-10639"/>
+                  <a:pt x="2453962" y="14018"/>
+                  <a:pt x="2636627" y="0"/>
+                </a:cubicBezTo>
+                <a:cubicBezTo>
+                  <a:pt x="2819292" y="-14018"/>
+                  <a:pt x="3121375" y="5399"/>
+                  <a:pt x="3255095" y="0"/>
+                </a:cubicBezTo>
+                <a:cubicBezTo>
+                  <a:pt x="3254386" y="8157"/>
+                  <a:pt x="3254682" y="12125"/>
+                  <a:pt x="3255095" y="18288"/>
+                </a:cubicBezTo>
+                <a:cubicBezTo>
+                  <a:pt x="3088545" y="23203"/>
+                  <a:pt x="2687475" y="7419"/>
+                  <a:pt x="2538974" y="18288"/>
+                </a:cubicBezTo>
+                <a:cubicBezTo>
+                  <a:pt x="2390473" y="29157"/>
+                  <a:pt x="2137381" y="-8959"/>
+                  <a:pt x="1822853" y="18288"/>
+                </a:cubicBezTo>
+                <a:cubicBezTo>
+                  <a:pt x="1508325" y="45535"/>
+                  <a:pt x="1466437" y="20385"/>
+                  <a:pt x="1171834" y="18288"/>
+                </a:cubicBezTo>
+                <a:cubicBezTo>
+                  <a:pt x="877231" y="16191"/>
+                  <a:pt x="561097" y="37643"/>
+                  <a:pt x="0" y="18288"/>
+                </a:cubicBezTo>
+                <a:cubicBezTo>
+                  <a:pt x="-46" y="12483"/>
+                  <a:pt x="-203" y="6491"/>
+                  <a:pt x="0" y="0"/>
+                </a:cubicBezTo>
+                <a:close/>
+              </a:path>
+              <a:path w="3255095" h="18288" stroke="0" extrusionOk="0">
+                <a:moveTo>
+                  <a:pt x="0" y="0"/>
+                </a:moveTo>
+                <a:cubicBezTo>
+                  <a:pt x="291965" y="19429"/>
+                  <a:pt x="363155" y="8568"/>
+                  <a:pt x="618468" y="0"/>
+                </a:cubicBezTo>
+                <a:cubicBezTo>
+                  <a:pt x="873781" y="-8568"/>
+                  <a:pt x="904459" y="-19505"/>
+                  <a:pt x="1171834" y="0"/>
+                </a:cubicBezTo>
+                <a:cubicBezTo>
+                  <a:pt x="1439209" y="19505"/>
+                  <a:pt x="1744369" y="9790"/>
+                  <a:pt x="1887955" y="0"/>
+                </a:cubicBezTo>
+                <a:cubicBezTo>
+                  <a:pt x="2031541" y="-9790"/>
+                  <a:pt x="2346378" y="21240"/>
+                  <a:pt x="2506423" y="0"/>
+                </a:cubicBezTo>
+                <a:cubicBezTo>
+                  <a:pt x="2666468" y="-21240"/>
+                  <a:pt x="2990257" y="30414"/>
+                  <a:pt x="3255095" y="0"/>
+                </a:cubicBezTo>
+                <a:cubicBezTo>
+                  <a:pt x="3254831" y="4493"/>
+                  <a:pt x="3255479" y="9472"/>
+                  <a:pt x="3255095" y="18288"/>
+                </a:cubicBezTo>
+                <a:cubicBezTo>
+                  <a:pt x="3120743" y="16690"/>
+                  <a:pt x="2759628" y="42462"/>
+                  <a:pt x="2604076" y="18288"/>
+                </a:cubicBezTo>
+                <a:cubicBezTo>
+                  <a:pt x="2448524" y="-5886"/>
+                  <a:pt x="2184336" y="19599"/>
+                  <a:pt x="1887955" y="18288"/>
+                </a:cubicBezTo>
+                <a:cubicBezTo>
+                  <a:pt x="1591574" y="16977"/>
+                  <a:pt x="1548845" y="6870"/>
+                  <a:pt x="1334589" y="18288"/>
+                </a:cubicBezTo>
+                <a:cubicBezTo>
+                  <a:pt x="1120333" y="29706"/>
+                  <a:pt x="996014" y="9662"/>
+                  <a:pt x="683570" y="18288"/>
+                </a:cubicBezTo>
+                <a:cubicBezTo>
+                  <a:pt x="371126" y="26914"/>
+                  <a:pt x="198687" y="16167"/>
+                  <a:pt x="0" y="18288"/>
+                </a:cubicBezTo>
+                <a:cubicBezTo>
+                  <a:pt x="843" y="9577"/>
+                  <a:pt x="371" y="6900"/>
+                  <a:pt x="0" y="0"/>
+                </a:cubicBezTo>
+                <a:close/>
+              </a:path>
+            </a:pathLst>
+          </a:custGeom>
+          <a:solidFill>
+            <a:schemeClr val="accent2"/>
+          </a:solidFill>
+          <a:ln w="38100" cap="rnd">
+            <a:solidFill>
+              <a:schemeClr val="accent2"/>
+            </a:solidFill>
+            <a:round/>
+            <a:extLst>
+              <a:ext uri="{C807C97D-BFC1-408E-A445-0C87EB9F89A2}">
+                <ask:lineSketchStyleProps xmlns:ask="http://schemas.microsoft.com/office/drawing/2018/sketchyshapes" sd="1219033472">
+                  <a:prstGeom prst="rect">
+                    <a:avLst/>
+                  </a:prstGeom>
+                  <ask:type>
+                    <ask:lineSketchFreehand/>
+                  </ask:type>
+                </ask:lineSketchStyleProps>
+              </a:ext>
+            </a:extLst>
+          </a:ln>
+        </p:spPr>
+        <p:style>
+          <a:lnRef idx="2">
+            <a:schemeClr val="accent1">
+              <a:shade val="50000"/>
+            </a:schemeClr>
+          </a:lnRef>
+          <a:fillRef idx="1">
+            <a:schemeClr val="accent1"/>
+          </a:fillRef>
+          <a:effectRef idx="0">
+            <a:schemeClr val="accent1"/>
+          </a:effectRef>
+          <a:fontRef idx="minor">
+            <a:schemeClr val="lt1"/>
+          </a:fontRef>
+        </p:style>
+        <p:txBody>
+          <a:bodyPr rtlCol="0" anchor="ctr"/>
+          <a:lstStyle/>
+          <a:p>
+            <a:pPr algn="ctr"/>
+            <a:endParaRPr lang="en-US"/>
+          </a:p>
+        </p:txBody>
+      </p:sp>
+      <p:sp>
+        <p:nvSpPr>
+          <p:cNvPr id="6" name="Tekstvak 5">
+            <a:extLst>
+              <a:ext uri="{FF2B5EF4-FFF2-40B4-BE49-F238E27FC236}">
+                <a16:creationId xmlns:a16="http://schemas.microsoft.com/office/drawing/2014/main" id="{2A0226A2-E2D1-19FF-63D6-EA1C254647DD}"/>
+              </a:ext>
+            </a:extLst>
+          </p:cNvPr>
+          <p:cNvSpPr txBox="1"/>
+          <p:nvPr/>
+        </p:nvSpPr>
+        <p:spPr>
+          <a:xfrm>
+            <a:off x="630936" y="2807208"/>
+            <a:ext cx="3429000" cy="3410712"/>
+          </a:xfrm>
+          <a:prstGeom prst="rect">
+            <a:avLst/>
+          </a:prstGeom>
+        </p:spPr>
+        <p:txBody>
+          <a:bodyPr vert="horz" lIns="91440" tIns="45720" rIns="91440" bIns="45720" rtlCol="0" anchor="t">
+            <a:normAutofit/>
+          </a:bodyPr>
+          <a:lstStyle/>
+          <a:p>
+            <a:pPr marL="285750" indent="-228600">
+              <a:lnSpc>
+                <a:spcPct val="90000"/>
+              </a:lnSpc>
+              <a:spcAft>
+                <a:spcPts val="600"/>
+              </a:spcAft>
+              <a:buFont typeface="Arial" panose="020B0604020202020204" pitchFamily="34" charset="0"/>
+              <a:buChar char="•"/>
+            </a:pPr>
+            <a:r>
+              <a:rPr lang="en-US" sz="2200"/>
+              <a:t>Controller</a:t>
+            </a:r>
+          </a:p>
+          <a:p>
+            <a:pPr marL="285750" indent="-228600">
+              <a:lnSpc>
+                <a:spcPct val="90000"/>
+              </a:lnSpc>
+              <a:spcAft>
+                <a:spcPts val="600"/>
+              </a:spcAft>
+              <a:buFont typeface="Arial" panose="020B0604020202020204" pitchFamily="34" charset="0"/>
+              <a:buChar char="•"/>
+            </a:pPr>
+            <a:r>
+              <a:rPr lang="en-US" sz="2200"/>
+              <a:t>Car</a:t>
+            </a:r>
+          </a:p>
+          <a:p>
+            <a:pPr marL="285750" indent="-228600">
+              <a:lnSpc>
+                <a:spcPct val="90000"/>
+              </a:lnSpc>
+              <a:spcAft>
+                <a:spcPts val="600"/>
+              </a:spcAft>
+              <a:buFont typeface="Arial" panose="020B0604020202020204" pitchFamily="34" charset="0"/>
+              <a:buChar char="•"/>
+            </a:pPr>
+            <a:r>
+              <a:rPr lang="en-US" sz="2200"/>
+              <a:t>Server</a:t>
+            </a:r>
+          </a:p>
+        </p:txBody>
+      </p:sp>
+      <p:pic>
+        <p:nvPicPr>
+          <p:cNvPr id="5" name="Afbeelding 4">
+            <a:extLst>
+              <a:ext uri="{FF2B5EF4-FFF2-40B4-BE49-F238E27FC236}">
+                <a16:creationId xmlns:a16="http://schemas.microsoft.com/office/drawing/2014/main" id="{BBA4F7C3-A248-67D1-7F8C-2A35CF94AFEF}"/>
+              </a:ext>
+            </a:extLst>
+          </p:cNvPr>
+          <p:cNvPicPr>
+            <a:picLocks noChangeAspect="1"/>
+          </p:cNvPicPr>
+          <p:nvPr/>
+        </p:nvPicPr>
+        <p:blipFill>
+          <a:blip r:embed="rId3"/>
+          <a:stretch>
+            <a:fillRect/>
+          </a:stretch>
+        </p:blipFill>
+        <p:spPr>
+          <a:xfrm>
+            <a:off x="4654296" y="1047217"/>
+            <a:ext cx="6903720" cy="4763566"/>
+          </a:xfrm>
+          <a:prstGeom prst="rect">
+            <a:avLst/>
+          </a:prstGeom>
+        </p:spPr>
+      </p:pic>
+    </p:spTree>
+    <p:extLst>
+      <p:ext uri="{BB962C8B-B14F-4D97-AF65-F5344CB8AC3E}">
+        <p14:creationId xmlns:p14="http://schemas.microsoft.com/office/powerpoint/2010/main" val="151016810"/>
+      </p:ext>
+    </p:extLst>
+  </p:cSld>
+  <p:clrMapOvr>
+    <a:masterClrMapping/>
+  </p:clrMapOvr>
+</p:sld>
+</file>
+
+<file path=ppt/slides/slide3.xml><?xml version="1.0" encoding="utf-8"?>
+<p:sld xmlns:a="http://schemas.openxmlformats.org/drawingml/2006/main" xmlns:r="http://schemas.openxmlformats.org/officeDocument/2006/relationships" xmlns:p="http://schemas.openxmlformats.org/presentationml/2006/main">
+  <p:cSld>
+    <p:bg>
+      <p:bgPr>
+        <a:solidFill>
+          <a:schemeClr val="bg1"/>
+        </a:solidFill>
+        <a:effectLst/>
+      </p:bgPr>
+    </p:bg>
+    <p:spTree>
+      <p:nvGrpSpPr>
+        <p:cNvPr id="1" name=""/>
+        <p:cNvGrpSpPr/>
+        <p:nvPr/>
+      </p:nvGrpSpPr>
+      <p:grpSpPr>
+        <a:xfrm>
+          <a:off x="0" y="0"/>
+          <a:ext cx="0" cy="0"/>
+          <a:chOff x="0" y="0"/>
+          <a:chExt cx="0" cy="0"/>
+        </a:xfrm>
+      </p:grpSpPr>
+      <p:sp useBgFill="1">
+        <p:nvSpPr>
+          <p:cNvPr id="15" name="Rectangle 14">
             <a:extLst>
               <a:ext uri="{FF2B5EF4-FFF2-40B4-BE49-F238E27FC236}">
                 <a16:creationId xmlns:a16="http://schemas.microsoft.com/office/drawing/2014/main" id="{100EDD19-6802-4EC3-95CE-CFFAB042CFD6}"/>
@@ -6616,7 +6808,7 @@
           <p:cNvPr id="2" name="Titel 1">
             <a:extLst>
               <a:ext uri="{FF2B5EF4-FFF2-40B4-BE49-F238E27FC236}">
-                <a16:creationId xmlns:a16="http://schemas.microsoft.com/office/drawing/2014/main" id="{396B6F1B-D00E-E02A-DA5A-7DB86A3D2B3F}"/>
+                <a16:creationId xmlns:a16="http://schemas.microsoft.com/office/drawing/2014/main" id="{7BA8CC6D-19F4-3CDC-AFBA-06E903207752}"/>
               </a:ext>
             </a:extLst>
           </p:cNvPr>
@@ -6629,7 +6821,7 @@
         </p:nvSpPr>
         <p:spPr>
           <a:xfrm>
-            <a:off x="838200" y="365125"/>
+            <a:off x="828040" y="365125"/>
             <a:ext cx="10515600" cy="1325563"/>
           </a:xfrm>
         </p:spPr>
@@ -6641,7 +6833,7 @@
           <a:p>
             <a:r>
               <a:rPr lang="en-GB" sz="5400"/>
-              <a:t>Controller System</a:t>
+              <a:t>Car System</a:t>
             </a:r>
             <a:endParaRPr lang="nl-BE" sz="5400"/>
           </a:p>
@@ -6649,7 +6841,7 @@
       </p:sp>
       <p:sp>
         <p:nvSpPr>
-          <p:cNvPr id="10" name="sketch line">
+          <p:cNvPr id="17" name="sketch line">
             <a:extLst>
               <a:ext uri="{FF2B5EF4-FFF2-40B4-BE49-F238E27FC236}">
                 <a16:creationId xmlns:a16="http://schemas.microsoft.com/office/drawing/2014/main" id="{DB17E863-922E-4C26-BD64-E8FD41D28661}"/>
@@ -7285,42 +7477,164 @@
           </a:p>
         </p:txBody>
       </p:sp>
+      <p:pic>
+        <p:nvPicPr>
+          <p:cNvPr id="4" name="Afbeelding 3" descr="Afbeelding met tekst, diagram, Plan, schermopname&#10;&#10;Automatisch gegenereerde beschrijving">
+            <a:extLst>
+              <a:ext uri="{FF2B5EF4-FFF2-40B4-BE49-F238E27FC236}">
+                <a16:creationId xmlns:a16="http://schemas.microsoft.com/office/drawing/2014/main" id="{01538E62-B75B-C5C4-15AE-227C6DA15D67}"/>
+              </a:ext>
+            </a:extLst>
+          </p:cNvPr>
+          <p:cNvPicPr>
+            <a:picLocks noChangeAspect="1"/>
+          </p:cNvPicPr>
+          <p:nvPr/>
+        </p:nvPicPr>
+        <p:blipFill>
+          <a:blip r:embed="rId2"/>
+          <a:stretch>
+            <a:fillRect/>
+          </a:stretch>
+        </p:blipFill>
+        <p:spPr>
+          <a:xfrm>
+            <a:off x="501445" y="2055813"/>
+            <a:ext cx="6188177" cy="4296880"/>
+          </a:xfrm>
+          <a:prstGeom prst="rect">
+            <a:avLst/>
+          </a:prstGeom>
+        </p:spPr>
+      </p:pic>
       <p:sp>
         <p:nvSpPr>
-          <p:cNvPr id="3" name="Tijdelijke aanduiding voor inhoud 2">
+          <p:cNvPr id="5" name="Tekstvak 4">
             <a:extLst>
               <a:ext uri="{FF2B5EF4-FFF2-40B4-BE49-F238E27FC236}">
-                <a16:creationId xmlns:a16="http://schemas.microsoft.com/office/drawing/2014/main" id="{B5BDEF5A-10F8-49DF-0E66-D6DD525386B5}"/>
+                <a16:creationId xmlns:a16="http://schemas.microsoft.com/office/drawing/2014/main" id="{0510F6AE-AB2C-C311-FCA8-26078E12E316}"/>
               </a:ext>
             </a:extLst>
           </p:cNvPr>
-          <p:cNvSpPr>
-            <a:spLocks noGrp="1"/>
-          </p:cNvSpPr>
-          <p:nvPr>
-            <p:ph idx="1"/>
-          </p:nvPr>
+          <p:cNvSpPr txBox="1"/>
+          <p:nvPr/>
         </p:nvSpPr>
         <p:spPr>
           <a:xfrm>
-            <a:off x="838200" y="1929384"/>
-            <a:ext cx="10515600" cy="4251960"/>
+            <a:off x="7109355" y="2926080"/>
+            <a:ext cx="4930260" cy="2308324"/>
           </a:xfrm>
+          <a:prstGeom prst="rect">
+            <a:avLst/>
+          </a:prstGeom>
+          <a:noFill/>
         </p:spPr>
         <p:txBody>
-          <a:bodyPr>
-            <a:normAutofit/>
+          <a:bodyPr wrap="none" rtlCol="0">
+            <a:spAutoFit/>
           </a:bodyPr>
           <a:lstStyle/>
           <a:p>
-            <a:endParaRPr lang="nl-BE" sz="2200"/>
+            <a:pPr marL="285750" indent="-285750">
+              <a:buFont typeface="Arial" panose="020B0604020202020204" pitchFamily="34" charset="0"/>
+              <a:buChar char="•"/>
+            </a:pPr>
+            <a:r>
+              <a:rPr lang="en-GB" dirty="0"/>
+              <a:t>12V battery power source</a:t>
+            </a:r>
+          </a:p>
+          <a:p>
+            <a:pPr marL="285750" indent="-285750">
+              <a:buFont typeface="Arial" panose="020B0604020202020204" pitchFamily="34" charset="0"/>
+              <a:buChar char="•"/>
+            </a:pPr>
+            <a:r>
+              <a:rPr lang="en-GB" dirty="0"/>
+              <a:t>5V linear regulator for </a:t>
+            </a:r>
+            <a:r>
+              <a:rPr lang="en-GB" dirty="0" err="1"/>
+              <a:t>PSoC</a:t>
+            </a:r>
+            <a:r>
+              <a:rPr lang="en-GB" dirty="0"/>
+              <a:t> power source</a:t>
+            </a:r>
+          </a:p>
+          <a:p>
+            <a:pPr marL="285750" indent="-285750">
+              <a:buFont typeface="Arial" panose="020B0604020202020204" pitchFamily="34" charset="0"/>
+              <a:buChar char="•"/>
+            </a:pPr>
+            <a:r>
+              <a:rPr lang="en-GB" dirty="0"/>
+              <a:t>MPU6050 I²C interfaced temperature sensor/</a:t>
+            </a:r>
+          </a:p>
+          <a:p>
+            <a:r>
+              <a:rPr lang="en-GB" dirty="0"/>
+              <a:t>      accelerometer/gyroscope </a:t>
+            </a:r>
+          </a:p>
+          <a:p>
+            <a:pPr marL="285750" indent="-285750">
+              <a:buFont typeface="Arial" panose="020B0604020202020204" pitchFamily="34" charset="0"/>
+              <a:buChar char="•"/>
+            </a:pPr>
+            <a:r>
+              <a:rPr lang="en-GB" dirty="0"/>
+              <a:t>Logic level shifter using </a:t>
+            </a:r>
+            <a:r>
+              <a:rPr lang="en-GB" dirty="0" err="1"/>
+              <a:t>mosfets</a:t>
+            </a:r>
+            <a:endParaRPr lang="en-GB" dirty="0"/>
+          </a:p>
+          <a:p>
+            <a:pPr marL="285750" indent="-285750">
+              <a:buFont typeface="Arial" panose="020B0604020202020204" pitchFamily="34" charset="0"/>
+              <a:buChar char="•"/>
+            </a:pPr>
+            <a:r>
+              <a:rPr lang="en-GB" sz="1800" dirty="0">
+                <a:effectLst/>
+                <a:latin typeface="Aptos" panose="020B0004020202020204" pitchFamily="34" charset="0"/>
+                <a:ea typeface="Aptos" panose="020B0004020202020204" pitchFamily="34" charset="0"/>
+                <a:cs typeface="Arial" panose="020B0604020202020204" pitchFamily="34" charset="0"/>
+              </a:rPr>
+              <a:t>L293D H bridge I</a:t>
+            </a:r>
+            <a:r>
+              <a:rPr lang="en-GB" dirty="0">
+                <a:latin typeface="Aptos" panose="020B0004020202020204" pitchFamily="34" charset="0"/>
+                <a:ea typeface="Aptos" panose="020B0004020202020204" pitchFamily="34" charset="0"/>
+                <a:cs typeface="Arial" panose="020B0604020202020204" pitchFamily="34" charset="0"/>
+              </a:rPr>
+              <a:t>C</a:t>
+            </a:r>
+          </a:p>
+          <a:p>
+            <a:pPr marL="285750" indent="-285750">
+              <a:buFont typeface="Arial" panose="020B0604020202020204" pitchFamily="34" charset="0"/>
+              <a:buChar char="•"/>
+            </a:pPr>
+            <a:r>
+              <a:rPr lang="en-GB" dirty="0"/>
+              <a:t>Two DC motors </a:t>
+            </a:r>
+          </a:p>
+          <a:p>
+            <a:endParaRPr lang="nl-BE" dirty="0"/>
           </a:p>
         </p:txBody>
       </p:sp>
     </p:spTree>
     <p:extLst>
       <p:ext uri="{BB962C8B-B14F-4D97-AF65-F5344CB8AC3E}">
-        <p14:creationId xmlns:p14="http://schemas.microsoft.com/office/powerpoint/2010/main" val="105448588"/>
+        <p14:creationId xmlns:p14="http://schemas.microsoft.com/office/powerpoint/2010/main" val="3921750601"/>
       </p:ext>
     </p:extLst>
   </p:cSld>
@@ -7330,7 +7644,192 @@
 </p:sld>
 </file>
 
-<file path=ppt/slides/slide6.xml><?xml version="1.0" encoding="utf-8"?>
+<file path=ppt/slides/slide4.xml><?xml version="1.0" encoding="utf-8"?>
+<p:sld xmlns:a="http://schemas.openxmlformats.org/drawingml/2006/main" xmlns:r="http://schemas.openxmlformats.org/officeDocument/2006/relationships" xmlns:p="http://schemas.openxmlformats.org/presentationml/2006/main">
+  <p:cSld>
+    <p:spTree>
+      <p:nvGrpSpPr>
+        <p:cNvPr id="1" name="">
+          <a:extLst>
+            <a:ext uri="{FF2B5EF4-FFF2-40B4-BE49-F238E27FC236}">
+              <a16:creationId xmlns:a16="http://schemas.microsoft.com/office/drawing/2014/main" id="{75814131-F8E7-63E3-E21C-1A18E2C7D305}"/>
+            </a:ext>
+          </a:extLst>
+        </p:cNvPr>
+        <p:cNvGrpSpPr/>
+        <p:nvPr/>
+      </p:nvGrpSpPr>
+      <p:grpSpPr>
+        <a:xfrm>
+          <a:off x="0" y="0"/>
+          <a:ext cx="0" cy="0"/>
+          <a:chOff x="0" y="0"/>
+          <a:chExt cx="0" cy="0"/>
+        </a:xfrm>
+      </p:grpSpPr>
+      <p:sp>
+        <p:nvSpPr>
+          <p:cNvPr id="2" name="Titel 1">
+            <a:extLst>
+              <a:ext uri="{FF2B5EF4-FFF2-40B4-BE49-F238E27FC236}">
+                <a16:creationId xmlns:a16="http://schemas.microsoft.com/office/drawing/2014/main" id="{1B24391A-8832-05C2-2C1E-8F011C17467C}"/>
+              </a:ext>
+            </a:extLst>
+          </p:cNvPr>
+          <p:cNvSpPr>
+            <a:spLocks noGrp="1"/>
+          </p:cNvSpPr>
+          <p:nvPr>
+            <p:ph type="title"/>
+          </p:nvPr>
+        </p:nvSpPr>
+        <p:spPr>
+          <a:xfrm>
+            <a:off x="838200" y="365125"/>
+            <a:ext cx="10515600" cy="1325563"/>
+          </a:xfrm>
+        </p:spPr>
+        <p:txBody>
+          <a:bodyPr>
+            <a:normAutofit/>
+          </a:bodyPr>
+          <a:lstStyle/>
+          <a:p>
+            <a:r>
+              <a:rPr lang="en-GB" sz="5400"/>
+              <a:t>Car System</a:t>
+            </a:r>
+            <a:endParaRPr lang="nl-BE" sz="5400"/>
+          </a:p>
+        </p:txBody>
+      </p:sp>
+      <p:pic>
+        <p:nvPicPr>
+          <p:cNvPr id="3" name="Afbeelding 2" descr="Foto openen">
+            <a:extLst>
+              <a:ext uri="{FF2B5EF4-FFF2-40B4-BE49-F238E27FC236}">
+                <a16:creationId xmlns:a16="http://schemas.microsoft.com/office/drawing/2014/main" id="{0A688D9C-C89D-E273-617D-24E219AC293A}"/>
+              </a:ext>
+            </a:extLst>
+          </p:cNvPr>
+          <p:cNvPicPr>
+            <a:picLocks noChangeAspect="1"/>
+          </p:cNvPicPr>
+          <p:nvPr/>
+        </p:nvPicPr>
+        <p:blipFill>
+          <a:blip r:embed="rId2" cstate="print">
+            <a:extLst>
+              <a:ext uri="{28A0092B-C50C-407E-A947-70E740481C1C}">
+                <a14:useLocalDpi xmlns:a14="http://schemas.microsoft.com/office/drawing/2010/main" val="0"/>
+              </a:ext>
+            </a:extLst>
+          </a:blip>
+          <a:srcRect/>
+          <a:stretch>
+            <a:fillRect/>
+          </a:stretch>
+        </p:blipFill>
+        <p:spPr bwMode="auto">
+          <a:xfrm>
+            <a:off x="1222952" y="1966195"/>
+            <a:ext cx="3547837" cy="3266205"/>
+          </a:xfrm>
+          <a:prstGeom prst="rect">
+            <a:avLst/>
+          </a:prstGeom>
+          <a:noFill/>
+          <a:ln>
+            <a:noFill/>
+          </a:ln>
+        </p:spPr>
+      </p:pic>
+      <p:sp>
+        <p:nvSpPr>
+          <p:cNvPr id="5" name="Tekstvak 4">
+            <a:extLst>
+              <a:ext uri="{FF2B5EF4-FFF2-40B4-BE49-F238E27FC236}">
+                <a16:creationId xmlns:a16="http://schemas.microsoft.com/office/drawing/2014/main" id="{69C6CB85-6BEC-BEDE-72B5-C59E8CFFC6D6}"/>
+              </a:ext>
+            </a:extLst>
+          </p:cNvPr>
+          <p:cNvSpPr txBox="1"/>
+          <p:nvPr/>
+        </p:nvSpPr>
+        <p:spPr>
+          <a:xfrm>
+            <a:off x="527508" y="5728601"/>
+            <a:ext cx="4938724" cy="369332"/>
+          </a:xfrm>
+          <a:prstGeom prst="rect">
+            <a:avLst/>
+          </a:prstGeom>
+          <a:noFill/>
+        </p:spPr>
+        <p:txBody>
+          <a:bodyPr wrap="none" rtlCol="0">
+            <a:spAutoFit/>
+          </a:bodyPr>
+          <a:lstStyle/>
+          <a:p>
+            <a:r>
+              <a:rPr lang="en-GB" dirty="0"/>
+              <a:t>Custom soldered circuit board for cleaner setup</a:t>
+            </a:r>
+            <a:endParaRPr lang="nl-BE" dirty="0"/>
+          </a:p>
+        </p:txBody>
+      </p:sp>
+      <p:sp>
+        <p:nvSpPr>
+          <p:cNvPr id="6" name="Tekstvak 5">
+            <a:extLst>
+              <a:ext uri="{FF2B5EF4-FFF2-40B4-BE49-F238E27FC236}">
+                <a16:creationId xmlns:a16="http://schemas.microsoft.com/office/drawing/2014/main" id="{E034852F-33AB-9403-4178-24E82A403C32}"/>
+              </a:ext>
+            </a:extLst>
+          </p:cNvPr>
+          <p:cNvSpPr txBox="1"/>
+          <p:nvPr/>
+        </p:nvSpPr>
+        <p:spPr>
+          <a:xfrm>
+            <a:off x="6624320" y="5728601"/>
+            <a:ext cx="4861331" cy="369332"/>
+          </a:xfrm>
+          <a:prstGeom prst="rect">
+            <a:avLst/>
+          </a:prstGeom>
+          <a:noFill/>
+        </p:spPr>
+        <p:txBody>
+          <a:bodyPr wrap="none" rtlCol="0">
+            <a:spAutoFit/>
+          </a:bodyPr>
+          <a:lstStyle/>
+          <a:p>
+            <a:r>
+              <a:rPr lang="en-GB" dirty="0"/>
+              <a:t>Full car setup along with black 3D printed frame</a:t>
+            </a:r>
+            <a:endParaRPr lang="nl-BE" dirty="0"/>
+          </a:p>
+        </p:txBody>
+      </p:sp>
+    </p:spTree>
+    <p:extLst>
+      <p:ext uri="{BB962C8B-B14F-4D97-AF65-F5344CB8AC3E}">
+        <p14:creationId xmlns:p14="http://schemas.microsoft.com/office/powerpoint/2010/main" val="1006793764"/>
+      </p:ext>
+    </p:extLst>
+  </p:cSld>
+  <p:clrMapOvr>
+    <a:masterClrMapping/>
+  </p:clrMapOvr>
+</p:sld>
+</file>
+
+<file path=ppt/slides/slide5.xml><?xml version="1.0" encoding="utf-8"?>
 <p:sld xmlns:a="http://schemas.openxmlformats.org/drawingml/2006/main" xmlns:r="http://schemas.openxmlformats.org/officeDocument/2006/relationships" xmlns:p="http://schemas.openxmlformats.org/presentationml/2006/main">
   <p:cSld>
     <p:bg>
@@ -7420,7 +7919,7 @@
           <p:cNvPr id="2" name="Titel 1">
             <a:extLst>
               <a:ext uri="{FF2B5EF4-FFF2-40B4-BE49-F238E27FC236}">
-                <a16:creationId xmlns:a16="http://schemas.microsoft.com/office/drawing/2014/main" id="{2707F4EA-A007-AAF8-2199-4463C58D9F99}"/>
+                <a16:creationId xmlns:a16="http://schemas.microsoft.com/office/drawing/2014/main" id="{396B6F1B-D00E-E02A-DA5A-7DB86A3D2B3F}"/>
               </a:ext>
             </a:extLst>
           </p:cNvPr>
@@ -7445,7 +7944,7 @@
           <a:p>
             <a:r>
               <a:rPr lang="en-GB" sz="5400"/>
-              <a:t>MQTT and Security</a:t>
+              <a:t>Controller System</a:t>
             </a:r>
             <a:endParaRPr lang="nl-BE" sz="5400"/>
           </a:p>
@@ -8094,7 +8593,7 @@
           <p:cNvPr id="3" name="Tijdelijke aanduiding voor inhoud 2">
             <a:extLst>
               <a:ext uri="{FF2B5EF4-FFF2-40B4-BE49-F238E27FC236}">
-                <a16:creationId xmlns:a16="http://schemas.microsoft.com/office/drawing/2014/main" id="{300897F1-B649-9817-5BEC-1CC8B8424A0B}"/>
+                <a16:creationId xmlns:a16="http://schemas.microsoft.com/office/drawing/2014/main" id="{B5BDEF5A-10F8-49DF-0E66-D6DD525386B5}"/>
               </a:ext>
             </a:extLst>
           </p:cNvPr>
@@ -8124,7 +8623,1028 @@
     </p:spTree>
     <p:extLst>
       <p:ext uri="{BB962C8B-B14F-4D97-AF65-F5344CB8AC3E}">
-        <p14:creationId xmlns:p14="http://schemas.microsoft.com/office/powerpoint/2010/main" val="1587174818"/>
+        <p14:creationId xmlns:p14="http://schemas.microsoft.com/office/powerpoint/2010/main" val="105448588"/>
+      </p:ext>
+    </p:extLst>
+  </p:cSld>
+  <p:clrMapOvr>
+    <a:masterClrMapping/>
+  </p:clrMapOvr>
+</p:sld>
+</file>
+
+<file path=ppt/slides/slide6.xml><?xml version="1.0" encoding="utf-8"?>
+<p:sld xmlns:a="http://schemas.openxmlformats.org/drawingml/2006/main" xmlns:r="http://schemas.openxmlformats.org/officeDocument/2006/relationships" xmlns:p="http://schemas.openxmlformats.org/presentationml/2006/main">
+  <p:cSld>
+    <p:bg>
+      <p:bgPr>
+        <a:solidFill>
+          <a:schemeClr val="bg1"/>
+        </a:solidFill>
+        <a:effectLst/>
+      </p:bgPr>
+    </p:bg>
+    <p:spTree>
+      <p:nvGrpSpPr>
+        <p:cNvPr id="1" name="">
+          <a:extLst>
+            <a:ext uri="{FF2B5EF4-FFF2-40B4-BE49-F238E27FC236}">
+              <a16:creationId xmlns:a16="http://schemas.microsoft.com/office/drawing/2014/main" id="{DD25CA12-7AF2-918F-7ACC-ED2720B279FE}"/>
+            </a:ext>
+          </a:extLst>
+        </p:cNvPr>
+        <p:cNvGrpSpPr/>
+        <p:nvPr/>
+      </p:nvGrpSpPr>
+      <p:grpSpPr>
+        <a:xfrm>
+          <a:off x="0" y="0"/>
+          <a:ext cx="0" cy="0"/>
+          <a:chOff x="0" y="0"/>
+          <a:chExt cx="0" cy="0"/>
+        </a:xfrm>
+      </p:grpSpPr>
+      <p:sp useBgFill="1">
+        <p:nvSpPr>
+          <p:cNvPr id="15" name="Rectangle 14">
+            <a:extLst>
+              <a:ext uri="{FF2B5EF4-FFF2-40B4-BE49-F238E27FC236}">
+                <a16:creationId xmlns:a16="http://schemas.microsoft.com/office/drawing/2014/main" id="{EF1A5805-0F98-0A92-B26C-6AAD064FFE52}"/>
+              </a:ext>
+              <a:ext uri="{C183D7F6-B498-43B3-948B-1728B52AA6E4}">
+                <adec:decorative xmlns:adec="http://schemas.microsoft.com/office/drawing/2017/decorative" val="1"/>
+              </a:ext>
+            </a:extLst>
+          </p:cNvPr>
+          <p:cNvSpPr>
+            <a:spLocks noGrp="1" noRot="1" noChangeAspect="1" noMove="1" noResize="1" noEditPoints="1" noAdjustHandles="1" noChangeArrowheads="1" noChangeShapeType="1" noTextEdit="1"/>
+          </p:cNvSpPr>
+          <p:nvPr>
+            <p:extLst>
+              <p:ext uri="{386F3935-93C4-4BCD-93E2-E3B085C9AB24}">
+                <p16:designElem xmlns:p16="http://schemas.microsoft.com/office/powerpoint/2015/main" val="1"/>
+              </p:ext>
+            </p:extLst>
+          </p:nvPr>
+        </p:nvSpPr>
+        <p:spPr>
+          <a:xfrm>
+            <a:off x="0" y="0"/>
+            <a:ext cx="12188952" cy="6858000"/>
+          </a:xfrm>
+          <a:prstGeom prst="rect">
+            <a:avLst/>
+          </a:prstGeom>
+          <a:ln>
+            <a:noFill/>
+          </a:ln>
+        </p:spPr>
+        <p:style>
+          <a:lnRef idx="2">
+            <a:schemeClr val="accent1">
+              <a:shade val="50000"/>
+            </a:schemeClr>
+          </a:lnRef>
+          <a:fillRef idx="1">
+            <a:schemeClr val="accent1"/>
+          </a:fillRef>
+          <a:effectRef idx="0">
+            <a:schemeClr val="accent1"/>
+          </a:effectRef>
+          <a:fontRef idx="minor">
+            <a:schemeClr val="lt1"/>
+          </a:fontRef>
+        </p:style>
+        <p:txBody>
+          <a:bodyPr rtlCol="0" anchor="ctr"/>
+          <a:lstStyle/>
+          <a:p>
+            <a:pPr algn="ctr"/>
+            <a:endParaRPr lang="en-US"/>
+          </a:p>
+        </p:txBody>
+      </p:sp>
+      <p:sp>
+        <p:nvSpPr>
+          <p:cNvPr id="2" name="Titel 1">
+            <a:extLst>
+              <a:ext uri="{FF2B5EF4-FFF2-40B4-BE49-F238E27FC236}">
+                <a16:creationId xmlns:a16="http://schemas.microsoft.com/office/drawing/2014/main" id="{B3EAE0E2-044E-D2E6-EA8C-76754FE85E26}"/>
+              </a:ext>
+            </a:extLst>
+          </p:cNvPr>
+          <p:cNvSpPr>
+            <a:spLocks noGrp="1"/>
+          </p:cNvSpPr>
+          <p:nvPr>
+            <p:ph type="title"/>
+          </p:nvPr>
+        </p:nvSpPr>
+        <p:spPr>
+          <a:xfrm>
+            <a:off x="828040" y="365125"/>
+            <a:ext cx="10515600" cy="1325563"/>
+          </a:xfrm>
+        </p:spPr>
+        <p:txBody>
+          <a:bodyPr>
+            <a:normAutofit/>
+          </a:bodyPr>
+          <a:lstStyle/>
+          <a:p>
+            <a:r>
+              <a:rPr lang="en-GB" sz="5400" dirty="0"/>
+              <a:t>MQTT and Security</a:t>
+            </a:r>
+            <a:endParaRPr lang="nl-BE" sz="5400" dirty="0"/>
+          </a:p>
+        </p:txBody>
+      </p:sp>
+      <p:sp>
+        <p:nvSpPr>
+          <p:cNvPr id="17" name="sketch line">
+            <a:extLst>
+              <a:ext uri="{FF2B5EF4-FFF2-40B4-BE49-F238E27FC236}">
+                <a16:creationId xmlns:a16="http://schemas.microsoft.com/office/drawing/2014/main" id="{01E6554E-B5E8-82D4-C3E0-437A29CFD9D9}"/>
+              </a:ext>
+              <a:ext uri="{C183D7F6-B498-43B3-948B-1728B52AA6E4}">
+                <adec:decorative xmlns:adec="http://schemas.microsoft.com/office/drawing/2017/decorative" val="1"/>
+              </a:ext>
+            </a:extLst>
+          </p:cNvPr>
+          <p:cNvSpPr>
+            <a:spLocks noGrp="1" noRot="1" noChangeAspect="1" noMove="1" noResize="1" noEditPoints="1" noAdjustHandles="1" noChangeArrowheads="1" noChangeShapeType="1" noTextEdit="1"/>
+          </p:cNvSpPr>
+          <p:nvPr>
+            <p:extLst>
+              <p:ext uri="{386F3935-93C4-4BCD-93E2-E3B085C9AB24}">
+                <p16:designElem xmlns:p16="http://schemas.microsoft.com/office/powerpoint/2015/main" val="1"/>
+              </p:ext>
+            </p:extLst>
+          </p:nvPr>
+        </p:nvSpPr>
+        <p:spPr>
+          <a:xfrm>
+            <a:off x="669036" y="1677373"/>
+            <a:ext cx="10853928" cy="18288"/>
+          </a:xfrm>
+          <a:custGeom>
+            <a:avLst/>
+            <a:gdLst>
+              <a:gd name="connsiteX0" fmla="*/ 0 w 10853928"/>
+              <a:gd name="connsiteY0" fmla="*/ 0 h 18288"/>
+              <a:gd name="connsiteX1" fmla="*/ 461292 w 10853928"/>
+              <a:gd name="connsiteY1" fmla="*/ 0 h 18288"/>
+              <a:gd name="connsiteX2" fmla="*/ 1139662 w 10853928"/>
+              <a:gd name="connsiteY2" fmla="*/ 0 h 18288"/>
+              <a:gd name="connsiteX3" fmla="*/ 1926572 w 10853928"/>
+              <a:gd name="connsiteY3" fmla="*/ 0 h 18288"/>
+              <a:gd name="connsiteX4" fmla="*/ 2279325 w 10853928"/>
+              <a:gd name="connsiteY4" fmla="*/ 0 h 18288"/>
+              <a:gd name="connsiteX5" fmla="*/ 2632078 w 10853928"/>
+              <a:gd name="connsiteY5" fmla="*/ 0 h 18288"/>
+              <a:gd name="connsiteX6" fmla="*/ 3527527 w 10853928"/>
+              <a:gd name="connsiteY6" fmla="*/ 0 h 18288"/>
+              <a:gd name="connsiteX7" fmla="*/ 4205897 w 10853928"/>
+              <a:gd name="connsiteY7" fmla="*/ 0 h 18288"/>
+              <a:gd name="connsiteX8" fmla="*/ 4558650 w 10853928"/>
+              <a:gd name="connsiteY8" fmla="*/ 0 h 18288"/>
+              <a:gd name="connsiteX9" fmla="*/ 5237020 w 10853928"/>
+              <a:gd name="connsiteY9" fmla="*/ 0 h 18288"/>
+              <a:gd name="connsiteX10" fmla="*/ 6132469 w 10853928"/>
+              <a:gd name="connsiteY10" fmla="*/ 0 h 18288"/>
+              <a:gd name="connsiteX11" fmla="*/ 6702301 w 10853928"/>
+              <a:gd name="connsiteY11" fmla="*/ 0 h 18288"/>
+              <a:gd name="connsiteX12" fmla="*/ 7272132 w 10853928"/>
+              <a:gd name="connsiteY12" fmla="*/ 0 h 18288"/>
+              <a:gd name="connsiteX13" fmla="*/ 7950502 w 10853928"/>
+              <a:gd name="connsiteY13" fmla="*/ 0 h 18288"/>
+              <a:gd name="connsiteX14" fmla="*/ 8737412 w 10853928"/>
+              <a:gd name="connsiteY14" fmla="*/ 0 h 18288"/>
+              <a:gd name="connsiteX15" fmla="*/ 9524322 w 10853928"/>
+              <a:gd name="connsiteY15" fmla="*/ 0 h 18288"/>
+              <a:gd name="connsiteX16" fmla="*/ 10853928 w 10853928"/>
+              <a:gd name="connsiteY16" fmla="*/ 0 h 18288"/>
+              <a:gd name="connsiteX17" fmla="*/ 10853928 w 10853928"/>
+              <a:gd name="connsiteY17" fmla="*/ 18288 h 18288"/>
+              <a:gd name="connsiteX18" fmla="*/ 10392636 w 10853928"/>
+              <a:gd name="connsiteY18" fmla="*/ 18288 h 18288"/>
+              <a:gd name="connsiteX19" fmla="*/ 9497187 w 10853928"/>
+              <a:gd name="connsiteY19" fmla="*/ 18288 h 18288"/>
+              <a:gd name="connsiteX20" fmla="*/ 8818817 w 10853928"/>
+              <a:gd name="connsiteY20" fmla="*/ 18288 h 18288"/>
+              <a:gd name="connsiteX21" fmla="*/ 8466064 w 10853928"/>
+              <a:gd name="connsiteY21" fmla="*/ 18288 h 18288"/>
+              <a:gd name="connsiteX22" fmla="*/ 7787693 w 10853928"/>
+              <a:gd name="connsiteY22" fmla="*/ 18288 h 18288"/>
+              <a:gd name="connsiteX23" fmla="*/ 7217862 w 10853928"/>
+              <a:gd name="connsiteY23" fmla="*/ 18288 h 18288"/>
+              <a:gd name="connsiteX24" fmla="*/ 6648031 w 10853928"/>
+              <a:gd name="connsiteY24" fmla="*/ 18288 h 18288"/>
+              <a:gd name="connsiteX25" fmla="*/ 6078200 w 10853928"/>
+              <a:gd name="connsiteY25" fmla="*/ 18288 h 18288"/>
+              <a:gd name="connsiteX26" fmla="*/ 5508368 w 10853928"/>
+              <a:gd name="connsiteY26" fmla="*/ 18288 h 18288"/>
+              <a:gd name="connsiteX27" fmla="*/ 4721459 w 10853928"/>
+              <a:gd name="connsiteY27" fmla="*/ 18288 h 18288"/>
+              <a:gd name="connsiteX28" fmla="*/ 4043088 w 10853928"/>
+              <a:gd name="connsiteY28" fmla="*/ 18288 h 18288"/>
+              <a:gd name="connsiteX29" fmla="*/ 3690336 w 10853928"/>
+              <a:gd name="connsiteY29" fmla="*/ 18288 h 18288"/>
+              <a:gd name="connsiteX30" fmla="*/ 3120504 w 10853928"/>
+              <a:gd name="connsiteY30" fmla="*/ 18288 h 18288"/>
+              <a:gd name="connsiteX31" fmla="*/ 2333595 w 10853928"/>
+              <a:gd name="connsiteY31" fmla="*/ 18288 h 18288"/>
+              <a:gd name="connsiteX32" fmla="*/ 1872303 w 10853928"/>
+              <a:gd name="connsiteY32" fmla="*/ 18288 h 18288"/>
+              <a:gd name="connsiteX33" fmla="*/ 976854 w 10853928"/>
+              <a:gd name="connsiteY33" fmla="*/ 18288 h 18288"/>
+              <a:gd name="connsiteX34" fmla="*/ 0 w 10853928"/>
+              <a:gd name="connsiteY34" fmla="*/ 18288 h 18288"/>
+              <a:gd name="connsiteX35" fmla="*/ 0 w 10853928"/>
+              <a:gd name="connsiteY35" fmla="*/ 0 h 18288"/>
+            </a:gdLst>
+            <a:ahLst/>
+            <a:cxnLst>
+              <a:cxn ang="0">
+                <a:pos x="connsiteX0" y="connsiteY0"/>
+              </a:cxn>
+              <a:cxn ang="0">
+                <a:pos x="connsiteX1" y="connsiteY1"/>
+              </a:cxn>
+              <a:cxn ang="0">
+                <a:pos x="connsiteX2" y="connsiteY2"/>
+              </a:cxn>
+              <a:cxn ang="0">
+                <a:pos x="connsiteX3" y="connsiteY3"/>
+              </a:cxn>
+              <a:cxn ang="0">
+                <a:pos x="connsiteX4" y="connsiteY4"/>
+              </a:cxn>
+              <a:cxn ang="0">
+                <a:pos x="connsiteX5" y="connsiteY5"/>
+              </a:cxn>
+              <a:cxn ang="0">
+                <a:pos x="connsiteX6" y="connsiteY6"/>
+              </a:cxn>
+              <a:cxn ang="0">
+                <a:pos x="connsiteX7" y="connsiteY7"/>
+              </a:cxn>
+              <a:cxn ang="0">
+                <a:pos x="connsiteX8" y="connsiteY8"/>
+              </a:cxn>
+              <a:cxn ang="0">
+                <a:pos x="connsiteX9" y="connsiteY9"/>
+              </a:cxn>
+              <a:cxn ang="0">
+                <a:pos x="connsiteX10" y="connsiteY10"/>
+              </a:cxn>
+              <a:cxn ang="0">
+                <a:pos x="connsiteX11" y="connsiteY11"/>
+              </a:cxn>
+              <a:cxn ang="0">
+                <a:pos x="connsiteX12" y="connsiteY12"/>
+              </a:cxn>
+              <a:cxn ang="0">
+                <a:pos x="connsiteX13" y="connsiteY13"/>
+              </a:cxn>
+              <a:cxn ang="0">
+                <a:pos x="connsiteX14" y="connsiteY14"/>
+              </a:cxn>
+              <a:cxn ang="0">
+                <a:pos x="connsiteX15" y="connsiteY15"/>
+              </a:cxn>
+              <a:cxn ang="0">
+                <a:pos x="connsiteX16" y="connsiteY16"/>
+              </a:cxn>
+              <a:cxn ang="0">
+                <a:pos x="connsiteX17" y="connsiteY17"/>
+              </a:cxn>
+              <a:cxn ang="0">
+                <a:pos x="connsiteX18" y="connsiteY18"/>
+              </a:cxn>
+              <a:cxn ang="0">
+                <a:pos x="connsiteX19" y="connsiteY19"/>
+              </a:cxn>
+              <a:cxn ang="0">
+                <a:pos x="connsiteX20" y="connsiteY20"/>
+              </a:cxn>
+              <a:cxn ang="0">
+                <a:pos x="connsiteX21" y="connsiteY21"/>
+              </a:cxn>
+              <a:cxn ang="0">
+                <a:pos x="connsiteX22" y="connsiteY22"/>
+              </a:cxn>
+              <a:cxn ang="0">
+                <a:pos x="connsiteX23" y="connsiteY23"/>
+              </a:cxn>
+              <a:cxn ang="0">
+                <a:pos x="connsiteX24" y="connsiteY24"/>
+              </a:cxn>
+              <a:cxn ang="0">
+                <a:pos x="connsiteX25" y="connsiteY25"/>
+              </a:cxn>
+              <a:cxn ang="0">
+                <a:pos x="connsiteX26" y="connsiteY26"/>
+              </a:cxn>
+              <a:cxn ang="0">
+                <a:pos x="connsiteX27" y="connsiteY27"/>
+              </a:cxn>
+              <a:cxn ang="0">
+                <a:pos x="connsiteX28" y="connsiteY28"/>
+              </a:cxn>
+              <a:cxn ang="0">
+                <a:pos x="connsiteX29" y="connsiteY29"/>
+              </a:cxn>
+              <a:cxn ang="0">
+                <a:pos x="connsiteX30" y="connsiteY30"/>
+              </a:cxn>
+              <a:cxn ang="0">
+                <a:pos x="connsiteX31" y="connsiteY31"/>
+              </a:cxn>
+              <a:cxn ang="0">
+                <a:pos x="connsiteX32" y="connsiteY32"/>
+              </a:cxn>
+              <a:cxn ang="0">
+                <a:pos x="connsiteX33" y="connsiteY33"/>
+              </a:cxn>
+              <a:cxn ang="0">
+                <a:pos x="connsiteX34" y="connsiteY34"/>
+              </a:cxn>
+              <a:cxn ang="0">
+                <a:pos x="connsiteX35" y="connsiteY35"/>
+              </a:cxn>
+            </a:cxnLst>
+            <a:rect l="l" t="t" r="r" b="b"/>
+            <a:pathLst>
+              <a:path w="10853928" h="18288" fill="none" extrusionOk="0">
+                <a:moveTo>
+                  <a:pt x="0" y="0"/>
+                </a:moveTo>
+                <a:cubicBezTo>
+                  <a:pt x="146993" y="-19076"/>
+                  <a:pt x="347684" y="-4790"/>
+                  <a:pt x="461292" y="0"/>
+                </a:cubicBezTo>
+                <a:cubicBezTo>
+                  <a:pt x="574900" y="4790"/>
+                  <a:pt x="808367" y="19821"/>
+                  <a:pt x="1139662" y="0"/>
+                </a:cubicBezTo>
+                <a:cubicBezTo>
+                  <a:pt x="1470957" y="-19821"/>
+                  <a:pt x="1627405" y="5721"/>
+                  <a:pt x="1926572" y="0"/>
+                </a:cubicBezTo>
+                <a:cubicBezTo>
+                  <a:pt x="2225739" y="-5721"/>
+                  <a:pt x="2137730" y="-3235"/>
+                  <a:pt x="2279325" y="0"/>
+                </a:cubicBezTo>
+                <a:cubicBezTo>
+                  <a:pt x="2420920" y="3235"/>
+                  <a:pt x="2456518" y="9685"/>
+                  <a:pt x="2632078" y="0"/>
+                </a:cubicBezTo>
+                <a:cubicBezTo>
+                  <a:pt x="2807638" y="-9685"/>
+                  <a:pt x="3211516" y="-43007"/>
+                  <a:pt x="3527527" y="0"/>
+                </a:cubicBezTo>
+                <a:cubicBezTo>
+                  <a:pt x="3843538" y="43007"/>
+                  <a:pt x="4058833" y="22042"/>
+                  <a:pt x="4205897" y="0"/>
+                </a:cubicBezTo>
+                <a:cubicBezTo>
+                  <a:pt x="4352961" y="-22042"/>
+                  <a:pt x="4474805" y="-11846"/>
+                  <a:pt x="4558650" y="0"/>
+                </a:cubicBezTo>
+                <a:cubicBezTo>
+                  <a:pt x="4642495" y="11846"/>
+                  <a:pt x="5041928" y="-6069"/>
+                  <a:pt x="5237020" y="0"/>
+                </a:cubicBezTo>
+                <a:cubicBezTo>
+                  <a:pt x="5432112" y="6069"/>
+                  <a:pt x="5943266" y="-17479"/>
+                  <a:pt x="6132469" y="0"/>
+                </a:cubicBezTo>
+                <a:cubicBezTo>
+                  <a:pt x="6321672" y="17479"/>
+                  <a:pt x="6483872" y="26234"/>
+                  <a:pt x="6702301" y="0"/>
+                </a:cubicBezTo>
+                <a:cubicBezTo>
+                  <a:pt x="6920730" y="-26234"/>
+                  <a:pt x="6991194" y="-15156"/>
+                  <a:pt x="7272132" y="0"/>
+                </a:cubicBezTo>
+                <a:cubicBezTo>
+                  <a:pt x="7553070" y="15156"/>
+                  <a:pt x="7684444" y="-32961"/>
+                  <a:pt x="7950502" y="0"/>
+                </a:cubicBezTo>
+                <a:cubicBezTo>
+                  <a:pt x="8216560" y="32961"/>
+                  <a:pt x="8493290" y="-10491"/>
+                  <a:pt x="8737412" y="0"/>
+                </a:cubicBezTo>
+                <a:cubicBezTo>
+                  <a:pt x="8981534" y="10491"/>
+                  <a:pt x="9191586" y="-13899"/>
+                  <a:pt x="9524322" y="0"/>
+                </a:cubicBezTo>
+                <a:cubicBezTo>
+                  <a:pt x="9857058" y="13899"/>
+                  <a:pt x="10297509" y="7485"/>
+                  <a:pt x="10853928" y="0"/>
+                </a:cubicBezTo>
+                <a:cubicBezTo>
+                  <a:pt x="10854574" y="4451"/>
+                  <a:pt x="10854418" y="9226"/>
+                  <a:pt x="10853928" y="18288"/>
+                </a:cubicBezTo>
+                <a:cubicBezTo>
+                  <a:pt x="10691638" y="28522"/>
+                  <a:pt x="10574319" y="29578"/>
+                  <a:pt x="10392636" y="18288"/>
+                </a:cubicBezTo>
+                <a:cubicBezTo>
+                  <a:pt x="10210953" y="6998"/>
+                  <a:pt x="9836277" y="-16742"/>
+                  <a:pt x="9497187" y="18288"/>
+                </a:cubicBezTo>
+                <a:cubicBezTo>
+                  <a:pt x="9158097" y="53318"/>
+                  <a:pt x="9119479" y="30714"/>
+                  <a:pt x="8818817" y="18288"/>
+                </a:cubicBezTo>
+                <a:cubicBezTo>
+                  <a:pt x="8518155" y="5863"/>
+                  <a:pt x="8640037" y="6483"/>
+                  <a:pt x="8466064" y="18288"/>
+                </a:cubicBezTo>
+                <a:cubicBezTo>
+                  <a:pt x="8292091" y="30093"/>
+                  <a:pt x="7997656" y="18914"/>
+                  <a:pt x="7787693" y="18288"/>
+                </a:cubicBezTo>
+                <a:cubicBezTo>
+                  <a:pt x="7577730" y="17662"/>
+                  <a:pt x="7412468" y="21416"/>
+                  <a:pt x="7217862" y="18288"/>
+                </a:cubicBezTo>
+                <a:cubicBezTo>
+                  <a:pt x="7023256" y="15160"/>
+                  <a:pt x="6898018" y="14824"/>
+                  <a:pt x="6648031" y="18288"/>
+                </a:cubicBezTo>
+                <a:cubicBezTo>
+                  <a:pt x="6398044" y="21752"/>
+                  <a:pt x="6254402" y="38625"/>
+                  <a:pt x="6078200" y="18288"/>
+                </a:cubicBezTo>
+                <a:cubicBezTo>
+                  <a:pt x="5901998" y="-2049"/>
+                  <a:pt x="5622886" y="3213"/>
+                  <a:pt x="5508368" y="18288"/>
+                </a:cubicBezTo>
+                <a:cubicBezTo>
+                  <a:pt x="5393850" y="33363"/>
+                  <a:pt x="5036260" y="26830"/>
+                  <a:pt x="4721459" y="18288"/>
+                </a:cubicBezTo>
+                <a:cubicBezTo>
+                  <a:pt x="4406658" y="9746"/>
+                  <a:pt x="4239221" y="41551"/>
+                  <a:pt x="4043088" y="18288"/>
+                </a:cubicBezTo>
+                <a:cubicBezTo>
+                  <a:pt x="3846955" y="-4975"/>
+                  <a:pt x="3818802" y="34658"/>
+                  <a:pt x="3690336" y="18288"/>
+                </a:cubicBezTo>
+                <a:cubicBezTo>
+                  <a:pt x="3561870" y="1918"/>
+                  <a:pt x="3265491" y="42194"/>
+                  <a:pt x="3120504" y="18288"/>
+                </a:cubicBezTo>
+                <a:cubicBezTo>
+                  <a:pt x="2975517" y="-5618"/>
+                  <a:pt x="2720254" y="36673"/>
+                  <a:pt x="2333595" y="18288"/>
+                </a:cubicBezTo>
+                <a:cubicBezTo>
+                  <a:pt x="1946936" y="-97"/>
+                  <a:pt x="2097241" y="5776"/>
+                  <a:pt x="1872303" y="18288"/>
+                </a:cubicBezTo>
+                <a:cubicBezTo>
+                  <a:pt x="1647365" y="30800"/>
+                  <a:pt x="1282708" y="45380"/>
+                  <a:pt x="976854" y="18288"/>
+                </a:cubicBezTo>
+                <a:cubicBezTo>
+                  <a:pt x="671000" y="-8804"/>
+                  <a:pt x="408401" y="-12775"/>
+                  <a:pt x="0" y="18288"/>
+                </a:cubicBezTo>
+                <a:cubicBezTo>
+                  <a:pt x="-213" y="9468"/>
+                  <a:pt x="187" y="4459"/>
+                  <a:pt x="0" y="0"/>
+                </a:cubicBezTo>
+                <a:close/>
+              </a:path>
+              <a:path w="10853928" h="18288" stroke="0" extrusionOk="0">
+                <a:moveTo>
+                  <a:pt x="0" y="0"/>
+                </a:moveTo>
+                <a:cubicBezTo>
+                  <a:pt x="267322" y="15284"/>
+                  <a:pt x="415388" y="-21048"/>
+                  <a:pt x="569831" y="0"/>
+                </a:cubicBezTo>
+                <a:cubicBezTo>
+                  <a:pt x="724274" y="21048"/>
+                  <a:pt x="769333" y="-2353"/>
+                  <a:pt x="922584" y="0"/>
+                </a:cubicBezTo>
+                <a:cubicBezTo>
+                  <a:pt x="1075835" y="2353"/>
+                  <a:pt x="1399490" y="-145"/>
+                  <a:pt x="1818033" y="0"/>
+                </a:cubicBezTo>
+                <a:cubicBezTo>
+                  <a:pt x="2236576" y="145"/>
+                  <a:pt x="2145330" y="5482"/>
+                  <a:pt x="2387864" y="0"/>
+                </a:cubicBezTo>
+                <a:cubicBezTo>
+                  <a:pt x="2630398" y="-5482"/>
+                  <a:pt x="2793207" y="18487"/>
+                  <a:pt x="2957695" y="0"/>
+                </a:cubicBezTo>
+                <a:cubicBezTo>
+                  <a:pt x="3122183" y="-18487"/>
+                  <a:pt x="3579141" y="19003"/>
+                  <a:pt x="3853144" y="0"/>
+                </a:cubicBezTo>
+                <a:cubicBezTo>
+                  <a:pt x="4127147" y="-19003"/>
+                  <a:pt x="4209857" y="12211"/>
+                  <a:pt x="4314436" y="0"/>
+                </a:cubicBezTo>
+                <a:cubicBezTo>
+                  <a:pt x="4419015" y="-12211"/>
+                  <a:pt x="4762459" y="-17220"/>
+                  <a:pt x="5209885" y="0"/>
+                </a:cubicBezTo>
+                <a:cubicBezTo>
+                  <a:pt x="5657311" y="17220"/>
+                  <a:pt x="5692663" y="-3290"/>
+                  <a:pt x="6105335" y="0"/>
+                </a:cubicBezTo>
+                <a:cubicBezTo>
+                  <a:pt x="6518007" y="3290"/>
+                  <a:pt x="6455516" y="-5124"/>
+                  <a:pt x="6783705" y="0"/>
+                </a:cubicBezTo>
+                <a:cubicBezTo>
+                  <a:pt x="7111894" y="5124"/>
+                  <a:pt x="7441941" y="-17829"/>
+                  <a:pt x="7679154" y="0"/>
+                </a:cubicBezTo>
+                <a:cubicBezTo>
+                  <a:pt x="7916367" y="17829"/>
+                  <a:pt x="8102967" y="-24363"/>
+                  <a:pt x="8248985" y="0"/>
+                </a:cubicBezTo>
+                <a:cubicBezTo>
+                  <a:pt x="8395003" y="24363"/>
+                  <a:pt x="8552393" y="25505"/>
+                  <a:pt x="8818817" y="0"/>
+                </a:cubicBezTo>
+                <a:cubicBezTo>
+                  <a:pt x="9085241" y="-25505"/>
+                  <a:pt x="9411308" y="38000"/>
+                  <a:pt x="9605726" y="0"/>
+                </a:cubicBezTo>
+                <a:cubicBezTo>
+                  <a:pt x="9800144" y="-38000"/>
+                  <a:pt x="10006468" y="-25741"/>
+                  <a:pt x="10175558" y="0"/>
+                </a:cubicBezTo>
+                <a:cubicBezTo>
+                  <a:pt x="10344648" y="25741"/>
+                  <a:pt x="10696282" y="695"/>
+                  <a:pt x="10853928" y="0"/>
+                </a:cubicBezTo>
+                <a:cubicBezTo>
+                  <a:pt x="10853521" y="8690"/>
+                  <a:pt x="10853774" y="14141"/>
+                  <a:pt x="10853928" y="18288"/>
+                </a:cubicBezTo>
+                <a:cubicBezTo>
+                  <a:pt x="10608124" y="24255"/>
+                  <a:pt x="10343415" y="22307"/>
+                  <a:pt x="10067018" y="18288"/>
+                </a:cubicBezTo>
+                <a:cubicBezTo>
+                  <a:pt x="9790621" y="14270"/>
+                  <a:pt x="9843266" y="3564"/>
+                  <a:pt x="9714266" y="18288"/>
+                </a:cubicBezTo>
+                <a:cubicBezTo>
+                  <a:pt x="9585266" y="33012"/>
+                  <a:pt x="9379484" y="1875"/>
+                  <a:pt x="9252974" y="18288"/>
+                </a:cubicBezTo>
+                <a:cubicBezTo>
+                  <a:pt x="9126464" y="34701"/>
+                  <a:pt x="8580678" y="-4904"/>
+                  <a:pt x="8357525" y="18288"/>
+                </a:cubicBezTo>
+                <a:cubicBezTo>
+                  <a:pt x="8134372" y="41480"/>
+                  <a:pt x="7903199" y="26458"/>
+                  <a:pt x="7679154" y="18288"/>
+                </a:cubicBezTo>
+                <a:cubicBezTo>
+                  <a:pt x="7455109" y="10118"/>
+                  <a:pt x="7435944" y="27109"/>
+                  <a:pt x="7217862" y="18288"/>
+                </a:cubicBezTo>
+                <a:cubicBezTo>
+                  <a:pt x="6999780" y="9467"/>
+                  <a:pt x="6680409" y="18985"/>
+                  <a:pt x="6539492" y="18288"/>
+                </a:cubicBezTo>
+                <a:cubicBezTo>
+                  <a:pt x="6398575" y="17592"/>
+                  <a:pt x="6312077" y="33018"/>
+                  <a:pt x="6186739" y="18288"/>
+                </a:cubicBezTo>
+                <a:cubicBezTo>
+                  <a:pt x="6061401" y="3558"/>
+                  <a:pt x="5947033" y="12075"/>
+                  <a:pt x="5833986" y="18288"/>
+                </a:cubicBezTo>
+                <a:cubicBezTo>
+                  <a:pt x="5720939" y="24501"/>
+                  <a:pt x="5482226" y="8586"/>
+                  <a:pt x="5155616" y="18288"/>
+                </a:cubicBezTo>
+                <a:cubicBezTo>
+                  <a:pt x="4829006" y="27991"/>
+                  <a:pt x="4841274" y="29316"/>
+                  <a:pt x="4694324" y="18288"/>
+                </a:cubicBezTo>
+                <a:cubicBezTo>
+                  <a:pt x="4547374" y="7260"/>
+                  <a:pt x="4077675" y="7013"/>
+                  <a:pt x="3907414" y="18288"/>
+                </a:cubicBezTo>
+                <a:cubicBezTo>
+                  <a:pt x="3737153" y="29564"/>
+                  <a:pt x="3538393" y="21630"/>
+                  <a:pt x="3446122" y="18288"/>
+                </a:cubicBezTo>
+                <a:cubicBezTo>
+                  <a:pt x="3353851" y="14946"/>
+                  <a:pt x="2990320" y="-8091"/>
+                  <a:pt x="2659212" y="18288"/>
+                </a:cubicBezTo>
+                <a:cubicBezTo>
+                  <a:pt x="2328104" y="44667"/>
+                  <a:pt x="2427653" y="9607"/>
+                  <a:pt x="2306460" y="18288"/>
+                </a:cubicBezTo>
+                <a:cubicBezTo>
+                  <a:pt x="2185267" y="26969"/>
+                  <a:pt x="1719763" y="3717"/>
+                  <a:pt x="1519550" y="18288"/>
+                </a:cubicBezTo>
+                <a:cubicBezTo>
+                  <a:pt x="1319337" y="32860"/>
+                  <a:pt x="1167371" y="17040"/>
+                  <a:pt x="1058258" y="18288"/>
+                </a:cubicBezTo>
+                <a:cubicBezTo>
+                  <a:pt x="949145" y="19536"/>
+                  <a:pt x="780234" y="31447"/>
+                  <a:pt x="705505" y="18288"/>
+                </a:cubicBezTo>
+                <a:cubicBezTo>
+                  <a:pt x="630776" y="5129"/>
+                  <a:pt x="215796" y="30056"/>
+                  <a:pt x="0" y="18288"/>
+                </a:cubicBezTo>
+                <a:cubicBezTo>
+                  <a:pt x="-53" y="11301"/>
+                  <a:pt x="-649" y="7756"/>
+                  <a:pt x="0" y="0"/>
+                </a:cubicBezTo>
+                <a:close/>
+              </a:path>
+            </a:pathLst>
+          </a:custGeom>
+          <a:solidFill>
+            <a:schemeClr val="accent2"/>
+          </a:solidFill>
+          <a:ln w="41275" cap="rnd">
+            <a:solidFill>
+              <a:schemeClr val="accent2"/>
+            </a:solidFill>
+            <a:round/>
+            <a:extLst>
+              <a:ext uri="{C807C97D-BFC1-408E-A445-0C87EB9F89A2}">
+                <ask:lineSketchStyleProps xmlns:ask="http://schemas.microsoft.com/office/drawing/2018/sketchyshapes" sd="1219033472">
+                  <a:prstGeom prst="rect">
+                    <a:avLst/>
+                  </a:prstGeom>
+                  <ask:type>
+                    <ask:lineSketchFreehand/>
+                  </ask:type>
+                </ask:lineSketchStyleProps>
+              </a:ext>
+            </a:extLst>
+          </a:ln>
+        </p:spPr>
+        <p:style>
+          <a:lnRef idx="2">
+            <a:schemeClr val="accent1">
+              <a:shade val="50000"/>
+            </a:schemeClr>
+          </a:lnRef>
+          <a:fillRef idx="1">
+            <a:schemeClr val="accent1"/>
+          </a:fillRef>
+          <a:effectRef idx="0">
+            <a:schemeClr val="accent1"/>
+          </a:effectRef>
+          <a:fontRef idx="minor">
+            <a:schemeClr val="lt1"/>
+          </a:fontRef>
+        </p:style>
+        <p:txBody>
+          <a:bodyPr rtlCol="0" anchor="ctr"/>
+          <a:lstStyle/>
+          <a:p>
+            <a:pPr algn="ctr"/>
+            <a:endParaRPr lang="en-US"/>
+          </a:p>
+        </p:txBody>
+      </p:sp>
+      <p:sp>
+        <p:nvSpPr>
+          <p:cNvPr id="5" name="Tekstvak 4">
+            <a:extLst>
+              <a:ext uri="{FF2B5EF4-FFF2-40B4-BE49-F238E27FC236}">
+                <a16:creationId xmlns:a16="http://schemas.microsoft.com/office/drawing/2014/main" id="{8B25CC47-87D8-842F-5D00-1ED0935C885C}"/>
+              </a:ext>
+            </a:extLst>
+          </p:cNvPr>
+          <p:cNvSpPr txBox="1"/>
+          <p:nvPr/>
+        </p:nvSpPr>
+        <p:spPr>
+          <a:xfrm>
+            <a:off x="7109355" y="2926080"/>
+            <a:ext cx="5079597" cy="2862322"/>
+          </a:xfrm>
+          <a:prstGeom prst="rect">
+            <a:avLst/>
+          </a:prstGeom>
+          <a:noFill/>
+        </p:spPr>
+        <p:txBody>
+          <a:bodyPr wrap="square" rtlCol="0">
+            <a:spAutoFit/>
+          </a:bodyPr>
+          <a:lstStyle/>
+          <a:p>
+            <a:pPr marL="285750" indent="-285750">
+              <a:buFont typeface="Arial" panose="020B0604020202020204" pitchFamily="34" charset="0"/>
+              <a:buChar char="•"/>
+            </a:pPr>
+            <a:r>
+              <a:rPr lang="nl-NL" dirty="0"/>
+              <a:t>TLS protocol (transport </a:t>
+            </a:r>
+            <a:r>
+              <a:rPr lang="nl-NL" dirty="0" err="1"/>
+              <a:t>layer</a:t>
+            </a:r>
+            <a:r>
+              <a:rPr lang="nl-NL" dirty="0"/>
+              <a:t> security)</a:t>
+            </a:r>
+          </a:p>
+          <a:p>
+            <a:pPr marL="285750" indent="-285750">
+              <a:buFont typeface="Arial" panose="020B0604020202020204" pitchFamily="34" charset="0"/>
+              <a:buChar char="•"/>
+            </a:pPr>
+            <a:r>
+              <a:rPr lang="nl-NL" dirty="0"/>
+              <a:t>CRT file: </a:t>
+            </a:r>
+            <a:r>
+              <a:rPr lang="en-GB" dirty="0">
+                <a:latin typeface="Aptos" panose="020B0004020202020204" pitchFamily="34" charset="0"/>
+                <a:cs typeface="Arial" panose="020B0604020202020204" pitchFamily="34" charset="0"/>
+              </a:rPr>
+              <a:t>Validates client’s identity </a:t>
+            </a:r>
+            <a:r>
+              <a:rPr lang="en-US" dirty="0"/>
+              <a:t>against a trusted Certificate Authority (CA)</a:t>
+            </a:r>
+          </a:p>
+          <a:p>
+            <a:pPr marL="285750" indent="-285750">
+              <a:buFont typeface="Arial" panose="020B0604020202020204" pitchFamily="34" charset="0"/>
+              <a:buChar char="•"/>
+            </a:pPr>
+            <a:r>
+              <a:rPr lang="en-US" dirty="0">
+                <a:latin typeface="Aptos" panose="020B0004020202020204" pitchFamily="34" charset="0"/>
+                <a:cs typeface="Arial" panose="020B0604020202020204" pitchFamily="34" charset="0"/>
+              </a:rPr>
+              <a:t>Key file: Key of the client</a:t>
+            </a:r>
+            <a:endParaRPr lang="en-GB" dirty="0">
+              <a:latin typeface="Aptos" panose="020B0004020202020204" pitchFamily="34" charset="0"/>
+              <a:cs typeface="Arial" panose="020B0604020202020204" pitchFamily="34" charset="0"/>
+            </a:endParaRPr>
+          </a:p>
+          <a:p>
+            <a:pPr marL="285750" indent="-285750">
+              <a:buFont typeface="Arial" panose="020B0604020202020204" pitchFamily="34" charset="0"/>
+              <a:buChar char="•"/>
+            </a:pPr>
+            <a:r>
+              <a:rPr lang="nl-NL" dirty="0"/>
+              <a:t>PEM file</a:t>
+            </a:r>
+            <a:r>
+              <a:rPr lang="en-GB" dirty="0">
+                <a:latin typeface="Aptos" panose="020B0004020202020204" pitchFamily="34" charset="0"/>
+                <a:cs typeface="Arial" panose="020B0604020202020204" pitchFamily="34" charset="0"/>
+              </a:rPr>
+              <a:t>: </a:t>
+            </a:r>
+            <a:r>
+              <a:rPr lang="en-US" dirty="0"/>
+              <a:t>Encodes the private key of the client</a:t>
+            </a:r>
+          </a:p>
+          <a:p>
+            <a:pPr marL="285750" indent="-285750">
+              <a:buFont typeface="Arial" panose="020B0604020202020204" pitchFamily="34" charset="0"/>
+              <a:buChar char="•"/>
+            </a:pPr>
+            <a:r>
+              <a:rPr lang="en-US" dirty="0" err="1"/>
+              <a:t>Truststores</a:t>
+            </a:r>
+            <a:r>
+              <a:rPr lang="en-US" dirty="0"/>
+              <a:t> are a special kind of </a:t>
+            </a:r>
+            <a:r>
+              <a:rPr lang="nl-NL" dirty="0">
+                <a:hlinkClick r:id="rId3"/>
+              </a:rPr>
+              <a:t>Java </a:t>
+            </a:r>
+            <a:r>
+              <a:rPr lang="nl-NL" dirty="0" err="1">
+                <a:hlinkClick r:id="rId3"/>
+              </a:rPr>
+              <a:t>KeyStores</a:t>
+            </a:r>
+            <a:r>
+              <a:rPr lang="nl-NL" dirty="0">
+                <a:hlinkClick r:id="rId3"/>
+              </a:rPr>
+              <a:t>(JKS)</a:t>
+            </a:r>
+            <a:endParaRPr lang="nl-NL" dirty="0"/>
+          </a:p>
+          <a:p>
+            <a:pPr marL="285750" indent="-285750">
+              <a:buFont typeface="Arial" panose="020B0604020202020204" pitchFamily="34" charset="0"/>
+              <a:buChar char="•"/>
+            </a:pPr>
+            <a:r>
+              <a:rPr lang="nl-NL" dirty="0" err="1">
+                <a:latin typeface="Aptos" panose="020B0004020202020204" pitchFamily="34" charset="0"/>
+                <a:cs typeface="Arial" panose="020B0604020202020204" pitchFamily="34" charset="0"/>
+              </a:rPr>
+              <a:t>Enhances</a:t>
+            </a:r>
+            <a:r>
+              <a:rPr lang="nl-NL" dirty="0">
+                <a:latin typeface="Aptos" panose="020B0004020202020204" pitchFamily="34" charset="0"/>
+                <a:cs typeface="Arial" panose="020B0604020202020204" pitchFamily="34" charset="0"/>
+              </a:rPr>
+              <a:t> data </a:t>
+            </a:r>
+            <a:r>
+              <a:rPr lang="nl-NL" dirty="0" err="1">
+                <a:latin typeface="Aptos" panose="020B0004020202020204" pitchFamily="34" charset="0"/>
+                <a:cs typeface="Arial" panose="020B0604020202020204" pitchFamily="34" charset="0"/>
+              </a:rPr>
+              <a:t>integrity</a:t>
+            </a:r>
+            <a:r>
+              <a:rPr lang="nl-NL" dirty="0">
+                <a:latin typeface="Aptos" panose="020B0004020202020204" pitchFamily="34" charset="0"/>
+                <a:cs typeface="Arial" panose="020B0604020202020204" pitchFamily="34" charset="0"/>
+              </a:rPr>
+              <a:t> </a:t>
+            </a:r>
+            <a:r>
+              <a:rPr lang="nl-NL" dirty="0" err="1">
+                <a:latin typeface="Aptos" panose="020B0004020202020204" pitchFamily="34" charset="0"/>
+                <a:cs typeface="Arial" panose="020B0604020202020204" pitchFamily="34" charset="0"/>
+              </a:rPr>
+              <a:t>and</a:t>
+            </a:r>
+            <a:r>
+              <a:rPr lang="nl-NL" dirty="0">
+                <a:latin typeface="Aptos" panose="020B0004020202020204" pitchFamily="34" charset="0"/>
+                <a:cs typeface="Arial" panose="020B0604020202020204" pitchFamily="34" charset="0"/>
+              </a:rPr>
+              <a:t> </a:t>
+            </a:r>
+            <a:r>
+              <a:rPr lang="nl-NL" dirty="0" err="1">
+                <a:latin typeface="Aptos" panose="020B0004020202020204" pitchFamily="34" charset="0"/>
+                <a:cs typeface="Arial" panose="020B0604020202020204" pitchFamily="34" charset="0"/>
+              </a:rPr>
+              <a:t>prevents</a:t>
+            </a:r>
+            <a:r>
+              <a:rPr lang="nl-NL" dirty="0">
+                <a:latin typeface="Aptos" panose="020B0004020202020204" pitchFamily="34" charset="0"/>
+                <a:cs typeface="Arial" panose="020B0604020202020204" pitchFamily="34" charset="0"/>
+              </a:rPr>
+              <a:t> MITM attacks</a:t>
+            </a:r>
+            <a:endParaRPr lang="en-GB" dirty="0">
+              <a:latin typeface="Aptos" panose="020B0004020202020204" pitchFamily="34" charset="0"/>
+              <a:cs typeface="Arial" panose="020B0604020202020204" pitchFamily="34" charset="0"/>
+            </a:endParaRPr>
+          </a:p>
+          <a:p>
+            <a:endParaRPr lang="nl-BE" dirty="0"/>
+          </a:p>
+        </p:txBody>
+      </p:sp>
+      <p:pic>
+        <p:nvPicPr>
+          <p:cNvPr id="6" name="Tijdelijke aanduiding voor inhoud 4" descr="Afbeelding met schermopname, Graphics, diagram, ontwerp&#10;&#10;Automatisch gegenereerde beschrijving">
+            <a:extLst>
+              <a:ext uri="{FF2B5EF4-FFF2-40B4-BE49-F238E27FC236}">
+                <a16:creationId xmlns:a16="http://schemas.microsoft.com/office/drawing/2014/main" id="{F9EF57CB-6D53-9B0C-6DF4-EB939B504CAA}"/>
+              </a:ext>
+            </a:extLst>
+          </p:cNvPr>
+          <p:cNvPicPr>
+            <a:picLocks noGrp="1" noChangeAspect="1"/>
+          </p:cNvPicPr>
+          <p:nvPr>
+            <p:ph idx="1"/>
+          </p:nvPr>
+        </p:nvPicPr>
+        <p:blipFill>
+          <a:blip r:embed="rId4">
+            <a:extLst>
+              <a:ext uri="{28A0092B-C50C-407E-A947-70E740481C1C}">
+                <a14:useLocalDpi xmlns:a14="http://schemas.microsoft.com/office/drawing/2010/main" val="0"/>
+              </a:ext>
+            </a:extLst>
+          </a:blip>
+          <a:stretch>
+            <a:fillRect/>
+          </a:stretch>
+        </p:blipFill>
+        <p:spPr>
+          <a:xfrm>
+            <a:off x="527474" y="2416493"/>
+            <a:ext cx="6624432" cy="3726243"/>
+          </a:xfrm>
+        </p:spPr>
+      </p:pic>
+    </p:spTree>
+    <p:extLst>
+      <p:ext uri="{BB962C8B-B14F-4D97-AF65-F5344CB8AC3E}">
+        <p14:creationId xmlns:p14="http://schemas.microsoft.com/office/powerpoint/2010/main" val="968872684"/>
       </p:ext>
     </p:extLst>
   </p:cSld>
@@ -9851,7 +11371,13 @@
     </p:bg>
     <p:spTree>
       <p:nvGrpSpPr>
-        <p:cNvPr id="1" name=""/>
+        <p:cNvPr id="1" name="">
+          <a:extLst>
+            <a:ext uri="{FF2B5EF4-FFF2-40B4-BE49-F238E27FC236}">
+              <a16:creationId xmlns:a16="http://schemas.microsoft.com/office/drawing/2014/main" id="{F5B4EC47-51A0-7CAB-C556-A77269AEACE6}"/>
+            </a:ext>
+          </a:extLst>
+        </p:cNvPr>
         <p:cNvGrpSpPr/>
         <p:nvPr/>
       </p:nvGrpSpPr>
@@ -9865,10 +11391,10 @@
       </p:grpSpPr>
       <p:sp useBgFill="1">
         <p:nvSpPr>
-          <p:cNvPr id="8" name="Rectangle 7">
+          <p:cNvPr id="15" name="Rectangle 14">
             <a:extLst>
               <a:ext uri="{FF2B5EF4-FFF2-40B4-BE49-F238E27FC236}">
-                <a16:creationId xmlns:a16="http://schemas.microsoft.com/office/drawing/2014/main" id="{100EDD19-6802-4EC3-95CE-CFFAB042CFD6}"/>
+                <a16:creationId xmlns:a16="http://schemas.microsoft.com/office/drawing/2014/main" id="{4E8C5B75-63D8-93EA-AFB2-BEA023B651EF}"/>
               </a:ext>
               <a:ext uri="{C183D7F6-B498-43B3-948B-1728B52AA6E4}">
                 <adec:decorative xmlns:adec="http://schemas.microsoft.com/office/drawing/2017/decorative" val="1"/>
@@ -9928,7 +11454,7 @@
           <p:cNvPr id="2" name="Titel 1">
             <a:extLst>
               <a:ext uri="{FF2B5EF4-FFF2-40B4-BE49-F238E27FC236}">
-                <a16:creationId xmlns:a16="http://schemas.microsoft.com/office/drawing/2014/main" id="{1A840B7C-79CA-377B-2358-A5F69AF9ABBB}"/>
+                <a16:creationId xmlns:a16="http://schemas.microsoft.com/office/drawing/2014/main" id="{3315986A-EC6A-F2C8-9FB1-77866187C666}"/>
               </a:ext>
             </a:extLst>
           </p:cNvPr>
@@ -9941,7 +11467,7 @@
         </p:nvSpPr>
         <p:spPr>
           <a:xfrm>
-            <a:off x="838200" y="365125"/>
+            <a:off x="828040" y="365125"/>
             <a:ext cx="10515600" cy="1325563"/>
           </a:xfrm>
         </p:spPr>
@@ -9952,19 +11478,19 @@
           <a:lstStyle/>
           <a:p>
             <a:r>
-              <a:rPr lang="en-GB" sz="5400"/>
-              <a:t>Software Architercture</a:t>
-            </a:r>
-            <a:endParaRPr lang="nl-BE" sz="5400"/>
+              <a:rPr lang="en-GB" sz="5400" dirty="0"/>
+              <a:t>Software Architecture RTOS</a:t>
+            </a:r>
+            <a:endParaRPr lang="nl-BE" sz="5400" dirty="0"/>
           </a:p>
         </p:txBody>
       </p:sp>
       <p:sp>
         <p:nvSpPr>
-          <p:cNvPr id="10" name="sketch line">
+          <p:cNvPr id="17" name="sketch line">
             <a:extLst>
               <a:ext uri="{FF2B5EF4-FFF2-40B4-BE49-F238E27FC236}">
-                <a16:creationId xmlns:a16="http://schemas.microsoft.com/office/drawing/2014/main" id="{DB17E863-922E-4C26-BD64-E8FD41D28661}"/>
+                <a16:creationId xmlns:a16="http://schemas.microsoft.com/office/drawing/2014/main" id="{76B5AF04-DA00-EBAD-48CB-E5E1A4092EBB}"/>
               </a:ext>
               <a:ext uri="{C183D7F6-B498-43B3-948B-1728B52AA6E4}">
                 <adec:decorative xmlns:adec="http://schemas.microsoft.com/office/drawing/2017/decorative" val="1"/>
@@ -10599,40 +12125,176 @@
       </p:sp>
       <p:sp>
         <p:nvSpPr>
-          <p:cNvPr id="3" name="Tijdelijke aanduiding voor inhoud 2">
+          <p:cNvPr id="5" name="Tekstvak 4">
             <a:extLst>
               <a:ext uri="{FF2B5EF4-FFF2-40B4-BE49-F238E27FC236}">
-                <a16:creationId xmlns:a16="http://schemas.microsoft.com/office/drawing/2014/main" id="{92357CCF-8EA8-D0D9-8DF5-85CEAB5AA461}"/>
+                <a16:creationId xmlns:a16="http://schemas.microsoft.com/office/drawing/2014/main" id="{D9EEC9C9-67CA-431F-A984-9415F0E0989E}"/>
               </a:ext>
             </a:extLst>
           </p:cNvPr>
-          <p:cNvSpPr>
-            <a:spLocks noGrp="1"/>
-          </p:cNvSpPr>
-          <p:nvPr>
-            <p:ph idx="1"/>
-          </p:nvPr>
+          <p:cNvSpPr txBox="1"/>
+          <p:nvPr/>
         </p:nvSpPr>
         <p:spPr>
           <a:xfrm>
-            <a:off x="838200" y="1929384"/>
-            <a:ext cx="10515600" cy="4251960"/>
+            <a:off x="7109355" y="2926080"/>
+            <a:ext cx="5224885" cy="1754326"/>
           </a:xfrm>
+          <a:prstGeom prst="rect">
+            <a:avLst/>
+          </a:prstGeom>
+          <a:noFill/>
         </p:spPr>
         <p:txBody>
-          <a:bodyPr>
-            <a:normAutofit/>
+          <a:bodyPr wrap="square" rtlCol="0">
+            <a:spAutoFit/>
           </a:bodyPr>
           <a:lstStyle/>
           <a:p>
-            <a:endParaRPr lang="nl-BE" sz="2200"/>
+            <a:pPr marL="285750" indent="-285750">
+              <a:buFont typeface="Arial" panose="020B0604020202020204" pitchFamily="34" charset="0"/>
+              <a:buChar char="•"/>
+            </a:pPr>
+            <a:r>
+              <a:rPr lang="nl-BE" dirty="0"/>
+              <a:t>Controller </a:t>
+            </a:r>
+            <a:r>
+              <a:rPr lang="nl-BE" dirty="0" err="1"/>
+              <a:t>subsystem</a:t>
+            </a:r>
+            <a:endParaRPr lang="nl-BE" dirty="0"/>
+          </a:p>
+          <a:p>
+            <a:pPr marL="285750" indent="-285750">
+              <a:buFont typeface="Arial" panose="020B0604020202020204" pitchFamily="34" charset="0"/>
+              <a:buChar char="•"/>
+            </a:pPr>
+            <a:r>
+              <a:rPr lang="nl-BE" dirty="0"/>
+              <a:t>Read joystick x, y data</a:t>
+            </a:r>
+          </a:p>
+          <a:p>
+            <a:pPr marL="285750" indent="-285750">
+              <a:buFont typeface="Arial" panose="020B0604020202020204" pitchFamily="34" charset="0"/>
+              <a:buChar char="•"/>
+            </a:pPr>
+            <a:r>
+              <a:rPr lang="nl-BE" dirty="0"/>
+              <a:t>BLE </a:t>
+            </a:r>
+            <a:r>
+              <a:rPr lang="nl-BE" dirty="0" err="1"/>
+              <a:t>communication</a:t>
+            </a:r>
+            <a:r>
+              <a:rPr lang="nl-BE" dirty="0"/>
+              <a:t> </a:t>
+            </a:r>
+            <a:r>
+              <a:rPr lang="nl-BE" dirty="0" err="1"/>
+              <a:t>for</a:t>
+            </a:r>
+            <a:r>
+              <a:rPr lang="nl-BE" dirty="0"/>
+              <a:t> joystick data </a:t>
+            </a:r>
+            <a:r>
+              <a:rPr lang="nl-BE" dirty="0" err="1"/>
+              <a:t>to</a:t>
+            </a:r>
+            <a:r>
+              <a:rPr lang="nl-BE" dirty="0"/>
+              <a:t> </a:t>
+            </a:r>
+            <a:r>
+              <a:rPr lang="nl-BE" dirty="0" err="1"/>
+              <a:t>car</a:t>
+            </a:r>
+            <a:r>
+              <a:rPr lang="nl-BE" dirty="0"/>
+              <a:t> </a:t>
+            </a:r>
+            <a:r>
+              <a:rPr lang="nl-BE" dirty="0" err="1"/>
+              <a:t>subsystem</a:t>
+            </a:r>
+            <a:endParaRPr lang="nl-BE" dirty="0"/>
+          </a:p>
+          <a:p>
+            <a:pPr marL="285750" indent="-285750">
+              <a:buFont typeface="Arial" panose="020B0604020202020204" pitchFamily="34" charset="0"/>
+              <a:buChar char="•"/>
+            </a:pPr>
+            <a:r>
+              <a:rPr lang="nl-BE" dirty="0" err="1"/>
+              <a:t>Seven</a:t>
+            </a:r>
+            <a:r>
+              <a:rPr lang="nl-BE" dirty="0"/>
+              <a:t> </a:t>
+            </a:r>
+            <a:r>
+              <a:rPr lang="nl-BE" dirty="0" err="1"/>
+              <a:t>segments</a:t>
+            </a:r>
+            <a:r>
+              <a:rPr lang="nl-BE" dirty="0"/>
+              <a:t> driver </a:t>
+            </a:r>
+            <a:r>
+              <a:rPr lang="nl-BE" dirty="0" err="1"/>
+              <a:t>to</a:t>
+            </a:r>
+            <a:r>
+              <a:rPr lang="nl-BE" dirty="0"/>
+              <a:t> showcase speed</a:t>
+            </a:r>
+          </a:p>
+          <a:p>
+            <a:pPr marL="285750" indent="-285750">
+              <a:buFont typeface="Arial" panose="020B0604020202020204" pitchFamily="34" charset="0"/>
+              <a:buChar char="•"/>
+            </a:pPr>
+            <a:endParaRPr lang="nl-BE" dirty="0"/>
           </a:p>
         </p:txBody>
       </p:sp>
+      <p:pic>
+        <p:nvPicPr>
+          <p:cNvPr id="9" name="Afbeelding 8">
+            <a:extLst>
+              <a:ext uri="{FF2B5EF4-FFF2-40B4-BE49-F238E27FC236}">
+                <a16:creationId xmlns:a16="http://schemas.microsoft.com/office/drawing/2014/main" id="{DC49A60D-557B-DA5B-9D7D-919077054524}"/>
+              </a:ext>
+            </a:extLst>
+          </p:cNvPr>
+          <p:cNvPicPr>
+            <a:picLocks noChangeAspect="1"/>
+          </p:cNvPicPr>
+          <p:nvPr/>
+        </p:nvPicPr>
+        <p:blipFill>
+          <a:blip r:embed="rId3"/>
+          <a:stretch>
+            <a:fillRect/>
+          </a:stretch>
+        </p:blipFill>
+        <p:spPr>
+          <a:xfrm>
+            <a:off x="669036" y="2373175"/>
+            <a:ext cx="6440319" cy="3506468"/>
+          </a:xfrm>
+          <a:prstGeom prst="rect">
+            <a:avLst/>
+          </a:prstGeom>
+        </p:spPr>
+      </p:pic>
     </p:spTree>
     <p:extLst>
       <p:ext uri="{BB962C8B-B14F-4D97-AF65-F5344CB8AC3E}">
-        <p14:creationId xmlns:p14="http://schemas.microsoft.com/office/powerpoint/2010/main" val="2696277264"/>
+        <p14:creationId xmlns:p14="http://schemas.microsoft.com/office/powerpoint/2010/main" val="3525828609"/>
       </p:ext>
     </p:extLst>
   </p:cSld>

--- a/Documentation/RC_CAR.pptx
+++ b/Documentation/RC_CAR.pptx
@@ -643,7 +643,7 @@
           <a:p>
             <a:fld id="{E9EF8655-73E4-44B9-B8C0-E21199306151}" type="datetimeFigureOut">
               <a:rPr lang="nl-BE" smtClean="0"/>
-              <a:t>2/12/2024</a:t>
+              <a:t>10/12/2024</a:t>
             </a:fld>
             <a:endParaRPr lang="nl-BE"/>
           </a:p>
@@ -1444,7 +1444,7 @@
           <a:p>
             <a:fld id="{7923C555-3AB5-4532-9E20-23C21D0CB45B}" type="datetimeFigureOut">
               <a:rPr lang="nl-BE" smtClean="0"/>
-              <a:t>2/12/2024</a:t>
+              <a:t>10/12/2024</a:t>
             </a:fld>
             <a:endParaRPr lang="nl-BE"/>
           </a:p>
@@ -1644,7 +1644,7 @@
           <a:p>
             <a:fld id="{7923C555-3AB5-4532-9E20-23C21D0CB45B}" type="datetimeFigureOut">
               <a:rPr lang="nl-BE" smtClean="0"/>
-              <a:t>2/12/2024</a:t>
+              <a:t>10/12/2024</a:t>
             </a:fld>
             <a:endParaRPr lang="nl-BE"/>
           </a:p>
@@ -1854,7 +1854,7 @@
           <a:p>
             <a:fld id="{7923C555-3AB5-4532-9E20-23C21D0CB45B}" type="datetimeFigureOut">
               <a:rPr lang="nl-BE" smtClean="0"/>
-              <a:t>2/12/2024</a:t>
+              <a:t>10/12/2024</a:t>
             </a:fld>
             <a:endParaRPr lang="nl-BE"/>
           </a:p>
@@ -2054,7 +2054,7 @@
           <a:p>
             <a:fld id="{7923C555-3AB5-4532-9E20-23C21D0CB45B}" type="datetimeFigureOut">
               <a:rPr lang="nl-BE" smtClean="0"/>
-              <a:t>2/12/2024</a:t>
+              <a:t>10/12/2024</a:t>
             </a:fld>
             <a:endParaRPr lang="nl-BE"/>
           </a:p>
@@ -2330,7 +2330,7 @@
           <a:p>
             <a:fld id="{7923C555-3AB5-4532-9E20-23C21D0CB45B}" type="datetimeFigureOut">
               <a:rPr lang="nl-BE" smtClean="0"/>
-              <a:t>2/12/2024</a:t>
+              <a:t>10/12/2024</a:t>
             </a:fld>
             <a:endParaRPr lang="nl-BE"/>
           </a:p>
@@ -2598,7 +2598,7 @@
           <a:p>
             <a:fld id="{7923C555-3AB5-4532-9E20-23C21D0CB45B}" type="datetimeFigureOut">
               <a:rPr lang="nl-BE" smtClean="0"/>
-              <a:t>2/12/2024</a:t>
+              <a:t>10/12/2024</a:t>
             </a:fld>
             <a:endParaRPr lang="nl-BE"/>
           </a:p>
@@ -3013,7 +3013,7 @@
           <a:p>
             <a:fld id="{7923C555-3AB5-4532-9E20-23C21D0CB45B}" type="datetimeFigureOut">
               <a:rPr lang="nl-BE" smtClean="0"/>
-              <a:t>2/12/2024</a:t>
+              <a:t>10/12/2024</a:t>
             </a:fld>
             <a:endParaRPr lang="nl-BE"/>
           </a:p>
@@ -3155,7 +3155,7 @@
           <a:p>
             <a:fld id="{7923C555-3AB5-4532-9E20-23C21D0CB45B}" type="datetimeFigureOut">
               <a:rPr lang="nl-BE" smtClean="0"/>
-              <a:t>2/12/2024</a:t>
+              <a:t>10/12/2024</a:t>
             </a:fld>
             <a:endParaRPr lang="nl-BE"/>
           </a:p>
@@ -3268,7 +3268,7 @@
           <a:p>
             <a:fld id="{7923C555-3AB5-4532-9E20-23C21D0CB45B}" type="datetimeFigureOut">
               <a:rPr lang="nl-BE" smtClean="0"/>
-              <a:t>2/12/2024</a:t>
+              <a:t>10/12/2024</a:t>
             </a:fld>
             <a:endParaRPr lang="nl-BE"/>
           </a:p>
@@ -3581,7 +3581,7 @@
           <a:p>
             <a:fld id="{7923C555-3AB5-4532-9E20-23C21D0CB45B}" type="datetimeFigureOut">
               <a:rPr lang="nl-BE" smtClean="0"/>
-              <a:t>2/12/2024</a:t>
+              <a:t>10/12/2024</a:t>
             </a:fld>
             <a:endParaRPr lang="nl-BE"/>
           </a:p>
@@ -3870,7 +3870,7 @@
           <a:p>
             <a:fld id="{7923C555-3AB5-4532-9E20-23C21D0CB45B}" type="datetimeFigureOut">
               <a:rPr lang="nl-BE" smtClean="0"/>
-              <a:t>2/12/2024</a:t>
+              <a:t>10/12/2024</a:t>
             </a:fld>
             <a:endParaRPr lang="nl-BE"/>
           </a:p>
@@ -4113,7 +4113,7 @@
           <a:p>
             <a:fld id="{7923C555-3AB5-4532-9E20-23C21D0CB45B}" type="datetimeFigureOut">
               <a:rPr lang="nl-BE" smtClean="0"/>
-              <a:t>2/12/2024</a:t>
+              <a:t>10/12/2024</a:t>
             </a:fld>
             <a:endParaRPr lang="nl-BE"/>
           </a:p>
@@ -6226,10 +6226,10 @@
       </p:grpSpPr>
       <p:sp useBgFill="1">
         <p:nvSpPr>
-          <p:cNvPr id="18" name="Rectangle 10">
+          <p:cNvPr id="24" name="Rectangle 23">
             <a:extLst>
               <a:ext uri="{FF2B5EF4-FFF2-40B4-BE49-F238E27FC236}">
-                <a16:creationId xmlns:a16="http://schemas.microsoft.com/office/drawing/2014/main" id="{2B97F24A-32CE-4C1C-A50D-3016B394DCFB}"/>
+                <a16:creationId xmlns:a16="http://schemas.microsoft.com/office/drawing/2014/main" id="{743AA782-23D1-4521-8CAD-47662984AA08}"/>
               </a:ext>
               <a:ext uri="{C183D7F6-B498-43B3-948B-1728B52AA6E4}">
                 <adec:decorative xmlns:adec="http://schemas.microsoft.com/office/drawing/2017/decorative" val="1"/>
@@ -6302,8 +6302,8 @@
         </p:nvSpPr>
         <p:spPr>
           <a:xfrm>
-            <a:off x="630936" y="639520"/>
-            <a:ext cx="3429000" cy="1719072"/>
+            <a:off x="630936" y="640080"/>
+            <a:ext cx="4818888" cy="1481328"/>
           </a:xfrm>
         </p:spPr>
         <p:txBody>
@@ -6328,10 +6328,10 @@
       </p:sp>
       <p:sp>
         <p:nvSpPr>
-          <p:cNvPr id="19" name="sketch line">
+          <p:cNvPr id="26" name="sketch line">
             <a:extLst>
               <a:ext uri="{FF2B5EF4-FFF2-40B4-BE49-F238E27FC236}">
-                <a16:creationId xmlns:a16="http://schemas.microsoft.com/office/drawing/2014/main" id="{CD8B4F24-440B-49E9-B85D-733523DC064B}"/>
+                <a16:creationId xmlns:a16="http://schemas.microsoft.com/office/drawing/2014/main" id="{650D18FE-0824-4A46-B22C-A86B52E5780A}"/>
               </a:ext>
               <a:ext uri="{C183D7F6-B498-43B3-948B-1728B52AA6E4}">
                 <adec:decorative xmlns:adec="http://schemas.microsoft.com/office/drawing/2017/decorative" val="1"/>
@@ -6351,7 +6351,7 @@
         </p:nvSpPr>
         <p:spPr>
           <a:xfrm>
-            <a:off x="643278" y="2573756"/>
+            <a:off x="643278" y="2372868"/>
             <a:ext cx="3255095" cy="18288"/>
           </a:xfrm>
           <a:custGeom>
@@ -6613,8 +6613,8 @@
         </p:nvSpPr>
         <p:spPr>
           <a:xfrm>
-            <a:off x="630936" y="2807208"/>
-            <a:ext cx="3429000" cy="3410712"/>
+            <a:off x="630936" y="2660904"/>
+            <a:ext cx="4818888" cy="3547872"/>
           </a:xfrm>
           <a:prstGeom prst="rect">
             <a:avLst/>
@@ -6677,10 +6677,10 @@
       </p:sp>
       <p:pic>
         <p:nvPicPr>
-          <p:cNvPr id="5" name="Afbeelding 4">
+          <p:cNvPr id="4" name="Afbeelding 3">
             <a:extLst>
               <a:ext uri="{FF2B5EF4-FFF2-40B4-BE49-F238E27FC236}">
-                <a16:creationId xmlns:a16="http://schemas.microsoft.com/office/drawing/2014/main" id="{BBA4F7C3-A248-67D1-7F8C-2A35CF94AFEF}"/>
+                <a16:creationId xmlns:a16="http://schemas.microsoft.com/office/drawing/2014/main" id="{2038D9ED-AC4E-B598-03BC-09EE4394EAD7}"/>
               </a:ext>
             </a:extLst>
           </p:cNvPr>
@@ -6697,8 +6697,8 @@
         </p:blipFill>
         <p:spPr>
           <a:xfrm>
-            <a:off x="4654296" y="1047217"/>
-            <a:ext cx="6903720" cy="4763566"/>
+            <a:off x="4948051" y="1008354"/>
+            <a:ext cx="7016365" cy="4841291"/>
           </a:xfrm>
           <a:prstGeom prst="rect">
             <a:avLst/>
@@ -7795,7 +7795,7 @@
         <p:spPr>
           <a:xfrm>
             <a:off x="6624320" y="5728601"/>
-            <a:ext cx="4861331" cy="369332"/>
+            <a:ext cx="5154725" cy="646331"/>
           </a:xfrm>
           <a:prstGeom prst="rect">
             <a:avLst/>
@@ -7803,19 +7803,55 @@
           <a:noFill/>
         </p:spPr>
         <p:txBody>
-          <a:bodyPr wrap="none" rtlCol="0">
+          <a:bodyPr wrap="square" rtlCol="0">
             <a:spAutoFit/>
           </a:bodyPr>
           <a:lstStyle/>
           <a:p>
             <a:r>
               <a:rPr lang="en-GB" dirty="0"/>
-              <a:t>Full car setup along with black 3D printed frame</a:t>
+              <a:t>Full car setup along with black 3D printed frame and battery</a:t>
             </a:r>
             <a:endParaRPr lang="nl-BE" dirty="0"/>
           </a:p>
         </p:txBody>
       </p:sp>
+      <p:pic>
+        <p:nvPicPr>
+          <p:cNvPr id="7" name="Afbeelding 6" descr="Afbeelding met Elektronisch onderdeel, Elektronische engineering, Stroomkringonderdeel, Elektrische bedrading&#10;&#10;Automatisch gegenereerde beschrijving">
+            <a:extLst>
+              <a:ext uri="{FF2B5EF4-FFF2-40B4-BE49-F238E27FC236}">
+                <a16:creationId xmlns:a16="http://schemas.microsoft.com/office/drawing/2014/main" id="{8EFE274C-7322-781A-E97C-A2945BB4B07F}"/>
+              </a:ext>
+            </a:extLst>
+          </p:cNvPr>
+          <p:cNvPicPr>
+            <a:picLocks noChangeAspect="1"/>
+          </p:cNvPicPr>
+          <p:nvPr/>
+        </p:nvPicPr>
+        <p:blipFill>
+          <a:blip r:embed="rId3">
+            <a:extLst>
+              <a:ext uri="{28A0092B-C50C-407E-A947-70E740481C1C}">
+                <a14:useLocalDpi xmlns:a14="http://schemas.microsoft.com/office/drawing/2010/main" val="0"/>
+              </a:ext>
+            </a:extLst>
+          </a:blip>
+          <a:stretch>
+            <a:fillRect/>
+          </a:stretch>
+        </p:blipFill>
+        <p:spPr>
+          <a:xfrm>
+            <a:off x="6624319" y="1776298"/>
+            <a:ext cx="4861331" cy="3645998"/>
+          </a:xfrm>
+          <a:prstGeom prst="rect">
+            <a:avLst/>
+          </a:prstGeom>
+        </p:spPr>
+      </p:pic>
     </p:spTree>
     <p:extLst>
       <p:ext uri="{BB962C8B-B14F-4D97-AF65-F5344CB8AC3E}">
@@ -12228,20 +12264,8 @@
               <a:buChar char="•"/>
             </a:pPr>
             <a:r>
-              <a:rPr lang="nl-BE" dirty="0" err="1"/>
-              <a:t>Seven</a:t>
-            </a:r>
-            <a:r>
               <a:rPr lang="nl-BE" dirty="0"/>
-              <a:t> </a:t>
-            </a:r>
-            <a:r>
-              <a:rPr lang="nl-BE" dirty="0" err="1"/>
-              <a:t>segments</a:t>
-            </a:r>
-            <a:r>
-              <a:rPr lang="nl-BE" dirty="0"/>
-              <a:t> driver </a:t>
+              <a:t>MAX7219 array driver </a:t>
             </a:r>
             <a:r>
               <a:rPr lang="nl-BE" dirty="0" err="1"/>

--- a/Documentation/RC_CAR.pptx
+++ b/Documentation/RC_CAR.pptx
@@ -7477,36 +7477,6 @@
           </a:p>
         </p:txBody>
       </p:sp>
-      <p:pic>
-        <p:nvPicPr>
-          <p:cNvPr id="4" name="Afbeelding 3" descr="Afbeelding met tekst, diagram, Plan, schermopname&#10;&#10;Automatisch gegenereerde beschrijving">
-            <a:extLst>
-              <a:ext uri="{FF2B5EF4-FFF2-40B4-BE49-F238E27FC236}">
-                <a16:creationId xmlns:a16="http://schemas.microsoft.com/office/drawing/2014/main" id="{01538E62-B75B-C5C4-15AE-227C6DA15D67}"/>
-              </a:ext>
-            </a:extLst>
-          </p:cNvPr>
-          <p:cNvPicPr>
-            <a:picLocks noChangeAspect="1"/>
-          </p:cNvPicPr>
-          <p:nvPr/>
-        </p:nvPicPr>
-        <p:blipFill>
-          <a:blip r:embed="rId2"/>
-          <a:stretch>
-            <a:fillRect/>
-          </a:stretch>
-        </p:blipFill>
-        <p:spPr>
-          <a:xfrm>
-            <a:off x="501445" y="2055813"/>
-            <a:ext cx="6188177" cy="4296880"/>
-          </a:xfrm>
-          <a:prstGeom prst="rect">
-            <a:avLst/>
-          </a:prstGeom>
-        </p:spPr>
-      </p:pic>
       <p:sp>
         <p:nvSpPr>
           <p:cNvPr id="5" name="Tekstvak 4">
@@ -7631,6 +7601,36 @@
           </a:p>
         </p:txBody>
       </p:sp>
+      <p:pic>
+        <p:nvPicPr>
+          <p:cNvPr id="6" name="Afbeelding 5">
+            <a:extLst>
+              <a:ext uri="{FF2B5EF4-FFF2-40B4-BE49-F238E27FC236}">
+                <a16:creationId xmlns:a16="http://schemas.microsoft.com/office/drawing/2014/main" id="{E60886F7-CC3E-96BE-A91D-F832136763A0}"/>
+              </a:ext>
+            </a:extLst>
+          </p:cNvPr>
+          <p:cNvPicPr>
+            <a:picLocks noChangeAspect="1"/>
+          </p:cNvPicPr>
+          <p:nvPr/>
+        </p:nvPicPr>
+        <p:blipFill>
+          <a:blip r:embed="rId2"/>
+          <a:stretch>
+            <a:fillRect/>
+          </a:stretch>
+        </p:blipFill>
+        <p:spPr>
+          <a:xfrm>
+            <a:off x="669036" y="2079582"/>
+            <a:ext cx="6040702" cy="4001320"/>
+          </a:xfrm>
+          <a:prstGeom prst="rect">
+            <a:avLst/>
+          </a:prstGeom>
+        </p:spPr>
+      </p:pic>
     </p:spTree>
     <p:extLst>
       <p:ext uri="{BB962C8B-B14F-4D97-AF65-F5344CB8AC3E}">
@@ -10449,35 +10449,103 @@
           </a:p>
         </p:txBody>
       </p:sp>
+      <p:pic>
+        <p:nvPicPr>
+          <p:cNvPr id="5" name="Afbeelding 4">
+            <a:extLst>
+              <a:ext uri="{FF2B5EF4-FFF2-40B4-BE49-F238E27FC236}">
+                <a16:creationId xmlns:a16="http://schemas.microsoft.com/office/drawing/2014/main" id="{BDDB2EB2-3A7D-21E4-EF6F-97757A1D77C3}"/>
+              </a:ext>
+            </a:extLst>
+          </p:cNvPr>
+          <p:cNvPicPr>
+            <a:picLocks noChangeAspect="1"/>
+          </p:cNvPicPr>
+          <p:nvPr/>
+        </p:nvPicPr>
+        <p:blipFill>
+          <a:blip r:embed="rId2"/>
+          <a:stretch>
+            <a:fillRect/>
+          </a:stretch>
+        </p:blipFill>
+        <p:spPr>
+          <a:xfrm>
+            <a:off x="3058160" y="2055813"/>
+            <a:ext cx="8148320" cy="4581572"/>
+          </a:xfrm>
+          <a:prstGeom prst="rect">
+            <a:avLst/>
+          </a:prstGeom>
+        </p:spPr>
+      </p:pic>
       <p:sp>
         <p:nvSpPr>
-          <p:cNvPr id="3" name="Tijdelijke aanduiding voor inhoud 2">
+          <p:cNvPr id="6" name="Tekstvak 5">
             <a:extLst>
               <a:ext uri="{FF2B5EF4-FFF2-40B4-BE49-F238E27FC236}">
-                <a16:creationId xmlns:a16="http://schemas.microsoft.com/office/drawing/2014/main" id="{DF3CD094-861A-478F-BA85-E0817FC7CB9F}"/>
+                <a16:creationId xmlns:a16="http://schemas.microsoft.com/office/drawing/2014/main" id="{8F0F7A7F-4080-F52B-BF43-2CB783A8F507}"/>
               </a:ext>
             </a:extLst>
           </p:cNvPr>
-          <p:cNvSpPr>
-            <a:spLocks noGrp="1"/>
-          </p:cNvSpPr>
-          <p:nvPr>
-            <p:ph idx="1"/>
-          </p:nvPr>
+          <p:cNvSpPr txBox="1"/>
+          <p:nvPr/>
         </p:nvSpPr>
         <p:spPr>
           <a:xfrm>
-            <a:off x="838200" y="1929384"/>
-            <a:ext cx="10515600" cy="4251960"/>
+            <a:off x="304800" y="2641600"/>
+            <a:ext cx="3362960" cy="1200329"/>
           </a:xfrm>
+          <a:prstGeom prst="rect">
+            <a:avLst/>
+          </a:prstGeom>
+          <a:noFill/>
         </p:spPr>
         <p:txBody>
-          <a:bodyPr>
-            <a:normAutofit/>
+          <a:bodyPr wrap="square" rtlCol="0">
+            <a:spAutoFit/>
           </a:bodyPr>
           <a:lstStyle/>
           <a:p>
-            <a:endParaRPr lang="nl-BE" sz="2200"/>
+            <a:pPr marL="285750" indent="-285750">
+              <a:buFont typeface="Arial" panose="020B0604020202020204" pitchFamily="34" charset="0"/>
+              <a:buChar char="•"/>
+            </a:pPr>
+            <a:r>
+              <a:rPr lang="en-GB" dirty="0"/>
+              <a:t>MPU6050 data</a:t>
+            </a:r>
+          </a:p>
+          <a:p>
+            <a:pPr marL="285750" indent="-285750">
+              <a:buFont typeface="Arial" panose="020B0604020202020204" pitchFamily="34" charset="0"/>
+              <a:buChar char="•"/>
+            </a:pPr>
+            <a:r>
+              <a:rPr lang="en-GB" dirty="0"/>
+              <a:t>Car orientation</a:t>
+            </a:r>
+          </a:p>
+          <a:p>
+            <a:pPr marL="285750" indent="-285750">
+              <a:buFont typeface="Arial" panose="020B0604020202020204" pitchFamily="34" charset="0"/>
+              <a:buChar char="•"/>
+            </a:pPr>
+            <a:r>
+              <a:rPr lang="en-GB" dirty="0"/>
+              <a:t>Reset orientation</a:t>
+            </a:r>
+          </a:p>
+          <a:p>
+            <a:pPr marL="285750" indent="-285750">
+              <a:buFont typeface="Arial" panose="020B0604020202020204" pitchFamily="34" charset="0"/>
+              <a:buChar char="•"/>
+            </a:pPr>
+            <a:r>
+              <a:rPr lang="en-GB" dirty="0"/>
+              <a:t>Motor control</a:t>
+            </a:r>
+            <a:endParaRPr lang="nl-BE" dirty="0"/>
           </a:p>
         </p:txBody>
       </p:sp>

--- a/Documentation/RC_CAR.pptx
+++ b/Documentation/RC_CAR.pptx
@@ -643,7 +643,7 @@
           <a:p>
             <a:fld id="{E9EF8655-73E4-44B9-B8C0-E21199306151}" type="datetimeFigureOut">
               <a:rPr lang="nl-BE" smtClean="0"/>
-              <a:t>10/12/2024</a:t>
+              <a:t>11/12/2024</a:t>
             </a:fld>
             <a:endParaRPr lang="nl-BE"/>
           </a:p>
@@ -1444,7 +1444,7 @@
           <a:p>
             <a:fld id="{7923C555-3AB5-4532-9E20-23C21D0CB45B}" type="datetimeFigureOut">
               <a:rPr lang="nl-BE" smtClean="0"/>
-              <a:t>10/12/2024</a:t>
+              <a:t>11/12/2024</a:t>
             </a:fld>
             <a:endParaRPr lang="nl-BE"/>
           </a:p>
@@ -1644,7 +1644,7 @@
           <a:p>
             <a:fld id="{7923C555-3AB5-4532-9E20-23C21D0CB45B}" type="datetimeFigureOut">
               <a:rPr lang="nl-BE" smtClean="0"/>
-              <a:t>10/12/2024</a:t>
+              <a:t>11/12/2024</a:t>
             </a:fld>
             <a:endParaRPr lang="nl-BE"/>
           </a:p>
@@ -1854,7 +1854,7 @@
           <a:p>
             <a:fld id="{7923C555-3AB5-4532-9E20-23C21D0CB45B}" type="datetimeFigureOut">
               <a:rPr lang="nl-BE" smtClean="0"/>
-              <a:t>10/12/2024</a:t>
+              <a:t>11/12/2024</a:t>
             </a:fld>
             <a:endParaRPr lang="nl-BE"/>
           </a:p>
@@ -2054,7 +2054,7 @@
           <a:p>
             <a:fld id="{7923C555-3AB5-4532-9E20-23C21D0CB45B}" type="datetimeFigureOut">
               <a:rPr lang="nl-BE" smtClean="0"/>
-              <a:t>10/12/2024</a:t>
+              <a:t>11/12/2024</a:t>
             </a:fld>
             <a:endParaRPr lang="nl-BE"/>
           </a:p>
@@ -2330,7 +2330,7 @@
           <a:p>
             <a:fld id="{7923C555-3AB5-4532-9E20-23C21D0CB45B}" type="datetimeFigureOut">
               <a:rPr lang="nl-BE" smtClean="0"/>
-              <a:t>10/12/2024</a:t>
+              <a:t>11/12/2024</a:t>
             </a:fld>
             <a:endParaRPr lang="nl-BE"/>
           </a:p>
@@ -2598,7 +2598,7 @@
           <a:p>
             <a:fld id="{7923C555-3AB5-4532-9E20-23C21D0CB45B}" type="datetimeFigureOut">
               <a:rPr lang="nl-BE" smtClean="0"/>
-              <a:t>10/12/2024</a:t>
+              <a:t>11/12/2024</a:t>
             </a:fld>
             <a:endParaRPr lang="nl-BE"/>
           </a:p>
@@ -3013,7 +3013,7 @@
           <a:p>
             <a:fld id="{7923C555-3AB5-4532-9E20-23C21D0CB45B}" type="datetimeFigureOut">
               <a:rPr lang="nl-BE" smtClean="0"/>
-              <a:t>10/12/2024</a:t>
+              <a:t>11/12/2024</a:t>
             </a:fld>
             <a:endParaRPr lang="nl-BE"/>
           </a:p>
@@ -3155,7 +3155,7 @@
           <a:p>
             <a:fld id="{7923C555-3AB5-4532-9E20-23C21D0CB45B}" type="datetimeFigureOut">
               <a:rPr lang="nl-BE" smtClean="0"/>
-              <a:t>10/12/2024</a:t>
+              <a:t>11/12/2024</a:t>
             </a:fld>
             <a:endParaRPr lang="nl-BE"/>
           </a:p>
@@ -3268,7 +3268,7 @@
           <a:p>
             <a:fld id="{7923C555-3AB5-4532-9E20-23C21D0CB45B}" type="datetimeFigureOut">
               <a:rPr lang="nl-BE" smtClean="0"/>
-              <a:t>10/12/2024</a:t>
+              <a:t>11/12/2024</a:t>
             </a:fld>
             <a:endParaRPr lang="nl-BE"/>
           </a:p>
@@ -3581,7 +3581,7 @@
           <a:p>
             <a:fld id="{7923C555-3AB5-4532-9E20-23C21D0CB45B}" type="datetimeFigureOut">
               <a:rPr lang="nl-BE" smtClean="0"/>
-              <a:t>10/12/2024</a:t>
+              <a:t>11/12/2024</a:t>
             </a:fld>
             <a:endParaRPr lang="nl-BE"/>
           </a:p>
@@ -3870,7 +3870,7 @@
           <a:p>
             <a:fld id="{7923C555-3AB5-4532-9E20-23C21D0CB45B}" type="datetimeFigureOut">
               <a:rPr lang="nl-BE" smtClean="0"/>
-              <a:t>10/12/2024</a:t>
+              <a:t>11/12/2024</a:t>
             </a:fld>
             <a:endParaRPr lang="nl-BE"/>
           </a:p>
@@ -4113,7 +4113,7 @@
           <a:p>
             <a:fld id="{7923C555-3AB5-4532-9E20-23C21D0CB45B}" type="datetimeFigureOut">
               <a:rPr lang="nl-BE" smtClean="0"/>
-              <a:t>10/12/2024</a:t>
+              <a:t>11/12/2024</a:t>
             </a:fld>
             <a:endParaRPr lang="nl-BE"/>
           </a:p>
@@ -10449,12 +10449,92 @@
           </a:p>
         </p:txBody>
       </p:sp>
+      <p:sp>
+        <p:nvSpPr>
+          <p:cNvPr id="6" name="Tekstvak 5">
+            <a:extLst>
+              <a:ext uri="{FF2B5EF4-FFF2-40B4-BE49-F238E27FC236}">
+                <a16:creationId xmlns:a16="http://schemas.microsoft.com/office/drawing/2014/main" id="{8F0F7A7F-4080-F52B-BF43-2CB783A8F507}"/>
+              </a:ext>
+            </a:extLst>
+          </p:cNvPr>
+          <p:cNvSpPr txBox="1"/>
+          <p:nvPr/>
+        </p:nvSpPr>
+        <p:spPr>
+          <a:xfrm>
+            <a:off x="304800" y="2641600"/>
+            <a:ext cx="3362960" cy="1477328"/>
+          </a:xfrm>
+          <a:prstGeom prst="rect">
+            <a:avLst/>
+          </a:prstGeom>
+          <a:noFill/>
+        </p:spPr>
+        <p:txBody>
+          <a:bodyPr wrap="square" rtlCol="0">
+            <a:spAutoFit/>
+          </a:bodyPr>
+          <a:lstStyle/>
+          <a:p>
+            <a:pPr marL="285750" indent="-285750">
+              <a:buFont typeface="Arial" panose="020B0604020202020204" pitchFamily="34" charset="0"/>
+              <a:buChar char="•"/>
+            </a:pPr>
+            <a:r>
+              <a:rPr lang="en-GB" dirty="0"/>
+              <a:t>MPU6050 data</a:t>
+            </a:r>
+          </a:p>
+          <a:p>
+            <a:pPr marL="285750" indent="-285750">
+              <a:buFont typeface="Arial" panose="020B0604020202020204" pitchFamily="34" charset="0"/>
+              <a:buChar char="•"/>
+            </a:pPr>
+            <a:r>
+              <a:rPr lang="en-GB" dirty="0"/>
+              <a:t>Car orientation</a:t>
+            </a:r>
+          </a:p>
+          <a:p>
+            <a:pPr marL="285750" indent="-285750">
+              <a:buFont typeface="Arial" panose="020B0604020202020204" pitchFamily="34" charset="0"/>
+              <a:buChar char="•"/>
+            </a:pPr>
+            <a:r>
+              <a:rPr lang="en-GB" dirty="0"/>
+              <a:t>Speedometer data</a:t>
+            </a:r>
+          </a:p>
+          <a:p>
+            <a:pPr marL="285750" indent="-285750">
+              <a:buFont typeface="Arial" panose="020B0604020202020204" pitchFamily="34" charset="0"/>
+              <a:buChar char="•"/>
+            </a:pPr>
+            <a:r>
+              <a:rPr lang="en-GB" dirty="0"/>
+              <a:t>Reset orientation</a:t>
+            </a:r>
+          </a:p>
+          <a:p>
+            <a:pPr marL="285750" indent="-285750">
+              <a:buFont typeface="Arial" panose="020B0604020202020204" pitchFamily="34" charset="0"/>
+              <a:buChar char="•"/>
+            </a:pPr>
+            <a:r>
+              <a:rPr lang="en-GB" dirty="0"/>
+              <a:t>Motor control</a:t>
+            </a:r>
+            <a:endParaRPr lang="nl-BE" dirty="0"/>
+          </a:p>
+        </p:txBody>
+      </p:sp>
       <p:pic>
         <p:nvPicPr>
-          <p:cNvPr id="5" name="Afbeelding 4">
+          <p:cNvPr id="4" name="Afbeelding 3">
             <a:extLst>
               <a:ext uri="{FF2B5EF4-FFF2-40B4-BE49-F238E27FC236}">
-                <a16:creationId xmlns:a16="http://schemas.microsoft.com/office/drawing/2014/main" id="{BDDB2EB2-3A7D-21E4-EF6F-97757A1D77C3}"/>
+                <a16:creationId xmlns:a16="http://schemas.microsoft.com/office/drawing/2014/main" id="{8F246F6F-0F80-CC95-B93D-8929E6454FD9}"/>
               </a:ext>
             </a:extLst>
           </p:cNvPr>
@@ -10471,84 +10551,14 @@
         </p:blipFill>
         <p:spPr>
           <a:xfrm>
-            <a:off x="3058160" y="2055813"/>
-            <a:ext cx="8148320" cy="4581572"/>
+            <a:off x="3727662" y="2309675"/>
+            <a:ext cx="7626138" cy="3924364"/>
           </a:xfrm>
           <a:prstGeom prst="rect">
             <a:avLst/>
           </a:prstGeom>
         </p:spPr>
       </p:pic>
-      <p:sp>
-        <p:nvSpPr>
-          <p:cNvPr id="6" name="Tekstvak 5">
-            <a:extLst>
-              <a:ext uri="{FF2B5EF4-FFF2-40B4-BE49-F238E27FC236}">
-                <a16:creationId xmlns:a16="http://schemas.microsoft.com/office/drawing/2014/main" id="{8F0F7A7F-4080-F52B-BF43-2CB783A8F507}"/>
-              </a:ext>
-            </a:extLst>
-          </p:cNvPr>
-          <p:cNvSpPr txBox="1"/>
-          <p:nvPr/>
-        </p:nvSpPr>
-        <p:spPr>
-          <a:xfrm>
-            <a:off x="304800" y="2641600"/>
-            <a:ext cx="3362960" cy="1200329"/>
-          </a:xfrm>
-          <a:prstGeom prst="rect">
-            <a:avLst/>
-          </a:prstGeom>
-          <a:noFill/>
-        </p:spPr>
-        <p:txBody>
-          <a:bodyPr wrap="square" rtlCol="0">
-            <a:spAutoFit/>
-          </a:bodyPr>
-          <a:lstStyle/>
-          <a:p>
-            <a:pPr marL="285750" indent="-285750">
-              <a:buFont typeface="Arial" panose="020B0604020202020204" pitchFamily="34" charset="0"/>
-              <a:buChar char="•"/>
-            </a:pPr>
-            <a:r>
-              <a:rPr lang="en-GB" dirty="0"/>
-              <a:t>MPU6050 data</a:t>
-            </a:r>
-          </a:p>
-          <a:p>
-            <a:pPr marL="285750" indent="-285750">
-              <a:buFont typeface="Arial" panose="020B0604020202020204" pitchFamily="34" charset="0"/>
-              <a:buChar char="•"/>
-            </a:pPr>
-            <a:r>
-              <a:rPr lang="en-GB" dirty="0"/>
-              <a:t>Car orientation</a:t>
-            </a:r>
-          </a:p>
-          <a:p>
-            <a:pPr marL="285750" indent="-285750">
-              <a:buFont typeface="Arial" panose="020B0604020202020204" pitchFamily="34" charset="0"/>
-              <a:buChar char="•"/>
-            </a:pPr>
-            <a:r>
-              <a:rPr lang="en-GB" dirty="0"/>
-              <a:t>Reset orientation</a:t>
-            </a:r>
-          </a:p>
-          <a:p>
-            <a:pPr marL="285750" indent="-285750">
-              <a:buFont typeface="Arial" panose="020B0604020202020204" pitchFamily="34" charset="0"/>
-              <a:buChar char="•"/>
-            </a:pPr>
-            <a:r>
-              <a:rPr lang="en-GB" dirty="0"/>
-              <a:t>Motor control</a:t>
-            </a:r>
-            <a:endParaRPr lang="nl-BE" dirty="0"/>
-          </a:p>
-        </p:txBody>
-      </p:sp>
     </p:spTree>
     <p:extLst>
       <p:ext uri="{BB962C8B-B14F-4D97-AF65-F5344CB8AC3E}">
@@ -12242,7 +12252,7 @@
         <p:spPr>
           <a:xfrm>
             <a:off x="7109355" y="2926080"/>
-            <a:ext cx="5224885" cy="1754326"/>
+            <a:ext cx="5224885" cy="2031325"/>
           </a:xfrm>
           <a:prstGeom prst="rect">
             <a:avLst/>
@@ -12342,6 +12352,16 @@
             <a:r>
               <a:rPr lang="nl-BE" dirty="0"/>
               <a:t> showcase speed</a:t>
+            </a:r>
+          </a:p>
+          <a:p>
+            <a:pPr marL="285750" indent="-285750">
+              <a:buFont typeface="Arial" panose="020B0604020202020204" pitchFamily="34" charset="0"/>
+              <a:buChar char="•"/>
+            </a:pPr>
+            <a:r>
+              <a:rPr lang="nl-BE" dirty="0"/>
+              <a:t>DARREN UIPDATE8888!!!!!</a:t>
             </a:r>
           </a:p>
           <a:p>

--- a/Documentation/RC_CAR.pptx
+++ b/Documentation/RC_CAR.pptx
@@ -643,7 +643,7 @@
           <a:p>
             <a:fld id="{E9EF8655-73E4-44B9-B8C0-E21199306151}" type="datetimeFigureOut">
               <a:rPr lang="nl-BE" smtClean="0"/>
-              <a:t>11/12/2024</a:t>
+              <a:t>12/12/2024</a:t>
             </a:fld>
             <a:endParaRPr lang="nl-BE"/>
           </a:p>
@@ -1444,7 +1444,7 @@
           <a:p>
             <a:fld id="{7923C555-3AB5-4532-9E20-23C21D0CB45B}" type="datetimeFigureOut">
               <a:rPr lang="nl-BE" smtClean="0"/>
-              <a:t>11/12/2024</a:t>
+              <a:t>12/12/2024</a:t>
             </a:fld>
             <a:endParaRPr lang="nl-BE"/>
           </a:p>
@@ -1644,7 +1644,7 @@
           <a:p>
             <a:fld id="{7923C555-3AB5-4532-9E20-23C21D0CB45B}" type="datetimeFigureOut">
               <a:rPr lang="nl-BE" smtClean="0"/>
-              <a:t>11/12/2024</a:t>
+              <a:t>12/12/2024</a:t>
             </a:fld>
             <a:endParaRPr lang="nl-BE"/>
           </a:p>
@@ -1854,7 +1854,7 @@
           <a:p>
             <a:fld id="{7923C555-3AB5-4532-9E20-23C21D0CB45B}" type="datetimeFigureOut">
               <a:rPr lang="nl-BE" smtClean="0"/>
-              <a:t>11/12/2024</a:t>
+              <a:t>12/12/2024</a:t>
             </a:fld>
             <a:endParaRPr lang="nl-BE"/>
           </a:p>
@@ -2054,7 +2054,7 @@
           <a:p>
             <a:fld id="{7923C555-3AB5-4532-9E20-23C21D0CB45B}" type="datetimeFigureOut">
               <a:rPr lang="nl-BE" smtClean="0"/>
-              <a:t>11/12/2024</a:t>
+              <a:t>12/12/2024</a:t>
             </a:fld>
             <a:endParaRPr lang="nl-BE"/>
           </a:p>
@@ -2330,7 +2330,7 @@
           <a:p>
             <a:fld id="{7923C555-3AB5-4532-9E20-23C21D0CB45B}" type="datetimeFigureOut">
               <a:rPr lang="nl-BE" smtClean="0"/>
-              <a:t>11/12/2024</a:t>
+              <a:t>12/12/2024</a:t>
             </a:fld>
             <a:endParaRPr lang="nl-BE"/>
           </a:p>
@@ -2598,7 +2598,7 @@
           <a:p>
             <a:fld id="{7923C555-3AB5-4532-9E20-23C21D0CB45B}" type="datetimeFigureOut">
               <a:rPr lang="nl-BE" smtClean="0"/>
-              <a:t>11/12/2024</a:t>
+              <a:t>12/12/2024</a:t>
             </a:fld>
             <a:endParaRPr lang="nl-BE"/>
           </a:p>
@@ -3013,7 +3013,7 @@
           <a:p>
             <a:fld id="{7923C555-3AB5-4532-9E20-23C21D0CB45B}" type="datetimeFigureOut">
               <a:rPr lang="nl-BE" smtClean="0"/>
-              <a:t>11/12/2024</a:t>
+              <a:t>12/12/2024</a:t>
             </a:fld>
             <a:endParaRPr lang="nl-BE"/>
           </a:p>
@@ -3155,7 +3155,7 @@
           <a:p>
             <a:fld id="{7923C555-3AB5-4532-9E20-23C21D0CB45B}" type="datetimeFigureOut">
               <a:rPr lang="nl-BE" smtClean="0"/>
-              <a:t>11/12/2024</a:t>
+              <a:t>12/12/2024</a:t>
             </a:fld>
             <a:endParaRPr lang="nl-BE"/>
           </a:p>
@@ -3268,7 +3268,7 @@
           <a:p>
             <a:fld id="{7923C555-3AB5-4532-9E20-23C21D0CB45B}" type="datetimeFigureOut">
               <a:rPr lang="nl-BE" smtClean="0"/>
-              <a:t>11/12/2024</a:t>
+              <a:t>12/12/2024</a:t>
             </a:fld>
             <a:endParaRPr lang="nl-BE"/>
           </a:p>
@@ -3581,7 +3581,7 @@
           <a:p>
             <a:fld id="{7923C555-3AB5-4532-9E20-23C21D0CB45B}" type="datetimeFigureOut">
               <a:rPr lang="nl-BE" smtClean="0"/>
-              <a:t>11/12/2024</a:t>
+              <a:t>12/12/2024</a:t>
             </a:fld>
             <a:endParaRPr lang="nl-BE"/>
           </a:p>
@@ -3870,7 +3870,7 @@
           <a:p>
             <a:fld id="{7923C555-3AB5-4532-9E20-23C21D0CB45B}" type="datetimeFigureOut">
               <a:rPr lang="nl-BE" smtClean="0"/>
-              <a:t>11/12/2024</a:t>
+              <a:t>12/12/2024</a:t>
             </a:fld>
             <a:endParaRPr lang="nl-BE"/>
           </a:p>
@@ -4113,7 +4113,7 @@
           <a:p>
             <a:fld id="{7923C555-3AB5-4532-9E20-23C21D0CB45B}" type="datetimeFigureOut">
               <a:rPr lang="nl-BE" smtClean="0"/>
-              <a:t>11/12/2024</a:t>
+              <a:t>12/12/2024</a:t>
             </a:fld>
             <a:endParaRPr lang="nl-BE"/>
           </a:p>
@@ -9449,7 +9449,7 @@
         <p:spPr>
           <a:xfrm>
             <a:off x="7109355" y="2926080"/>
-            <a:ext cx="5079597" cy="2862322"/>
+            <a:ext cx="5079597" cy="2308324"/>
           </a:xfrm>
           <a:prstGeom prst="rect">
             <a:avLst/>
@@ -9544,39 +9544,6 @@
               <a:buChar char="•"/>
             </a:pPr>
             <a:r>
-              <a:rPr lang="en-US" dirty="0" err="1"/>
-              <a:t>Truststores</a:t>
-            </a:r>
-            <a:r>
-              <a:rPr lang="en-US" dirty="0"/>
-              <a:t> are a special kind of </a:t>
-            </a:r>
-            <a:r>
-              <a:rPr lang="nl-NL" dirty="0">
-                <a:hlinkClick r:id="rId3"/>
-              </a:rPr>
-              <a:t>Java </a:t>
-            </a:r>
-            <a:r>
-              <a:rPr lang="nl-NL" dirty="0" err="1">
-                <a:hlinkClick r:id="rId3"/>
-              </a:rPr>
-              <a:t>KeyStores</a:t>
-            </a:r>
-            <a:r>
-              <a:rPr lang="nl-NL" dirty="0">
-                <a:hlinkClick r:id="rId3"/>
-              </a:rPr>
-              <a:t>(JKS)</a:t>
-            </a:r>
-            <a:endParaRPr lang="nl-NL" dirty="0"/>
-          </a:p>
-          <a:p>
-            <a:pPr marL="285750" indent="-285750">
-              <a:buFont typeface="Arial" panose="020B0604020202020204" pitchFamily="34" charset="0"/>
-              <a:buChar char="•"/>
-            </a:pPr>
-            <a:r>
               <a:rPr lang="nl-NL" dirty="0" err="1">
                 <a:latin typeface="Aptos" panose="020B0004020202020204" pitchFamily="34" charset="0"/>
                 <a:cs typeface="Arial" panose="020B0604020202020204" pitchFamily="34" charset="0"/>
@@ -9659,7 +9626,7 @@
           </p:nvPr>
         </p:nvPicPr>
         <p:blipFill>
-          <a:blip r:embed="rId4">
+          <a:blip r:embed="rId3">
             <a:extLst>
               <a:ext uri="{28A0092B-C50C-407E-A947-70E740481C1C}">
                 <a14:useLocalDpi xmlns:a14="http://schemas.microsoft.com/office/drawing/2010/main" val="0"/>
@@ -12252,7 +12219,7 @@
         <p:spPr>
           <a:xfrm>
             <a:off x="7109355" y="2926080"/>
-            <a:ext cx="5224885" cy="2031325"/>
+            <a:ext cx="5224885" cy="1477328"/>
           </a:xfrm>
           <a:prstGeom prst="rect">
             <a:avLst/>
@@ -12343,33 +12310,32 @@
             </a:pPr>
             <a:r>
               <a:rPr lang="nl-BE" dirty="0"/>
-              <a:t>MAX7219 array driver </a:t>
+              <a:t>Show speed on </a:t>
             </a:r>
             <a:r>
               <a:rPr lang="nl-BE" dirty="0" err="1"/>
-              <a:t>to</a:t>
+              <a:t>two</a:t>
             </a:r>
             <a:r>
               <a:rPr lang="nl-BE" dirty="0"/>
-              <a:t> showcase speed</a:t>
-            </a:r>
-          </a:p>
-          <a:p>
-            <a:pPr marL="285750" indent="-285750">
-              <a:buFont typeface="Arial" panose="020B0604020202020204" pitchFamily="34" charset="0"/>
-              <a:buChar char="•"/>
-            </a:pPr>
+              <a:t> </a:t>
+            </a:r>
+            <a:r>
+              <a:rPr lang="nl-BE" dirty="0" err="1"/>
+              <a:t>seven</a:t>
+            </a:r>
             <a:r>
               <a:rPr lang="nl-BE" dirty="0"/>
-              <a:t>DARREN UIPDATE8888!!!!!</a:t>
-            </a:r>
-          </a:p>
-          <a:p>
-            <a:pPr marL="285750" indent="-285750">
-              <a:buFont typeface="Arial" panose="020B0604020202020204" pitchFamily="34" charset="0"/>
-              <a:buChar char="•"/>
-            </a:pPr>
-            <a:endParaRPr lang="nl-BE" dirty="0"/>
+              <a:t> </a:t>
+            </a:r>
+            <a:r>
+              <a:rPr lang="nl-BE" dirty="0" err="1"/>
+              <a:t>segments</a:t>
+            </a:r>
+            <a:r>
+              <a:rPr lang="nl-BE" dirty="0"/>
+              <a:t> displays</a:t>
+            </a:r>
           </a:p>
         </p:txBody>
       </p:sp>

--- a/Documentation/RC_CAR.pptx
+++ b/Documentation/RC_CAR.pptx
@@ -643,7 +643,7 @@
           <a:p>
             <a:fld id="{E9EF8655-73E4-44B9-B8C0-E21199306151}" type="datetimeFigureOut">
               <a:rPr lang="nl-BE" smtClean="0"/>
-              <a:t>12/12/2024</a:t>
+              <a:t>13/12/2024</a:t>
             </a:fld>
             <a:endParaRPr lang="nl-BE"/>
           </a:p>
@@ -1444,7 +1444,7 @@
           <a:p>
             <a:fld id="{7923C555-3AB5-4532-9E20-23C21D0CB45B}" type="datetimeFigureOut">
               <a:rPr lang="nl-BE" smtClean="0"/>
-              <a:t>12/12/2024</a:t>
+              <a:t>13/12/2024</a:t>
             </a:fld>
             <a:endParaRPr lang="nl-BE"/>
           </a:p>
@@ -1644,7 +1644,7 @@
           <a:p>
             <a:fld id="{7923C555-3AB5-4532-9E20-23C21D0CB45B}" type="datetimeFigureOut">
               <a:rPr lang="nl-BE" smtClean="0"/>
-              <a:t>12/12/2024</a:t>
+              <a:t>13/12/2024</a:t>
             </a:fld>
             <a:endParaRPr lang="nl-BE"/>
           </a:p>
@@ -1854,7 +1854,7 @@
           <a:p>
             <a:fld id="{7923C555-3AB5-4532-9E20-23C21D0CB45B}" type="datetimeFigureOut">
               <a:rPr lang="nl-BE" smtClean="0"/>
-              <a:t>12/12/2024</a:t>
+              <a:t>13/12/2024</a:t>
             </a:fld>
             <a:endParaRPr lang="nl-BE"/>
           </a:p>
@@ -2054,7 +2054,7 @@
           <a:p>
             <a:fld id="{7923C555-3AB5-4532-9E20-23C21D0CB45B}" type="datetimeFigureOut">
               <a:rPr lang="nl-BE" smtClean="0"/>
-              <a:t>12/12/2024</a:t>
+              <a:t>13/12/2024</a:t>
             </a:fld>
             <a:endParaRPr lang="nl-BE"/>
           </a:p>
@@ -2330,7 +2330,7 @@
           <a:p>
             <a:fld id="{7923C555-3AB5-4532-9E20-23C21D0CB45B}" type="datetimeFigureOut">
               <a:rPr lang="nl-BE" smtClean="0"/>
-              <a:t>12/12/2024</a:t>
+              <a:t>13/12/2024</a:t>
             </a:fld>
             <a:endParaRPr lang="nl-BE"/>
           </a:p>
@@ -2598,7 +2598,7 @@
           <a:p>
             <a:fld id="{7923C555-3AB5-4532-9E20-23C21D0CB45B}" type="datetimeFigureOut">
               <a:rPr lang="nl-BE" smtClean="0"/>
-              <a:t>12/12/2024</a:t>
+              <a:t>13/12/2024</a:t>
             </a:fld>
             <a:endParaRPr lang="nl-BE"/>
           </a:p>
@@ -3013,7 +3013,7 @@
           <a:p>
             <a:fld id="{7923C555-3AB5-4532-9E20-23C21D0CB45B}" type="datetimeFigureOut">
               <a:rPr lang="nl-BE" smtClean="0"/>
-              <a:t>12/12/2024</a:t>
+              <a:t>13/12/2024</a:t>
             </a:fld>
             <a:endParaRPr lang="nl-BE"/>
           </a:p>
@@ -3155,7 +3155,7 @@
           <a:p>
             <a:fld id="{7923C555-3AB5-4532-9E20-23C21D0CB45B}" type="datetimeFigureOut">
               <a:rPr lang="nl-BE" smtClean="0"/>
-              <a:t>12/12/2024</a:t>
+              <a:t>13/12/2024</a:t>
             </a:fld>
             <a:endParaRPr lang="nl-BE"/>
           </a:p>
@@ -3268,7 +3268,7 @@
           <a:p>
             <a:fld id="{7923C555-3AB5-4532-9E20-23C21D0CB45B}" type="datetimeFigureOut">
               <a:rPr lang="nl-BE" smtClean="0"/>
-              <a:t>12/12/2024</a:t>
+              <a:t>13/12/2024</a:t>
             </a:fld>
             <a:endParaRPr lang="nl-BE"/>
           </a:p>
@@ -3581,7 +3581,7 @@
           <a:p>
             <a:fld id="{7923C555-3AB5-4532-9E20-23C21D0CB45B}" type="datetimeFigureOut">
               <a:rPr lang="nl-BE" smtClean="0"/>
-              <a:t>12/12/2024</a:t>
+              <a:t>13/12/2024</a:t>
             </a:fld>
             <a:endParaRPr lang="nl-BE"/>
           </a:p>
@@ -3870,7 +3870,7 @@
           <a:p>
             <a:fld id="{7923C555-3AB5-4532-9E20-23C21D0CB45B}" type="datetimeFigureOut">
               <a:rPr lang="nl-BE" smtClean="0"/>
-              <a:t>12/12/2024</a:t>
+              <a:t>13/12/2024</a:t>
             </a:fld>
             <a:endParaRPr lang="nl-BE"/>
           </a:p>
@@ -4113,7 +4113,7 @@
           <a:p>
             <a:fld id="{7923C555-3AB5-4532-9E20-23C21D0CB45B}" type="datetimeFigureOut">
               <a:rPr lang="nl-BE" smtClean="0"/>
-              <a:t>12/12/2024</a:t>
+              <a:t>13/12/2024</a:t>
             </a:fld>
             <a:endParaRPr lang="nl-BE"/>
           </a:p>
@@ -6677,10 +6677,10 @@
       </p:sp>
       <p:pic>
         <p:nvPicPr>
-          <p:cNvPr id="4" name="Afbeelding 3">
+          <p:cNvPr id="3" name="Afbeelding 2" descr="Afbeelding met tekst, diagram, schermopname, Plan&#10;&#10;Automatisch gegenereerde beschrijving">
             <a:extLst>
               <a:ext uri="{FF2B5EF4-FFF2-40B4-BE49-F238E27FC236}">
-                <a16:creationId xmlns:a16="http://schemas.microsoft.com/office/drawing/2014/main" id="{2038D9ED-AC4E-B598-03BC-09EE4394EAD7}"/>
+                <a16:creationId xmlns:a16="http://schemas.microsoft.com/office/drawing/2014/main" id="{ECC44910-B561-E584-F2A6-F2C5C21B849B}"/>
               </a:ext>
             </a:extLst>
           </p:cNvPr>
@@ -6697,8 +6697,8 @@
         </p:blipFill>
         <p:spPr>
           <a:xfrm>
-            <a:off x="4948051" y="1008354"/>
-            <a:ext cx="7016365" cy="4841291"/>
+            <a:off x="5019715" y="918578"/>
+            <a:ext cx="6642729" cy="4998606"/>
           </a:xfrm>
           <a:prstGeom prst="rect">
             <a:avLst/>
@@ -7492,7 +7492,7 @@
         <p:spPr>
           <a:xfrm>
             <a:off x="7109355" y="2926080"/>
-            <a:ext cx="4930260" cy="2308324"/>
+            <a:ext cx="4930260" cy="2585323"/>
           </a:xfrm>
           <a:prstGeom prst="rect">
             <a:avLst/>
@@ -7594,6 +7594,16 @@
             <a:r>
               <a:rPr lang="en-GB" dirty="0"/>
               <a:t>Two DC motors </a:t>
+            </a:r>
+          </a:p>
+          <a:p>
+            <a:pPr marL="285750" indent="-285750">
+              <a:buFont typeface="Arial" panose="020B0604020202020204" pitchFamily="34" charset="0"/>
+              <a:buChar char="•"/>
+            </a:pPr>
+            <a:r>
+              <a:rPr lang="en-GB" dirty="0"/>
+              <a:t>BLE</a:t>
             </a:r>
           </a:p>
           <a:p>
@@ -8624,38 +8634,144 @@
           </a:p>
         </p:txBody>
       </p:sp>
+      <p:pic>
+        <p:nvPicPr>
+          <p:cNvPr id="5" name="Afbeelding 4">
+            <a:extLst>
+              <a:ext uri="{FF2B5EF4-FFF2-40B4-BE49-F238E27FC236}">
+                <a16:creationId xmlns:a16="http://schemas.microsoft.com/office/drawing/2014/main" id="{2927C917-C2B0-9129-70EE-096203755618}"/>
+              </a:ext>
+            </a:extLst>
+          </p:cNvPr>
+          <p:cNvPicPr>
+            <a:picLocks noChangeAspect="1"/>
+          </p:cNvPicPr>
+          <p:nvPr/>
+        </p:nvPicPr>
+        <p:blipFill>
+          <a:blip r:embed="rId2"/>
+          <a:stretch>
+            <a:fillRect/>
+          </a:stretch>
+        </p:blipFill>
+        <p:spPr>
+          <a:xfrm>
+            <a:off x="5081185" y="2055813"/>
+            <a:ext cx="6231975" cy="4289026"/>
+          </a:xfrm>
+          <a:prstGeom prst="rect">
+            <a:avLst/>
+          </a:prstGeom>
+        </p:spPr>
+      </p:pic>
       <p:sp>
         <p:nvSpPr>
-          <p:cNvPr id="3" name="Tijdelijke aanduiding voor inhoud 2">
+          <p:cNvPr id="6" name="Tekstvak 5">
             <a:extLst>
               <a:ext uri="{FF2B5EF4-FFF2-40B4-BE49-F238E27FC236}">
-                <a16:creationId xmlns:a16="http://schemas.microsoft.com/office/drawing/2014/main" id="{B5BDEF5A-10F8-49DF-0E66-D6DD525386B5}"/>
+                <a16:creationId xmlns:a16="http://schemas.microsoft.com/office/drawing/2014/main" id="{7C6BB477-D3A1-0D8E-D8D3-F9A99B4B0217}"/>
               </a:ext>
             </a:extLst>
           </p:cNvPr>
-          <p:cNvSpPr>
-            <a:spLocks noGrp="1"/>
-          </p:cNvSpPr>
-          <p:nvPr>
-            <p:ph idx="1"/>
-          </p:nvPr>
+          <p:cNvSpPr txBox="1"/>
+          <p:nvPr/>
         </p:nvSpPr>
         <p:spPr>
           <a:xfrm>
-            <a:off x="838200" y="1929384"/>
-            <a:ext cx="10515600" cy="4251960"/>
+            <a:off x="838200" y="2357120"/>
+            <a:ext cx="3845560" cy="923330"/>
           </a:xfrm>
+          <a:prstGeom prst="rect">
+            <a:avLst/>
+          </a:prstGeom>
+          <a:noFill/>
         </p:spPr>
         <p:txBody>
-          <a:bodyPr>
-            <a:normAutofit/>
+          <a:bodyPr wrap="square" rtlCol="0">
+            <a:spAutoFit/>
           </a:bodyPr>
           <a:lstStyle/>
           <a:p>
-            <a:endParaRPr lang="nl-BE" sz="2200"/>
+            <a:pPr marL="285750" indent="-285750">
+              <a:buFont typeface="Arial" panose="020B0604020202020204" pitchFamily="34" charset="0"/>
+              <a:buChar char="•"/>
+            </a:pPr>
+            <a:r>
+              <a:rPr lang="en-GB" dirty="0"/>
+              <a:t>Joystick </a:t>
+            </a:r>
+            <a:r>
+              <a:rPr lang="en-GB" dirty="0" err="1"/>
+              <a:t>analog</a:t>
+            </a:r>
+            <a:r>
+              <a:rPr lang="en-GB" dirty="0"/>
+              <a:t> in</a:t>
+            </a:r>
+          </a:p>
+          <a:p>
+            <a:pPr marL="285750" indent="-285750">
+              <a:buFont typeface="Arial" panose="020B0604020202020204" pitchFamily="34" charset="0"/>
+              <a:buChar char="•"/>
+            </a:pPr>
+            <a:r>
+              <a:rPr lang="nl-BE" dirty="0"/>
+              <a:t>2x 7-segment displays digital out</a:t>
+            </a:r>
+          </a:p>
+          <a:p>
+            <a:pPr marL="285750" indent="-285750">
+              <a:buFont typeface="Arial" panose="020B0604020202020204" pitchFamily="34" charset="0"/>
+              <a:buChar char="•"/>
+            </a:pPr>
+            <a:r>
+              <a:rPr lang="nl-BE" dirty="0"/>
+              <a:t>BLE</a:t>
+            </a:r>
           </a:p>
         </p:txBody>
       </p:sp>
+      <p:pic>
+        <p:nvPicPr>
+          <p:cNvPr id="7" name="Afbeelding 6" descr="Geen beschrijving beschikbaar.">
+            <a:extLst>
+              <a:ext uri="{FF2B5EF4-FFF2-40B4-BE49-F238E27FC236}">
+                <a16:creationId xmlns:a16="http://schemas.microsoft.com/office/drawing/2014/main" id="{1C9735AE-31B8-C134-B41F-6F9A05503C06}"/>
+              </a:ext>
+            </a:extLst>
+          </p:cNvPr>
+          <p:cNvPicPr>
+            <a:picLocks noChangeAspect="1"/>
+          </p:cNvPicPr>
+          <p:nvPr/>
+        </p:nvPicPr>
+        <p:blipFill>
+          <a:blip r:embed="rId3" cstate="print">
+            <a:extLst>
+              <a:ext uri="{28A0092B-C50C-407E-A947-70E740481C1C}">
+                <a14:useLocalDpi xmlns:a14="http://schemas.microsoft.com/office/drawing/2010/main" val="0"/>
+              </a:ext>
+            </a:extLst>
+          </a:blip>
+          <a:srcRect/>
+          <a:stretch>
+            <a:fillRect/>
+          </a:stretch>
+        </p:blipFill>
+        <p:spPr bwMode="auto">
+          <a:xfrm>
+            <a:off x="1198881" y="3641480"/>
+            <a:ext cx="3144498" cy="2851395"/>
+          </a:xfrm>
+          <a:prstGeom prst="rect">
+            <a:avLst/>
+          </a:prstGeom>
+          <a:noFill/>
+          <a:ln>
+            <a:noFill/>
+          </a:ln>
+        </p:spPr>
+      </p:pic>
     </p:spTree>
     <p:extLst>
       <p:ext uri="{BB962C8B-B14F-4D97-AF65-F5344CB8AC3E}">
@@ -10431,7 +10547,7 @@
         <p:spPr>
           <a:xfrm>
             <a:off x="304800" y="2641600"/>
-            <a:ext cx="3362960" cy="1477328"/>
+            <a:ext cx="3362960" cy="1754326"/>
           </a:xfrm>
           <a:prstGeom prst="rect">
             <a:avLst/>
@@ -10492,16 +10608,26 @@
               <a:rPr lang="en-GB" dirty="0"/>
               <a:t>Motor control</a:t>
             </a:r>
+          </a:p>
+          <a:p>
+            <a:pPr marL="285750" indent="-285750">
+              <a:buFont typeface="Arial" panose="020B0604020202020204" pitchFamily="34" charset="0"/>
+              <a:buChar char="•"/>
+            </a:pPr>
+            <a:r>
+              <a:rPr lang="en-GB" dirty="0"/>
+              <a:t>Low power control</a:t>
+            </a:r>
             <a:endParaRPr lang="nl-BE" dirty="0"/>
           </a:p>
         </p:txBody>
       </p:sp>
       <p:pic>
         <p:nvPicPr>
-          <p:cNvPr id="4" name="Afbeelding 3">
+          <p:cNvPr id="5" name="Afbeelding 4">
             <a:extLst>
               <a:ext uri="{FF2B5EF4-FFF2-40B4-BE49-F238E27FC236}">
-                <a16:creationId xmlns:a16="http://schemas.microsoft.com/office/drawing/2014/main" id="{8F246F6F-0F80-CC95-B93D-8929E6454FD9}"/>
+                <a16:creationId xmlns:a16="http://schemas.microsoft.com/office/drawing/2014/main" id="{686DEB5F-C8C9-74CE-F667-17341C6605C4}"/>
               </a:ext>
             </a:extLst>
           </p:cNvPr>
@@ -10518,8 +10644,8 @@
         </p:blipFill>
         <p:spPr>
           <a:xfrm>
-            <a:off x="3727662" y="2309675"/>
-            <a:ext cx="7626138" cy="3924364"/>
+            <a:off x="3973228" y="2254600"/>
+            <a:ext cx="7380572" cy="3728656"/>
           </a:xfrm>
           <a:prstGeom prst="rect">
             <a:avLst/>
@@ -11298,42 +11424,338 @@
           </a:p>
         </p:txBody>
       </p:sp>
-      <p:sp>
-        <p:nvSpPr>
-          <p:cNvPr id="3" name="Tijdelijke aanduiding voor inhoud 2">
+      <p:graphicFrame>
+        <p:nvGraphicFramePr>
+          <p:cNvPr id="4" name="Tabel 3">
             <a:extLst>
               <a:ext uri="{FF2B5EF4-FFF2-40B4-BE49-F238E27FC236}">
-                <a16:creationId xmlns:a16="http://schemas.microsoft.com/office/drawing/2014/main" id="{0DC94FFD-73AB-09C7-2A67-2A64DDEEBDE3}"/>
+                <a16:creationId xmlns:a16="http://schemas.microsoft.com/office/drawing/2014/main" id="{9621D010-8CF3-98D5-733D-CBF1A773F2CB}"/>
               </a:ext>
             </a:extLst>
           </p:cNvPr>
-          <p:cNvSpPr>
-            <a:spLocks noGrp="1"/>
-          </p:cNvSpPr>
+          <p:cNvGraphicFramePr>
+            <a:graphicFrameLocks noGrp="1"/>
+          </p:cNvGraphicFramePr>
           <p:nvPr>
-            <p:ph idx="1"/>
+            <p:extLst>
+              <p:ext uri="{D42A27DB-BD31-4B8C-83A1-F6EECF244321}">
+                <p14:modId xmlns:p14="http://schemas.microsoft.com/office/powerpoint/2010/main" val="1515369720"/>
+              </p:ext>
+            </p:extLst>
           </p:nvPr>
-        </p:nvSpPr>
-        <p:spPr>
-          <a:xfrm>
-            <a:off x="838200" y="1929384"/>
-            <a:ext cx="10515600" cy="4251960"/>
-          </a:xfrm>
-        </p:spPr>
-        <p:txBody>
-          <a:bodyPr>
-            <a:normAutofit/>
-          </a:bodyPr>
-          <a:lstStyle/>
-          <a:p>
-            <a:r>
-              <a:rPr lang="en-GB" sz="2200"/>
-              <a:t>Before and after low power </a:t>
-            </a:r>
-            <a:endParaRPr lang="nl-BE" sz="2200"/>
-          </a:p>
-        </p:txBody>
-      </p:sp>
+        </p:nvGraphicFramePr>
+        <p:xfrm>
+          <a:off x="1769806" y="2349746"/>
+          <a:ext cx="8380364" cy="3175452"/>
+        </p:xfrm>
+        <a:graphic>
+          <a:graphicData uri="http://schemas.openxmlformats.org/drawingml/2006/table">
+            <a:tbl>
+              <a:tblPr firstRow="1" bandRow="1">
+                <a:tableStyleId>{5C22544A-7EE6-4342-B048-85BDC9FD1C3A}</a:tableStyleId>
+              </a:tblPr>
+              <a:tblGrid>
+                <a:gridCol w="2095091">
+                  <a:extLst>
+                    <a:ext uri="{9D8B030D-6E8A-4147-A177-3AD203B41FA5}">
+                      <a16:colId xmlns:a16="http://schemas.microsoft.com/office/drawing/2014/main" val="147443430"/>
+                    </a:ext>
+                  </a:extLst>
+                </a:gridCol>
+                <a:gridCol w="2095091">
+                  <a:extLst>
+                    <a:ext uri="{9D8B030D-6E8A-4147-A177-3AD203B41FA5}">
+                      <a16:colId xmlns:a16="http://schemas.microsoft.com/office/drawing/2014/main" val="4075633756"/>
+                    </a:ext>
+                  </a:extLst>
+                </a:gridCol>
+                <a:gridCol w="2095091">
+                  <a:extLst>
+                    <a:ext uri="{9D8B030D-6E8A-4147-A177-3AD203B41FA5}">
+                      <a16:colId xmlns:a16="http://schemas.microsoft.com/office/drawing/2014/main" val="3140995390"/>
+                    </a:ext>
+                  </a:extLst>
+                </a:gridCol>
+                <a:gridCol w="2095091">
+                  <a:extLst>
+                    <a:ext uri="{9D8B030D-6E8A-4147-A177-3AD203B41FA5}">
+                      <a16:colId xmlns:a16="http://schemas.microsoft.com/office/drawing/2014/main" val="668886203"/>
+                    </a:ext>
+                  </a:extLst>
+                </a:gridCol>
+              </a:tblGrid>
+              <a:tr h="784164">
+                <a:tc>
+                  <a:txBody>
+                    <a:bodyPr/>
+                    <a:lstStyle/>
+                    <a:p>
+                      <a:pPr algn="ctr"/>
+                      <a:r>
+                        <a:rPr lang="en-GB" sz="2400" dirty="0"/>
+                        <a:t>State</a:t>
+                      </a:r>
+                      <a:endParaRPr lang="nl-BE" sz="2400" dirty="0"/>
+                    </a:p>
+                  </a:txBody>
+                  <a:tcPr/>
+                </a:tc>
+                <a:tc>
+                  <a:txBody>
+                    <a:bodyPr/>
+                    <a:lstStyle/>
+                    <a:p>
+                      <a:pPr algn="ctr"/>
+                      <a:r>
+                        <a:rPr lang="en-GB" sz="2400" dirty="0"/>
+                        <a:t>Voltage (V)</a:t>
+                      </a:r>
+                      <a:endParaRPr lang="nl-BE" sz="2400" dirty="0"/>
+                    </a:p>
+                  </a:txBody>
+                  <a:tcPr/>
+                </a:tc>
+                <a:tc>
+                  <a:txBody>
+                    <a:bodyPr/>
+                    <a:lstStyle/>
+                    <a:p>
+                      <a:pPr algn="ctr"/>
+                      <a:r>
+                        <a:rPr lang="en-GB" sz="2400" dirty="0"/>
+                        <a:t>Current (mA)</a:t>
+                      </a:r>
+                      <a:endParaRPr lang="nl-BE" sz="2400" dirty="0"/>
+                    </a:p>
+                  </a:txBody>
+                  <a:tcPr/>
+                </a:tc>
+                <a:tc>
+                  <a:txBody>
+                    <a:bodyPr/>
+                    <a:lstStyle/>
+                    <a:p>
+                      <a:pPr algn="ctr"/>
+                      <a:r>
+                        <a:rPr lang="en-GB" sz="2400" dirty="0"/>
+                        <a:t>Power (W)</a:t>
+                      </a:r>
+                      <a:endParaRPr lang="nl-BE" sz="2400" dirty="0"/>
+                    </a:p>
+                  </a:txBody>
+                  <a:tcPr/>
+                </a:tc>
+                <a:extLst>
+                  <a:ext uri="{0D108BD9-81ED-4DB2-BD59-A6C34878D82A}">
+                    <a16:rowId xmlns:a16="http://schemas.microsoft.com/office/drawing/2014/main" val="2053759284"/>
+                  </a:ext>
+                </a:extLst>
+              </a:tr>
+              <a:tr h="784164">
+                <a:tc>
+                  <a:txBody>
+                    <a:bodyPr/>
+                    <a:lstStyle/>
+                    <a:p>
+                      <a:pPr algn="ctr"/>
+                      <a:r>
+                        <a:rPr lang="en-GB" sz="2400" dirty="0"/>
+                        <a:t>Idle</a:t>
+                      </a:r>
+                      <a:endParaRPr lang="nl-BE" sz="2400" dirty="0"/>
+                    </a:p>
+                  </a:txBody>
+                  <a:tcPr/>
+                </a:tc>
+                <a:tc>
+                  <a:txBody>
+                    <a:bodyPr/>
+                    <a:lstStyle/>
+                    <a:p>
+                      <a:pPr algn="ctr"/>
+                      <a:r>
+                        <a:rPr lang="en-GB" sz="2400" dirty="0"/>
+                        <a:t>12</a:t>
+                      </a:r>
+                      <a:endParaRPr lang="nl-BE" sz="2400" dirty="0"/>
+                    </a:p>
+                  </a:txBody>
+                  <a:tcPr/>
+                </a:tc>
+                <a:tc>
+                  <a:txBody>
+                    <a:bodyPr/>
+                    <a:lstStyle/>
+                    <a:p>
+                      <a:pPr algn="ctr"/>
+                      <a:r>
+                        <a:rPr lang="en-GB" sz="2400" dirty="0"/>
+                        <a:t>175</a:t>
+                      </a:r>
+                      <a:endParaRPr lang="nl-BE" sz="2400" dirty="0"/>
+                    </a:p>
+                  </a:txBody>
+                  <a:tcPr/>
+                </a:tc>
+                <a:tc>
+                  <a:txBody>
+                    <a:bodyPr/>
+                    <a:lstStyle/>
+                    <a:p>
+                      <a:pPr algn="ctr"/>
+                      <a:r>
+                        <a:rPr lang="en-GB" sz="2400" dirty="0"/>
+                        <a:t>2.1</a:t>
+                      </a:r>
+                      <a:endParaRPr lang="nl-BE" sz="2400" dirty="0"/>
+                    </a:p>
+                  </a:txBody>
+                  <a:tcPr/>
+                </a:tc>
+                <a:extLst>
+                  <a:ext uri="{0D108BD9-81ED-4DB2-BD59-A6C34878D82A}">
+                    <a16:rowId xmlns:a16="http://schemas.microsoft.com/office/drawing/2014/main" val="1337893104"/>
+                  </a:ext>
+                </a:extLst>
+              </a:tr>
+              <a:tr h="784164">
+                <a:tc>
+                  <a:txBody>
+                    <a:bodyPr/>
+                    <a:lstStyle/>
+                    <a:p>
+                      <a:pPr algn="ctr"/>
+                      <a:r>
+                        <a:rPr lang="en-GB" sz="2400" dirty="0"/>
+                        <a:t>Full drive</a:t>
+                      </a:r>
+                      <a:endParaRPr lang="nl-BE" sz="2400" dirty="0"/>
+                    </a:p>
+                  </a:txBody>
+                  <a:tcPr/>
+                </a:tc>
+                <a:tc>
+                  <a:txBody>
+                    <a:bodyPr/>
+                    <a:lstStyle/>
+                    <a:p>
+                      <a:pPr algn="ctr"/>
+                      <a:r>
+                        <a:rPr lang="en-GB" sz="2400" dirty="0"/>
+                        <a:t>12</a:t>
+                      </a:r>
+                      <a:endParaRPr lang="nl-BE" sz="2400" dirty="0"/>
+                    </a:p>
+                  </a:txBody>
+                  <a:tcPr/>
+                </a:tc>
+                <a:tc>
+                  <a:txBody>
+                    <a:bodyPr/>
+                    <a:lstStyle/>
+                    <a:p>
+                      <a:pPr algn="ctr"/>
+                      <a:r>
+                        <a:rPr lang="en-GB" sz="2400" dirty="0"/>
+                        <a:t>600</a:t>
+                      </a:r>
+                      <a:endParaRPr lang="nl-BE" sz="2400" dirty="0"/>
+                    </a:p>
+                  </a:txBody>
+                  <a:tcPr/>
+                </a:tc>
+                <a:tc>
+                  <a:txBody>
+                    <a:bodyPr/>
+                    <a:lstStyle/>
+                    <a:p>
+                      <a:pPr algn="ctr"/>
+                      <a:r>
+                        <a:rPr lang="en-GB" sz="2400" dirty="0"/>
+                        <a:t>7.2</a:t>
+                      </a:r>
+                      <a:endParaRPr lang="nl-BE" sz="2400" dirty="0"/>
+                    </a:p>
+                  </a:txBody>
+                  <a:tcPr/>
+                </a:tc>
+                <a:extLst>
+                  <a:ext uri="{0D108BD9-81ED-4DB2-BD59-A6C34878D82A}">
+                    <a16:rowId xmlns:a16="http://schemas.microsoft.com/office/drawing/2014/main" val="3213076268"/>
+                  </a:ext>
+                </a:extLst>
+              </a:tr>
+              <a:tr h="784164">
+                <a:tc>
+                  <a:txBody>
+                    <a:bodyPr/>
+                    <a:lstStyle/>
+                    <a:p>
+                      <a:pPr algn="ctr"/>
+                      <a:r>
+                        <a:rPr lang="en-GB" sz="2400" dirty="0"/>
+                        <a:t>Full drive low power</a:t>
+                      </a:r>
+                      <a:endParaRPr lang="nl-BE" sz="2400" dirty="0"/>
+                    </a:p>
+                  </a:txBody>
+                  <a:tcPr/>
+                </a:tc>
+                <a:tc>
+                  <a:txBody>
+                    <a:bodyPr/>
+                    <a:lstStyle/>
+                    <a:p>
+                      <a:pPr algn="ctr"/>
+                      <a:r>
+                        <a:rPr lang="en-GB" sz="2400" dirty="0"/>
+                        <a:t>12</a:t>
+                      </a:r>
+                      <a:endParaRPr lang="nl-BE" sz="2400" dirty="0"/>
+                    </a:p>
+                  </a:txBody>
+                  <a:tcPr/>
+                </a:tc>
+                <a:tc>
+                  <a:txBody>
+                    <a:bodyPr/>
+                    <a:lstStyle/>
+                    <a:p>
+                      <a:pPr algn="ctr"/>
+                      <a:r>
+                        <a:rPr lang="en-GB" sz="2400" dirty="0"/>
+                        <a:t>400</a:t>
+                      </a:r>
+                      <a:endParaRPr lang="nl-BE" sz="2400" dirty="0"/>
+                    </a:p>
+                  </a:txBody>
+                  <a:tcPr/>
+                </a:tc>
+                <a:tc>
+                  <a:txBody>
+                    <a:bodyPr/>
+                    <a:lstStyle/>
+                    <a:p>
+                      <a:pPr algn="ctr"/>
+                      <a:r>
+                        <a:rPr lang="en-GB" sz="2400" dirty="0"/>
+                        <a:t>4.8</a:t>
+                      </a:r>
+                      <a:endParaRPr lang="nl-BE" sz="2400" dirty="0"/>
+                    </a:p>
+                  </a:txBody>
+                  <a:tcPr/>
+                </a:tc>
+                <a:extLst>
+                  <a:ext uri="{0D108BD9-81ED-4DB2-BD59-A6C34878D82A}">
+                    <a16:rowId xmlns:a16="http://schemas.microsoft.com/office/drawing/2014/main" val="499183163"/>
+                  </a:ext>
+                </a:extLst>
+              </a:tr>
+            </a:tbl>
+          </a:graphicData>
+        </a:graphic>
+      </p:graphicFrame>
     </p:spTree>
     <p:extLst>
       <p:ext uri="{BB962C8B-B14F-4D97-AF65-F5344CB8AC3E}">
